--- a/examples/eidelyur/MCOOL/all_docs/my_docs/myMeshkovFig6.pptx
+++ b/examples/eidelyur/MCOOL/all_docs/my_docs/myMeshkovFig6.pptx
@@ -7,8 +7,7 @@
   <p:sldIdLst>
     <p:sldId id="256" r:id="rId2"/>
     <p:sldId id="257" r:id="rId3"/>
-    <p:sldId id="259" r:id="rId4"/>
-    <p:sldId id="261" r:id="rId5"/>
+    <p:sldId id="261" r:id="rId4"/>
   </p:sldIdLst>
   <p:sldSz cx="12192000" cy="6858000"/>
   <p:notesSz cx="6985000" cy="9283700"/>
@@ -262,7 +261,7 @@
           <a:p>
             <a:fld id="{EF31D65A-66AA-4F34-A4B6-9A8E86434DB9}" type="datetimeFigureOut">
               <a:rPr lang="en-US" smtClean="0"/>
-              <a:t>8/9/2018</a:t>
+              <a:t>8/16/2018</a:t>
             </a:fld>
             <a:endParaRPr lang="en-US"/>
           </a:p>
@@ -460,7 +459,7 @@
           <a:p>
             <a:fld id="{EF31D65A-66AA-4F34-A4B6-9A8E86434DB9}" type="datetimeFigureOut">
               <a:rPr lang="en-US" smtClean="0"/>
-              <a:t>8/9/2018</a:t>
+              <a:t>8/16/2018</a:t>
             </a:fld>
             <a:endParaRPr lang="en-US"/>
           </a:p>
@@ -668,7 +667,7 @@
           <a:p>
             <a:fld id="{EF31D65A-66AA-4F34-A4B6-9A8E86434DB9}" type="datetimeFigureOut">
               <a:rPr lang="en-US" smtClean="0"/>
-              <a:t>8/9/2018</a:t>
+              <a:t>8/16/2018</a:t>
             </a:fld>
             <a:endParaRPr lang="en-US"/>
           </a:p>
@@ -866,7 +865,7 @@
           <a:p>
             <a:fld id="{EF31D65A-66AA-4F34-A4B6-9A8E86434DB9}" type="datetimeFigureOut">
               <a:rPr lang="en-US" smtClean="0"/>
-              <a:t>8/9/2018</a:t>
+              <a:t>8/16/2018</a:t>
             </a:fld>
             <a:endParaRPr lang="en-US"/>
           </a:p>
@@ -1141,7 +1140,7 @@
           <a:p>
             <a:fld id="{EF31D65A-66AA-4F34-A4B6-9A8E86434DB9}" type="datetimeFigureOut">
               <a:rPr lang="en-US" smtClean="0"/>
-              <a:t>8/9/2018</a:t>
+              <a:t>8/16/2018</a:t>
             </a:fld>
             <a:endParaRPr lang="en-US"/>
           </a:p>
@@ -1406,7 +1405,7 @@
           <a:p>
             <a:fld id="{EF31D65A-66AA-4F34-A4B6-9A8E86434DB9}" type="datetimeFigureOut">
               <a:rPr lang="en-US" smtClean="0"/>
-              <a:t>8/9/2018</a:t>
+              <a:t>8/16/2018</a:t>
             </a:fld>
             <a:endParaRPr lang="en-US"/>
           </a:p>
@@ -1818,7 +1817,7 @@
           <a:p>
             <a:fld id="{EF31D65A-66AA-4F34-A4B6-9A8E86434DB9}" type="datetimeFigureOut">
               <a:rPr lang="en-US" smtClean="0"/>
-              <a:t>8/9/2018</a:t>
+              <a:t>8/16/2018</a:t>
             </a:fld>
             <a:endParaRPr lang="en-US"/>
           </a:p>
@@ -1959,7 +1958,7 @@
           <a:p>
             <a:fld id="{EF31D65A-66AA-4F34-A4B6-9A8E86434DB9}" type="datetimeFigureOut">
               <a:rPr lang="en-US" smtClean="0"/>
-              <a:t>8/9/2018</a:t>
+              <a:t>8/16/2018</a:t>
             </a:fld>
             <a:endParaRPr lang="en-US"/>
           </a:p>
@@ -2072,7 +2071,7 @@
           <a:p>
             <a:fld id="{EF31D65A-66AA-4F34-A4B6-9A8E86434DB9}" type="datetimeFigureOut">
               <a:rPr lang="en-US" smtClean="0"/>
-              <a:t>8/9/2018</a:t>
+              <a:t>8/16/2018</a:t>
             </a:fld>
             <a:endParaRPr lang="en-US"/>
           </a:p>
@@ -2383,7 +2382,7 @@
           <a:p>
             <a:fld id="{EF31D65A-66AA-4F34-A4B6-9A8E86434DB9}" type="datetimeFigureOut">
               <a:rPr lang="en-US" smtClean="0"/>
-              <a:t>8/9/2018</a:t>
+              <a:t>8/16/2018</a:t>
             </a:fld>
             <a:endParaRPr lang="en-US"/>
           </a:p>
@@ -2671,7 +2670,7 @@
           <a:p>
             <a:fld id="{EF31D65A-66AA-4F34-A4B6-9A8E86434DB9}" type="datetimeFigureOut">
               <a:rPr lang="en-US" smtClean="0"/>
-              <a:t>8/9/2018</a:t>
+              <a:t>8/16/2018</a:t>
             </a:fld>
             <a:endParaRPr lang="en-US"/>
           </a:p>
@@ -2912,7 +2911,7 @@
           <a:p>
             <a:fld id="{EF31D65A-66AA-4F34-A4B6-9A8E86434DB9}" type="datetimeFigureOut">
               <a:rPr lang="en-US" smtClean="0"/>
-              <a:t>8/9/2018</a:t>
+              <a:t>8/16/2018</a:t>
             </a:fld>
             <a:endParaRPr lang="en-US"/>
           </a:p>
@@ -3959,7 +3958,7 @@
           <a:graphicData uri="http://schemas.openxmlformats.org/presentationml/2006/ole">
             <mc:AlternateContent xmlns:mc="http://schemas.openxmlformats.org/markup-compatibility/2006">
               <mc:Choice xmlns:v="urn:schemas-microsoft-com:vml" Requires="v">
-                <p:oleObj spid="_x0000_s1461" name="Equation" r:id="rId3" imgW="152280" imgH="253800" progId="Equation.DSMT4">
+                <p:oleObj spid="_x0000_s1573" name="Equation" r:id="rId3" imgW="152280" imgH="253800" progId="Equation.DSMT4">
                   <p:embed/>
                 </p:oleObj>
               </mc:Choice>
@@ -4022,7 +4021,7 @@
           <a:graphicData uri="http://schemas.openxmlformats.org/presentationml/2006/ole">
             <mc:AlternateContent xmlns:mc="http://schemas.openxmlformats.org/markup-compatibility/2006">
               <mc:Choice xmlns:v="urn:schemas-microsoft-com:vml" Requires="v">
-                <p:oleObj spid="_x0000_s1462" name="Equation" r:id="rId5" imgW="152280" imgH="253800" progId="Equation.DSMT4">
+                <p:oleObj spid="_x0000_s1574" name="Equation" r:id="rId5" imgW="152280" imgH="253800" progId="Equation.DSMT4">
                   <p:embed/>
                 </p:oleObj>
               </mc:Choice>
@@ -4091,7 +4090,7 @@
           <a:graphicData uri="http://schemas.openxmlformats.org/presentationml/2006/ole">
             <mc:AlternateContent xmlns:mc="http://schemas.openxmlformats.org/markup-compatibility/2006">
               <mc:Choice xmlns:v="urn:schemas-microsoft-com:vml" Requires="v">
-                <p:oleObj spid="_x0000_s1463" name="Equation" r:id="rId7" imgW="241200" imgH="253800" progId="Equation.DSMT4">
+                <p:oleObj spid="_x0000_s1575" name="Equation" r:id="rId7" imgW="241200" imgH="253800" progId="Equation.DSMT4">
                   <p:embed/>
                 </p:oleObj>
               </mc:Choice>
@@ -4160,7 +4159,7 @@
           <a:graphicData uri="http://schemas.openxmlformats.org/presentationml/2006/ole">
             <mc:AlternateContent xmlns:mc="http://schemas.openxmlformats.org/markup-compatibility/2006">
               <mc:Choice xmlns:v="urn:schemas-microsoft-com:vml" Requires="v">
-                <p:oleObj spid="_x0000_s1464" name="Equation" r:id="rId9" imgW="291960" imgH="253800" progId="Equation.DSMT4">
+                <p:oleObj spid="_x0000_s1576" name="Equation" r:id="rId9" imgW="291960" imgH="253800" progId="Equation.DSMT4">
                   <p:embed/>
                 </p:oleObj>
               </mc:Choice>
@@ -4229,7 +4228,7 @@
           <a:graphicData uri="http://schemas.openxmlformats.org/presentationml/2006/ole">
             <mc:AlternateContent xmlns:mc="http://schemas.openxmlformats.org/markup-compatibility/2006">
               <mc:Choice xmlns:v="urn:schemas-microsoft-com:vml" Requires="v">
-                <p:oleObj spid="_x0000_s1465" name="Equation" r:id="rId11" imgW="152280" imgH="228600" progId="Equation.DSMT4">
+                <p:oleObj spid="_x0000_s1577" name="Equation" r:id="rId11" imgW="152280" imgH="228600" progId="Equation.DSMT4">
                   <p:embed/>
                 </p:oleObj>
               </mc:Choice>
@@ -4298,7 +4297,7 @@
           <a:graphicData uri="http://schemas.openxmlformats.org/presentationml/2006/ole">
             <mc:AlternateContent xmlns:mc="http://schemas.openxmlformats.org/markup-compatibility/2006">
               <mc:Choice xmlns:v="urn:schemas-microsoft-com:vml" Requires="v">
-                <p:oleObj spid="_x0000_s1466" name="Equation" r:id="rId13" imgW="152280" imgH="203040" progId="Equation.DSMT4">
+                <p:oleObj spid="_x0000_s1578" name="Equation" r:id="rId13" imgW="152280" imgH="203040" progId="Equation.DSMT4">
                   <p:embed/>
                 </p:oleObj>
               </mc:Choice>
@@ -4367,7 +4366,7 @@
           <a:graphicData uri="http://schemas.openxmlformats.org/presentationml/2006/ole">
             <mc:AlternateContent xmlns:mc="http://schemas.openxmlformats.org/markup-compatibility/2006">
               <mc:Choice xmlns:v="urn:schemas-microsoft-com:vml" Requires="v">
-                <p:oleObj spid="_x0000_s1467" name="Equation" r:id="rId15" imgW="787320" imgH="266400" progId="Equation.DSMT4">
+                <p:oleObj spid="_x0000_s1579" name="Equation" r:id="rId15" imgW="787320" imgH="266400" progId="Equation.DSMT4">
                   <p:embed/>
                 </p:oleObj>
               </mc:Choice>
@@ -4436,7 +4435,7 @@
           <a:graphicData uri="http://schemas.openxmlformats.org/presentationml/2006/ole">
             <mc:AlternateContent xmlns:mc="http://schemas.openxmlformats.org/markup-compatibility/2006">
               <mc:Choice xmlns:v="urn:schemas-microsoft-com:vml" Requires="v">
-                <p:oleObj spid="_x0000_s1468" name="Equation" r:id="rId17" imgW="190440" imgH="241200" progId="Equation.DSMT4">
+                <p:oleObj spid="_x0000_s1580" name="Equation" r:id="rId17" imgW="190440" imgH="241200" progId="Equation.DSMT4">
                   <p:embed/>
                 </p:oleObj>
               </mc:Choice>
@@ -4703,7 +4702,7 @@
           <a:graphicData uri="http://schemas.openxmlformats.org/presentationml/2006/ole">
             <mc:AlternateContent xmlns:mc="http://schemas.openxmlformats.org/markup-compatibility/2006">
               <mc:Choice xmlns:v="urn:schemas-microsoft-com:vml" Requires="v">
-                <p:oleObj spid="_x0000_s1469" name="Equation" r:id="rId19" imgW="126720" imgH="177480" progId="Equation.DSMT4">
+                <p:oleObj spid="_x0000_s1581" name="Equation" r:id="rId19" imgW="126720" imgH="177480" progId="Equation.DSMT4">
                   <p:embed/>
                 </p:oleObj>
               </mc:Choice>
@@ -4772,7 +4771,7 @@
           <a:graphicData uri="http://schemas.openxmlformats.org/presentationml/2006/ole">
             <mc:AlternateContent xmlns:mc="http://schemas.openxmlformats.org/markup-compatibility/2006">
               <mc:Choice xmlns:v="urn:schemas-microsoft-com:vml" Requires="v">
-                <p:oleObj spid="_x0000_s1470" name="Equation" r:id="rId21" imgW="126720" imgH="164880" progId="Equation.DSMT4">
+                <p:oleObj spid="_x0000_s1582" name="Equation" r:id="rId21" imgW="126720" imgH="164880" progId="Equation.DSMT4">
                   <p:embed/>
                 </p:oleObj>
               </mc:Choice>
@@ -4841,7 +4840,7 @@
           <a:graphicData uri="http://schemas.openxmlformats.org/presentationml/2006/ole">
             <mc:AlternateContent xmlns:mc="http://schemas.openxmlformats.org/markup-compatibility/2006">
               <mc:Choice xmlns:v="urn:schemas-microsoft-com:vml" Requires="v">
-                <p:oleObj spid="_x0000_s1471" name="Equation" r:id="rId23" imgW="139680" imgH="203040" progId="Equation.DSMT4">
+                <p:oleObj spid="_x0000_s1583" name="Equation" r:id="rId23" imgW="139680" imgH="203040" progId="Equation.DSMT4">
                   <p:embed/>
                 </p:oleObj>
               </mc:Choice>
@@ -4994,7 +4993,7 @@
           <a:graphicData uri="http://schemas.openxmlformats.org/presentationml/2006/ole">
             <mc:AlternateContent xmlns:mc="http://schemas.openxmlformats.org/markup-compatibility/2006">
               <mc:Choice xmlns:v="urn:schemas-microsoft-com:vml" Requires="v">
-                <p:oleObj spid="_x0000_s1472" name="Equation" r:id="rId25" imgW="152280" imgH="164880" progId="Equation.DSMT4">
+                <p:oleObj spid="_x0000_s1584" name="Equation" r:id="rId25" imgW="152280" imgH="164880" progId="Equation.DSMT4">
                   <p:embed/>
                 </p:oleObj>
               </mc:Choice>
@@ -5063,7 +5062,7 @@
           <a:graphicData uri="http://schemas.openxmlformats.org/presentationml/2006/ole">
             <mc:AlternateContent xmlns:mc="http://schemas.openxmlformats.org/markup-compatibility/2006">
               <mc:Choice xmlns:v="urn:schemas-microsoft-com:vml" Requires="v">
-                <p:oleObj spid="_x0000_s1473" name="Equation" r:id="rId27" imgW="152280" imgH="164880" progId="Equation.DSMT4">
+                <p:oleObj spid="_x0000_s1585" name="Equation" r:id="rId27" imgW="152280" imgH="164880" progId="Equation.DSMT4">
                   <p:embed/>
                 </p:oleObj>
               </mc:Choice>
@@ -5132,7 +5131,7 @@
           <a:graphicData uri="http://schemas.openxmlformats.org/presentationml/2006/ole">
             <mc:AlternateContent xmlns:mc="http://schemas.openxmlformats.org/markup-compatibility/2006">
               <mc:Choice xmlns:v="urn:schemas-microsoft-com:vml" Requires="v">
-                <p:oleObj spid="_x0000_s1474" name="Equation" r:id="rId29" imgW="164880" imgH="203040" progId="Equation.DSMT4">
+                <p:oleObj spid="_x0000_s1586" name="Equation" r:id="rId29" imgW="164880" imgH="203040" progId="Equation.DSMT4">
                   <p:embed/>
                 </p:oleObj>
               </mc:Choice>
@@ -5308,7 +5307,7 @@
           <a:graphicData uri="http://schemas.openxmlformats.org/presentationml/2006/ole">
             <mc:AlternateContent xmlns:mc="http://schemas.openxmlformats.org/markup-compatibility/2006">
               <mc:Choice xmlns:v="urn:schemas-microsoft-com:vml" Requires="v">
-                <p:oleObj spid="_x0000_s1475" name="Equation" r:id="rId31" imgW="139680" imgH="164880" progId="Equation.DSMT4">
+                <p:oleObj spid="_x0000_s1587" name="Equation" r:id="rId31" imgW="139680" imgH="164880" progId="Equation.DSMT4">
                   <p:embed/>
                 </p:oleObj>
               </mc:Choice>
@@ -5458,7 +5457,7 @@
           <a:graphicData uri="http://schemas.openxmlformats.org/presentationml/2006/ole">
             <mc:AlternateContent xmlns:mc="http://schemas.openxmlformats.org/markup-compatibility/2006">
               <mc:Choice xmlns:v="urn:schemas-microsoft-com:vml" Requires="v">
-                <p:oleObj spid="_x0000_s1476" name="Equation" r:id="rId33" imgW="203040" imgH="253800" progId="Equation.DSMT4">
+                <p:oleObj spid="_x0000_s1588" name="Equation" r:id="rId33" imgW="203040" imgH="253800" progId="Equation.DSMT4">
                   <p:embed/>
                 </p:oleObj>
               </mc:Choice>
@@ -6111,7 +6110,7 @@
           <a:graphicData uri="http://schemas.openxmlformats.org/presentationml/2006/ole">
             <mc:AlternateContent xmlns:mc="http://schemas.openxmlformats.org/markup-compatibility/2006">
               <mc:Choice xmlns:v="urn:schemas-microsoft-com:vml" Requires="v">
-                <p:oleObj spid="_x0000_s2365" name="Equation" r:id="rId3" imgW="241200" imgH="253800" progId="Equation.DSMT4">
+                <p:oleObj spid="_x0000_s2470" name="Equation" r:id="rId3" imgW="241200" imgH="253800" progId="Equation.DSMT4">
                   <p:embed/>
                 </p:oleObj>
               </mc:Choice>
@@ -6180,7 +6179,7 @@
           <a:graphicData uri="http://schemas.openxmlformats.org/presentationml/2006/ole">
             <mc:AlternateContent xmlns:mc="http://schemas.openxmlformats.org/markup-compatibility/2006">
               <mc:Choice xmlns:v="urn:schemas-microsoft-com:vml" Requires="v">
-                <p:oleObj spid="_x0000_s2366" name="Equation" r:id="rId5" imgW="152280" imgH="253800" progId="Equation.DSMT4">
+                <p:oleObj spid="_x0000_s2471" name="Equation" r:id="rId5" imgW="152280" imgH="253800" progId="Equation.DSMT4">
                   <p:embed/>
                 </p:oleObj>
               </mc:Choice>
@@ -6249,7 +6248,7 @@
           <a:graphicData uri="http://schemas.openxmlformats.org/presentationml/2006/ole">
             <mc:AlternateContent xmlns:mc="http://schemas.openxmlformats.org/markup-compatibility/2006">
               <mc:Choice xmlns:v="urn:schemas-microsoft-com:vml" Requires="v">
-                <p:oleObj spid="_x0000_s2367" name="Equation" r:id="rId7" imgW="152280" imgH="253800" progId="Equation.DSMT4">
+                <p:oleObj spid="_x0000_s2472" name="Equation" r:id="rId7" imgW="152280" imgH="253800" progId="Equation.DSMT4">
                   <p:embed/>
                 </p:oleObj>
               </mc:Choice>
@@ -6318,7 +6317,7 @@
           <a:graphicData uri="http://schemas.openxmlformats.org/presentationml/2006/ole">
             <mc:AlternateContent xmlns:mc="http://schemas.openxmlformats.org/markup-compatibility/2006">
               <mc:Choice xmlns:v="urn:schemas-microsoft-com:vml" Requires="v">
-                <p:oleObj spid="_x0000_s2368" name="Equation" r:id="rId9" imgW="291960" imgH="253800" progId="Equation.DSMT4">
+                <p:oleObj spid="_x0000_s2473" name="Equation" r:id="rId9" imgW="291960" imgH="253800" progId="Equation.DSMT4">
                   <p:embed/>
                 </p:oleObj>
               </mc:Choice>
@@ -6387,7 +6386,7 @@
           <a:graphicData uri="http://schemas.openxmlformats.org/presentationml/2006/ole">
             <mc:AlternateContent xmlns:mc="http://schemas.openxmlformats.org/markup-compatibility/2006">
               <mc:Choice xmlns:v="urn:schemas-microsoft-com:vml" Requires="v">
-                <p:oleObj spid="_x0000_s2369" name="Equation" r:id="rId11" imgW="152280" imgH="228600" progId="Equation.DSMT4">
+                <p:oleObj spid="_x0000_s2474" name="Equation" r:id="rId11" imgW="152280" imgH="228600" progId="Equation.DSMT4">
                   <p:embed/>
                 </p:oleObj>
               </mc:Choice>
@@ -6456,7 +6455,7 @@
           <a:graphicData uri="http://schemas.openxmlformats.org/presentationml/2006/ole">
             <mc:AlternateContent xmlns:mc="http://schemas.openxmlformats.org/markup-compatibility/2006">
               <mc:Choice xmlns:v="urn:schemas-microsoft-com:vml" Requires="v">
-                <p:oleObj spid="_x0000_s2370" name="Equation" r:id="rId13" imgW="152280" imgH="203040" progId="Equation.DSMT4">
+                <p:oleObj spid="_x0000_s2475" name="Equation" r:id="rId13" imgW="152280" imgH="203040" progId="Equation.DSMT4">
                   <p:embed/>
                 </p:oleObj>
               </mc:Choice>
@@ -6525,7 +6524,7 @@
           <a:graphicData uri="http://schemas.openxmlformats.org/presentationml/2006/ole">
             <mc:AlternateContent xmlns:mc="http://schemas.openxmlformats.org/markup-compatibility/2006">
               <mc:Choice xmlns:v="urn:schemas-microsoft-com:vml" Requires="v">
-                <p:oleObj spid="_x0000_s2371" name="Equation" r:id="rId15" imgW="787320" imgH="266400" progId="Equation.DSMT4">
+                <p:oleObj spid="_x0000_s2476" name="Equation" r:id="rId15" imgW="787320" imgH="266400" progId="Equation.DSMT4">
                   <p:embed/>
                 </p:oleObj>
               </mc:Choice>
@@ -6594,7 +6593,7 @@
           <a:graphicData uri="http://schemas.openxmlformats.org/presentationml/2006/ole">
             <mc:AlternateContent xmlns:mc="http://schemas.openxmlformats.org/markup-compatibility/2006">
               <mc:Choice xmlns:v="urn:schemas-microsoft-com:vml" Requires="v">
-                <p:oleObj spid="_x0000_s2372" name="Equation" r:id="rId17" imgW="190440" imgH="241200" progId="Equation.DSMT4">
+                <p:oleObj spid="_x0000_s2477" name="Equation" r:id="rId17" imgW="190440" imgH="241200" progId="Equation.DSMT4">
                   <p:embed/>
                 </p:oleObj>
               </mc:Choice>
@@ -6778,7 +6777,7 @@
           <a:graphicData uri="http://schemas.openxmlformats.org/presentationml/2006/ole">
             <mc:AlternateContent xmlns:mc="http://schemas.openxmlformats.org/markup-compatibility/2006">
               <mc:Choice xmlns:v="urn:schemas-microsoft-com:vml" Requires="v">
-                <p:oleObj spid="_x0000_s2373" name="Equation" r:id="rId19" imgW="126720" imgH="177480" progId="Equation.DSMT4">
+                <p:oleObj spid="_x0000_s2478" name="Equation" r:id="rId19" imgW="126720" imgH="177480" progId="Equation.DSMT4">
                   <p:embed/>
                 </p:oleObj>
               </mc:Choice>
@@ -6847,7 +6846,7 @@
           <a:graphicData uri="http://schemas.openxmlformats.org/presentationml/2006/ole">
             <mc:AlternateContent xmlns:mc="http://schemas.openxmlformats.org/markup-compatibility/2006">
               <mc:Choice xmlns:v="urn:schemas-microsoft-com:vml" Requires="v">
-                <p:oleObj spid="_x0000_s2374" name="Equation" r:id="rId21" imgW="126720" imgH="164880" progId="Equation.DSMT4">
+                <p:oleObj spid="_x0000_s2479" name="Equation" r:id="rId21" imgW="126720" imgH="164880" progId="Equation.DSMT4">
                   <p:embed/>
                 </p:oleObj>
               </mc:Choice>
@@ -6916,7 +6915,7 @@
           <a:graphicData uri="http://schemas.openxmlformats.org/presentationml/2006/ole">
             <mc:AlternateContent xmlns:mc="http://schemas.openxmlformats.org/markup-compatibility/2006">
               <mc:Choice xmlns:v="urn:schemas-microsoft-com:vml" Requires="v">
-                <p:oleObj spid="_x0000_s2375" name="Equation" r:id="rId23" imgW="139680" imgH="203040" progId="Equation.DSMT4">
+                <p:oleObj spid="_x0000_s2480" name="Equation" r:id="rId23" imgW="139680" imgH="203040" progId="Equation.DSMT4">
                   <p:embed/>
                 </p:oleObj>
               </mc:Choice>
@@ -7067,7 +7066,7 @@
           <a:graphicData uri="http://schemas.openxmlformats.org/presentationml/2006/ole">
             <mc:AlternateContent xmlns:mc="http://schemas.openxmlformats.org/markup-compatibility/2006">
               <mc:Choice xmlns:v="urn:schemas-microsoft-com:vml" Requires="v">
-                <p:oleObj spid="_x0000_s2376" name="Equation" r:id="rId25" imgW="152280" imgH="164880" progId="Equation.DSMT4">
+                <p:oleObj spid="_x0000_s2481" name="Equation" r:id="rId25" imgW="152280" imgH="164880" progId="Equation.DSMT4">
                   <p:embed/>
                 </p:oleObj>
               </mc:Choice>
@@ -7136,7 +7135,7 @@
           <a:graphicData uri="http://schemas.openxmlformats.org/presentationml/2006/ole">
             <mc:AlternateContent xmlns:mc="http://schemas.openxmlformats.org/markup-compatibility/2006">
               <mc:Choice xmlns:v="urn:schemas-microsoft-com:vml" Requires="v">
-                <p:oleObj spid="_x0000_s2377" name="Equation" r:id="rId27" imgW="152280" imgH="164880" progId="Equation.DSMT4">
+                <p:oleObj spid="_x0000_s2482" name="Equation" r:id="rId27" imgW="152280" imgH="164880" progId="Equation.DSMT4">
                   <p:embed/>
                 </p:oleObj>
               </mc:Choice>
@@ -7205,7 +7204,7 @@
           <a:graphicData uri="http://schemas.openxmlformats.org/presentationml/2006/ole">
             <mc:AlternateContent xmlns:mc="http://schemas.openxmlformats.org/markup-compatibility/2006">
               <mc:Choice xmlns:v="urn:schemas-microsoft-com:vml" Requires="v">
-                <p:oleObj spid="_x0000_s2378" name="Equation" r:id="rId29" imgW="164880" imgH="203040" progId="Equation.DSMT4">
+                <p:oleObj spid="_x0000_s2483" name="Equation" r:id="rId29" imgW="164880" imgH="203040" progId="Equation.DSMT4">
                   <p:embed/>
                 </p:oleObj>
               </mc:Choice>
@@ -7381,7 +7380,7 @@
           <a:graphicData uri="http://schemas.openxmlformats.org/presentationml/2006/ole">
             <mc:AlternateContent xmlns:mc="http://schemas.openxmlformats.org/markup-compatibility/2006">
               <mc:Choice xmlns:v="urn:schemas-microsoft-com:vml" Requires="v">
-                <p:oleObj spid="_x0000_s2379" name="Equation" r:id="rId31" imgW="139680" imgH="164880" progId="Equation.DSMT4">
+                <p:oleObj spid="_x0000_s2484" name="Equation" r:id="rId31" imgW="139680" imgH="164880" progId="Equation.DSMT4">
                   <p:embed/>
                 </p:oleObj>
               </mc:Choice>
@@ -7735,5561 +7734,6 @@
         </p:nvCxnSpPr>
         <p:spPr>
           <a:xfrm flipH="1">
-            <a:off x="1027206" y="1779279"/>
-            <a:ext cx="1153886" cy="707571"/>
-          </a:xfrm>
-          <a:prstGeom prst="line">
-            <a:avLst/>
-          </a:prstGeom>
-          <a:ln w="12700">
-            <a:solidFill>
-              <a:srgbClr val="002060"/>
-            </a:solidFill>
-            <a:headEnd type="none" w="med" len="med"/>
-            <a:tailEnd type="none" w="med" len="med"/>
-          </a:ln>
-        </p:spPr>
-        <p:style>
-          <a:lnRef idx="1">
-            <a:schemeClr val="accent1"/>
-          </a:lnRef>
-          <a:fillRef idx="0">
-            <a:schemeClr val="accent1"/>
-          </a:fillRef>
-          <a:effectRef idx="0">
-            <a:schemeClr val="accent1"/>
-          </a:effectRef>
-          <a:fontRef idx="minor">
-            <a:schemeClr val="tx1"/>
-          </a:fontRef>
-        </p:style>
-      </p:cxnSp>
-      <p:cxnSp>
-        <p:nvCxnSpPr>
-          <p:cNvPr id="45" name="Straight Connector 44">
-            <a:extLst>
-              <a:ext uri="{FF2B5EF4-FFF2-40B4-BE49-F238E27FC236}">
-                <a16:creationId xmlns:a16="http://schemas.microsoft.com/office/drawing/2014/main" id="{5E42A0E7-54D2-4A74-B182-6423A45D76A7}"/>
-              </a:ext>
-            </a:extLst>
-          </p:cNvPr>
-          <p:cNvCxnSpPr>
-            <a:cxnSpLocks/>
-          </p:cNvCxnSpPr>
-          <p:nvPr/>
-        </p:nvCxnSpPr>
-        <p:spPr>
-          <a:xfrm flipH="1">
-            <a:off x="3269662" y="2693679"/>
-            <a:ext cx="1186544" cy="718457"/>
-          </a:xfrm>
-          <a:prstGeom prst="line">
-            <a:avLst/>
-          </a:prstGeom>
-        </p:spPr>
-        <p:style>
-          <a:lnRef idx="1">
-            <a:schemeClr val="accent1"/>
-          </a:lnRef>
-          <a:fillRef idx="0">
-            <a:schemeClr val="accent1"/>
-          </a:fillRef>
-          <a:effectRef idx="0">
-            <a:schemeClr val="accent1"/>
-          </a:effectRef>
-          <a:fontRef idx="minor">
-            <a:schemeClr val="tx1"/>
-          </a:fontRef>
-        </p:style>
-      </p:cxnSp>
-      <p:cxnSp>
-        <p:nvCxnSpPr>
-          <p:cNvPr id="46" name="Straight Arrow Connector 45">
-            <a:extLst>
-              <a:ext uri="{FF2B5EF4-FFF2-40B4-BE49-F238E27FC236}">
-                <a16:creationId xmlns:a16="http://schemas.microsoft.com/office/drawing/2014/main" id="{ACC7003A-90BD-4DC4-B461-864E6EECD5AD}"/>
-              </a:ext>
-            </a:extLst>
-          </p:cNvPr>
-          <p:cNvCxnSpPr>
-            <a:cxnSpLocks/>
-          </p:cNvCxnSpPr>
-          <p:nvPr/>
-        </p:nvCxnSpPr>
-        <p:spPr>
-          <a:xfrm>
-            <a:off x="1016321" y="2492293"/>
-            <a:ext cx="2253340" cy="919843"/>
-          </a:xfrm>
-          <a:prstGeom prst="straightConnector1">
-            <a:avLst/>
-          </a:prstGeom>
-          <a:ln w="3175">
-            <a:solidFill>
-              <a:srgbClr val="0070C0"/>
-            </a:solidFill>
-            <a:headEnd type="none" w="med" len="med"/>
-            <a:tailEnd type="none" w="med" len="med"/>
-          </a:ln>
-        </p:spPr>
-        <p:style>
-          <a:lnRef idx="1">
-            <a:schemeClr val="accent1"/>
-          </a:lnRef>
-          <a:fillRef idx="0">
-            <a:schemeClr val="accent1"/>
-          </a:fillRef>
-          <a:effectRef idx="0">
-            <a:schemeClr val="accent1"/>
-          </a:effectRef>
-          <a:fontRef idx="minor">
-            <a:schemeClr val="tx1"/>
-          </a:fontRef>
-        </p:style>
-      </p:cxnSp>
-      <p:cxnSp>
-        <p:nvCxnSpPr>
-          <p:cNvPr id="47" name="Straight Connector 46">
-            <a:extLst>
-              <a:ext uri="{FF2B5EF4-FFF2-40B4-BE49-F238E27FC236}">
-                <a16:creationId xmlns:a16="http://schemas.microsoft.com/office/drawing/2014/main" id="{709DD9FC-575C-46A5-9114-2B0FC230A3EE}"/>
-              </a:ext>
-            </a:extLst>
-          </p:cNvPr>
-          <p:cNvCxnSpPr/>
-          <p:nvPr/>
-        </p:nvCxnSpPr>
-        <p:spPr>
-          <a:xfrm>
-            <a:off x="2181091" y="1779279"/>
-            <a:ext cx="0" cy="713014"/>
-          </a:xfrm>
-          <a:prstGeom prst="line">
-            <a:avLst/>
-          </a:prstGeom>
-          <a:ln w="19050">
-            <a:solidFill>
-              <a:schemeClr val="tx1"/>
-            </a:solidFill>
-            <a:prstDash val="dash"/>
-          </a:ln>
-        </p:spPr>
-        <p:style>
-          <a:lnRef idx="1">
-            <a:schemeClr val="accent1"/>
-          </a:lnRef>
-          <a:fillRef idx="0">
-            <a:schemeClr val="accent1"/>
-          </a:fillRef>
-          <a:effectRef idx="0">
-            <a:schemeClr val="accent1"/>
-          </a:effectRef>
-          <a:fontRef idx="minor">
-            <a:schemeClr val="tx1"/>
-          </a:fontRef>
-        </p:style>
-      </p:cxnSp>
-      <p:cxnSp>
-        <p:nvCxnSpPr>
-          <p:cNvPr id="48" name="Straight Arrow Connector 47">
-            <a:extLst>
-              <a:ext uri="{FF2B5EF4-FFF2-40B4-BE49-F238E27FC236}">
-                <a16:creationId xmlns:a16="http://schemas.microsoft.com/office/drawing/2014/main" id="{D8DBE700-1592-4601-B494-62E77DD8F151}"/>
-              </a:ext>
-            </a:extLst>
-          </p:cNvPr>
-          <p:cNvCxnSpPr>
-            <a:cxnSpLocks/>
-          </p:cNvCxnSpPr>
-          <p:nvPr/>
-        </p:nvCxnSpPr>
-        <p:spPr>
-          <a:xfrm flipH="1">
-            <a:off x="1016320" y="2149394"/>
-            <a:ext cx="1153885" cy="342899"/>
-          </a:xfrm>
-          <a:prstGeom prst="straightConnector1">
-            <a:avLst/>
-          </a:prstGeom>
-          <a:ln w="3175">
-            <a:solidFill>
-              <a:schemeClr val="accent1"/>
-            </a:solidFill>
-            <a:prstDash val="dash"/>
-            <a:headEnd type="none" w="med" len="med"/>
-            <a:tailEnd type="none" w="med" len="med"/>
-          </a:ln>
-        </p:spPr>
-        <p:style>
-          <a:lnRef idx="1">
-            <a:schemeClr val="accent1"/>
-          </a:lnRef>
-          <a:fillRef idx="0">
-            <a:schemeClr val="accent1"/>
-          </a:fillRef>
-          <a:effectRef idx="0">
-            <a:schemeClr val="accent1"/>
-          </a:effectRef>
-          <a:fontRef idx="minor">
-            <a:schemeClr val="tx1"/>
-          </a:fontRef>
-        </p:style>
-      </p:cxnSp>
-      <p:cxnSp>
-        <p:nvCxnSpPr>
-          <p:cNvPr id="49" name="Straight Connector 48">
-            <a:extLst>
-              <a:ext uri="{FF2B5EF4-FFF2-40B4-BE49-F238E27FC236}">
-                <a16:creationId xmlns:a16="http://schemas.microsoft.com/office/drawing/2014/main" id="{D8F36C09-89EE-43AB-A63E-4023E0AAE562}"/>
-              </a:ext>
-            </a:extLst>
-          </p:cNvPr>
-          <p:cNvCxnSpPr>
-            <a:cxnSpLocks/>
-          </p:cNvCxnSpPr>
-          <p:nvPr/>
-        </p:nvCxnSpPr>
-        <p:spPr>
-          <a:xfrm>
-            <a:off x="1027206" y="2127622"/>
-            <a:ext cx="10885" cy="359228"/>
-          </a:xfrm>
-          <a:prstGeom prst="line">
-            <a:avLst/>
-          </a:prstGeom>
-          <a:ln w="3175">
-            <a:solidFill>
-              <a:schemeClr val="accent1"/>
-            </a:solidFill>
-            <a:prstDash val="dash"/>
-          </a:ln>
-        </p:spPr>
-        <p:style>
-          <a:lnRef idx="1">
-            <a:schemeClr val="accent1"/>
-          </a:lnRef>
-          <a:fillRef idx="0">
-            <a:schemeClr val="accent1"/>
-          </a:fillRef>
-          <a:effectRef idx="0">
-            <a:schemeClr val="accent1"/>
-          </a:effectRef>
-          <a:fontRef idx="minor">
-            <a:schemeClr val="tx1"/>
-          </a:fontRef>
-        </p:style>
-      </p:cxnSp>
-      <p:graphicFrame>
-        <p:nvGraphicFramePr>
-          <p:cNvPr id="50" name="Object 49">
-            <a:extLst>
-              <a:ext uri="{FF2B5EF4-FFF2-40B4-BE49-F238E27FC236}">
-                <a16:creationId xmlns:a16="http://schemas.microsoft.com/office/drawing/2014/main" id="{C0D2E6A3-EF7C-47F6-867C-E5682ED6F0A7}"/>
-              </a:ext>
-            </a:extLst>
-          </p:cNvPr>
-          <p:cNvGraphicFramePr>
-            <a:graphicFrameLocks noChangeAspect="1"/>
-          </p:cNvGraphicFramePr>
-          <p:nvPr>
-            <p:extLst>
-              <p:ext uri="{D42A27DB-BD31-4B8C-83A1-F6EECF244321}">
-                <p14:modId xmlns:p14="http://schemas.microsoft.com/office/powerpoint/2010/main" val="1599757673"/>
-              </p:ext>
-            </p:extLst>
-          </p:nvPr>
-        </p:nvGraphicFramePr>
-        <p:xfrm>
-          <a:off x="-43679" y="2138167"/>
-          <a:ext cx="352425" cy="490538"/>
-        </p:xfrm>
-        <a:graphic>
-          <a:graphicData uri="http://schemas.openxmlformats.org/presentationml/2006/ole">
-            <mc:AlternateContent xmlns:mc="http://schemas.openxmlformats.org/markup-compatibility/2006">
-              <mc:Choice xmlns:v="urn:schemas-microsoft-com:vml" Requires="v">
-                <p:oleObj spid="_x0000_s4755" name="Equation" r:id="rId3" imgW="126720" imgH="177480" progId="Equation.DSMT4">
-                  <p:embed/>
-                </p:oleObj>
-              </mc:Choice>
-              <mc:Fallback>
-                <p:oleObj name="Equation" r:id="rId3" imgW="126720" imgH="177480" progId="Equation.DSMT4">
-                  <p:embed/>
-                  <p:pic>
-                    <p:nvPicPr>
-                      <p:cNvPr id="24" name="Object 23">
-                        <a:extLst>
-                          <a:ext uri="{FF2B5EF4-FFF2-40B4-BE49-F238E27FC236}">
-                            <a16:creationId xmlns:a16="http://schemas.microsoft.com/office/drawing/2014/main" id="{8CF981E3-28F9-4275-8BFA-9705A00C1B6A}"/>
-                          </a:ext>
-                        </a:extLst>
-                      </p:cNvPr>
-                      <p:cNvPicPr/>
-                      <p:nvPr/>
-                    </p:nvPicPr>
-                    <p:blipFill>
-                      <a:blip r:embed="rId4"/>
-                      <a:stretch>
-                        <a:fillRect/>
-                      </a:stretch>
-                    </p:blipFill>
-                    <p:spPr>
-                      <a:xfrm>
-                        <a:off x="-43679" y="2138167"/>
-                        <a:ext cx="352425" cy="490538"/>
-                      </a:xfrm>
-                      <a:prstGeom prst="rect">
-                        <a:avLst/>
-                      </a:prstGeom>
-                    </p:spPr>
-                  </p:pic>
-                </p:oleObj>
-              </mc:Fallback>
-            </mc:AlternateContent>
-          </a:graphicData>
-        </a:graphic>
-      </p:graphicFrame>
-      <p:graphicFrame>
-        <p:nvGraphicFramePr>
-          <p:cNvPr id="51" name="Object 50">
-            <a:extLst>
-              <a:ext uri="{FF2B5EF4-FFF2-40B4-BE49-F238E27FC236}">
-                <a16:creationId xmlns:a16="http://schemas.microsoft.com/office/drawing/2014/main" id="{48AE6B8A-FB28-4367-AF61-6D951427B5F7}"/>
-              </a:ext>
-            </a:extLst>
-          </p:cNvPr>
-          <p:cNvGraphicFramePr>
-            <a:graphicFrameLocks noChangeAspect="1"/>
-          </p:cNvGraphicFramePr>
-          <p:nvPr>
-            <p:extLst>
-              <p:ext uri="{D42A27DB-BD31-4B8C-83A1-F6EECF244321}">
-                <p14:modId xmlns:p14="http://schemas.microsoft.com/office/powerpoint/2010/main" val="4003812635"/>
-              </p:ext>
-            </p:extLst>
-          </p:nvPr>
-        </p:nvGraphicFramePr>
-        <p:xfrm>
-          <a:off x="2004877" y="-14938"/>
-          <a:ext cx="352425" cy="455613"/>
-        </p:xfrm>
-        <a:graphic>
-          <a:graphicData uri="http://schemas.openxmlformats.org/presentationml/2006/ole">
-            <mc:AlternateContent xmlns:mc="http://schemas.openxmlformats.org/markup-compatibility/2006">
-              <mc:Choice xmlns:v="urn:schemas-microsoft-com:vml" Requires="v">
-                <p:oleObj spid="_x0000_s4756" name="Equation" r:id="rId5" imgW="126720" imgH="164880" progId="Equation.DSMT4">
-                  <p:embed/>
-                </p:oleObj>
-              </mc:Choice>
-              <mc:Fallback>
-                <p:oleObj name="Equation" r:id="rId5" imgW="126720" imgH="164880" progId="Equation.DSMT4">
-                  <p:embed/>
-                  <p:pic>
-                    <p:nvPicPr>
-                      <p:cNvPr id="26" name="Object 25">
-                        <a:extLst>
-                          <a:ext uri="{FF2B5EF4-FFF2-40B4-BE49-F238E27FC236}">
-                            <a16:creationId xmlns:a16="http://schemas.microsoft.com/office/drawing/2014/main" id="{5F3F4B5D-7134-4F89-9996-7C6D8D6A61ED}"/>
-                          </a:ext>
-                        </a:extLst>
-                      </p:cNvPr>
-                      <p:cNvPicPr/>
-                      <p:nvPr/>
-                    </p:nvPicPr>
-                    <p:blipFill>
-                      <a:blip r:embed="rId6"/>
-                      <a:stretch>
-                        <a:fillRect/>
-                      </a:stretch>
-                    </p:blipFill>
-                    <p:spPr>
-                      <a:xfrm>
-                        <a:off x="2004877" y="-14938"/>
-                        <a:ext cx="352425" cy="455613"/>
-                      </a:xfrm>
-                      <a:prstGeom prst="rect">
-                        <a:avLst/>
-                      </a:prstGeom>
-                    </p:spPr>
-                  </p:pic>
-                </p:oleObj>
-              </mc:Fallback>
-            </mc:AlternateContent>
-          </a:graphicData>
-        </a:graphic>
-      </p:graphicFrame>
-      <p:graphicFrame>
-        <p:nvGraphicFramePr>
-          <p:cNvPr id="52" name="Object 51">
-            <a:extLst>
-              <a:ext uri="{FF2B5EF4-FFF2-40B4-BE49-F238E27FC236}">
-                <a16:creationId xmlns:a16="http://schemas.microsoft.com/office/drawing/2014/main" id="{51FCF7F4-5819-4FCB-A161-9AFFF27DF80D}"/>
-              </a:ext>
-            </a:extLst>
-          </p:cNvPr>
-          <p:cNvGraphicFramePr>
-            <a:graphicFrameLocks noChangeAspect="1"/>
-          </p:cNvGraphicFramePr>
-          <p:nvPr>
-            <p:extLst>
-              <p:ext uri="{D42A27DB-BD31-4B8C-83A1-F6EECF244321}">
-                <p14:modId xmlns:p14="http://schemas.microsoft.com/office/powerpoint/2010/main" val="354351108"/>
-              </p:ext>
-            </p:extLst>
-          </p:nvPr>
-        </p:nvGraphicFramePr>
-        <p:xfrm>
-          <a:off x="4713526" y="2510663"/>
-          <a:ext cx="387350" cy="561975"/>
-        </p:xfrm>
-        <a:graphic>
-          <a:graphicData uri="http://schemas.openxmlformats.org/presentationml/2006/ole">
-            <mc:AlternateContent xmlns:mc="http://schemas.openxmlformats.org/markup-compatibility/2006">
-              <mc:Choice xmlns:v="urn:schemas-microsoft-com:vml" Requires="v">
-                <p:oleObj spid="_x0000_s4757" name="Equation" r:id="rId7" imgW="139680" imgH="203040" progId="Equation.DSMT4">
-                  <p:embed/>
-                </p:oleObj>
-              </mc:Choice>
-              <mc:Fallback>
-                <p:oleObj name="Equation" r:id="rId7" imgW="139680" imgH="203040" progId="Equation.DSMT4">
-                  <p:embed/>
-                  <p:pic>
-                    <p:nvPicPr>
-                      <p:cNvPr id="29" name="Object 28">
-                        <a:extLst>
-                          <a:ext uri="{FF2B5EF4-FFF2-40B4-BE49-F238E27FC236}">
-                            <a16:creationId xmlns:a16="http://schemas.microsoft.com/office/drawing/2014/main" id="{8EB18241-32B9-4A28-843B-40815675C79E}"/>
-                          </a:ext>
-                        </a:extLst>
-                      </p:cNvPr>
-                      <p:cNvPicPr/>
-                      <p:nvPr/>
-                    </p:nvPicPr>
-                    <p:blipFill>
-                      <a:blip r:embed="rId8"/>
-                      <a:stretch>
-                        <a:fillRect/>
-                      </a:stretch>
-                    </p:blipFill>
-                    <p:spPr>
-                      <a:xfrm>
-                        <a:off x="4713526" y="2510663"/>
-                        <a:ext cx="387350" cy="561975"/>
-                      </a:xfrm>
-                      <a:prstGeom prst="rect">
-                        <a:avLst/>
-                      </a:prstGeom>
-                    </p:spPr>
-                  </p:pic>
-                </p:oleObj>
-              </mc:Fallback>
-            </mc:AlternateContent>
-          </a:graphicData>
-        </a:graphic>
-      </p:graphicFrame>
-      <p:graphicFrame>
-        <p:nvGraphicFramePr>
-          <p:cNvPr id="53" name="Object 52">
-            <a:extLst>
-              <a:ext uri="{FF2B5EF4-FFF2-40B4-BE49-F238E27FC236}">
-                <a16:creationId xmlns:a16="http://schemas.microsoft.com/office/drawing/2014/main" id="{984E86F1-76A5-4A82-935C-6F85942C7CB2}"/>
-              </a:ext>
-            </a:extLst>
-          </p:cNvPr>
-          <p:cNvGraphicFramePr>
-            <a:graphicFrameLocks noChangeAspect="1"/>
-          </p:cNvGraphicFramePr>
-          <p:nvPr>
-            <p:extLst>
-              <p:ext uri="{D42A27DB-BD31-4B8C-83A1-F6EECF244321}">
-                <p14:modId xmlns:p14="http://schemas.microsoft.com/office/powerpoint/2010/main" val="2010324769"/>
-              </p:ext>
-            </p:extLst>
-          </p:nvPr>
-        </p:nvGraphicFramePr>
-        <p:xfrm>
-          <a:off x="2235313" y="480023"/>
-          <a:ext cx="419100" cy="561975"/>
-        </p:xfrm>
-        <a:graphic>
-          <a:graphicData uri="http://schemas.openxmlformats.org/presentationml/2006/ole">
-            <mc:AlternateContent xmlns:mc="http://schemas.openxmlformats.org/markup-compatibility/2006">
-              <mc:Choice xmlns:v="urn:schemas-microsoft-com:vml" Requires="v">
-                <p:oleObj spid="_x0000_s4758" name="Equation" r:id="rId9" imgW="152280" imgH="203040" progId="Equation.DSMT4">
-                  <p:embed/>
-                </p:oleObj>
-              </mc:Choice>
-              <mc:Fallback>
-                <p:oleObj name="Equation" r:id="rId9" imgW="152280" imgH="203040" progId="Equation.DSMT4">
-                  <p:embed/>
-                  <p:pic>
-                    <p:nvPicPr>
-                      <p:cNvPr id="30" name="Object 29">
-                        <a:extLst>
-                          <a:ext uri="{FF2B5EF4-FFF2-40B4-BE49-F238E27FC236}">
-                            <a16:creationId xmlns:a16="http://schemas.microsoft.com/office/drawing/2014/main" id="{BD5DD461-C54A-4C13-A021-B9EE61709749}"/>
-                          </a:ext>
-                        </a:extLst>
-                      </p:cNvPr>
-                      <p:cNvPicPr/>
-                      <p:nvPr/>
-                    </p:nvPicPr>
-                    <p:blipFill>
-                      <a:blip r:embed="rId10"/>
-                      <a:stretch>
-                        <a:fillRect/>
-                      </a:stretch>
-                    </p:blipFill>
-                    <p:spPr>
-                      <a:xfrm>
-                        <a:off x="2235313" y="480023"/>
-                        <a:ext cx="419100" cy="561975"/>
-                      </a:xfrm>
-                      <a:prstGeom prst="rect">
-                        <a:avLst/>
-                      </a:prstGeom>
-                    </p:spPr>
-                  </p:pic>
-                </p:oleObj>
-              </mc:Fallback>
-            </mc:AlternateContent>
-          </a:graphicData>
-        </a:graphic>
-      </p:graphicFrame>
-      <p:cxnSp>
-        <p:nvCxnSpPr>
-          <p:cNvPr id="54" name="Straight Arrow Connector 53">
-            <a:extLst>
-              <a:ext uri="{FF2B5EF4-FFF2-40B4-BE49-F238E27FC236}">
-                <a16:creationId xmlns:a16="http://schemas.microsoft.com/office/drawing/2014/main" id="{787F9C5B-822F-4B75-BCFB-A08B22C5E090}"/>
-              </a:ext>
-            </a:extLst>
-          </p:cNvPr>
-          <p:cNvCxnSpPr/>
-          <p:nvPr/>
-        </p:nvCxnSpPr>
-        <p:spPr>
-          <a:xfrm flipV="1">
-            <a:off x="2275201" y="497654"/>
-            <a:ext cx="0" cy="685800"/>
-          </a:xfrm>
-          <a:prstGeom prst="straightConnector1">
-            <a:avLst/>
-          </a:prstGeom>
-          <a:ln w="28575">
-            <a:solidFill>
-              <a:srgbClr val="C00000"/>
-            </a:solidFill>
-            <a:tailEnd type="triangle"/>
-          </a:ln>
-        </p:spPr>
-        <p:style>
-          <a:lnRef idx="1">
-            <a:schemeClr val="accent1"/>
-          </a:lnRef>
-          <a:fillRef idx="0">
-            <a:schemeClr val="accent1"/>
-          </a:fillRef>
-          <a:effectRef idx="0">
-            <a:schemeClr val="accent1"/>
-          </a:effectRef>
-          <a:fontRef idx="minor">
-            <a:schemeClr val="tx1"/>
-          </a:fontRef>
-        </p:style>
-      </p:cxnSp>
-      <p:sp>
-        <p:nvSpPr>
-          <p:cNvPr id="55" name="Arc 54">
-            <a:extLst>
-              <a:ext uri="{FF2B5EF4-FFF2-40B4-BE49-F238E27FC236}">
-                <a16:creationId xmlns:a16="http://schemas.microsoft.com/office/drawing/2014/main" id="{53F4A024-8B92-48E1-A9D2-0ABE6E9B9C8E}"/>
-              </a:ext>
-            </a:extLst>
-          </p:cNvPr>
-          <p:cNvSpPr/>
-          <p:nvPr/>
-        </p:nvSpPr>
-        <p:spPr>
-          <a:xfrm rot="15488507">
-            <a:off x="1179446" y="2189349"/>
-            <a:ext cx="544589" cy="214001"/>
-          </a:xfrm>
-          <a:prstGeom prst="arc">
-            <a:avLst/>
-          </a:prstGeom>
-          <a:ln>
-            <a:solidFill>
-              <a:schemeClr val="tx1"/>
-            </a:solidFill>
-            <a:headEnd type="triangle" w="med" len="med"/>
-            <a:tailEnd type="triangle" w="med" len="med"/>
-          </a:ln>
-        </p:spPr>
-        <p:style>
-          <a:lnRef idx="1">
-            <a:schemeClr val="accent1"/>
-          </a:lnRef>
-          <a:fillRef idx="0">
-            <a:schemeClr val="accent1"/>
-          </a:fillRef>
-          <a:effectRef idx="0">
-            <a:schemeClr val="accent1"/>
-          </a:effectRef>
-          <a:fontRef idx="minor">
-            <a:schemeClr val="tx1"/>
-          </a:fontRef>
-        </p:style>
-        <p:txBody>
-          <a:bodyPr rtlCol="0" anchor="ctr"/>
-          <a:lstStyle/>
-          <a:p>
-            <a:pPr algn="ctr"/>
-            <a:endParaRPr lang="en-US"/>
-          </a:p>
-        </p:txBody>
-      </p:sp>
-      <p:sp>
-        <p:nvSpPr>
-          <p:cNvPr id="56" name="Arc 55">
-            <a:extLst>
-              <a:ext uri="{FF2B5EF4-FFF2-40B4-BE49-F238E27FC236}">
-                <a16:creationId xmlns:a16="http://schemas.microsoft.com/office/drawing/2014/main" id="{6A041F5D-F964-4B0E-A08A-B5B6569F8120}"/>
-              </a:ext>
-            </a:extLst>
-          </p:cNvPr>
-          <p:cNvSpPr/>
-          <p:nvPr/>
-        </p:nvSpPr>
-        <p:spPr>
-          <a:xfrm rot="9723436">
-            <a:off x="1899193" y="1343850"/>
-            <a:ext cx="914400" cy="914400"/>
-          </a:xfrm>
-          <a:prstGeom prst="arc">
-            <a:avLst/>
-          </a:prstGeom>
-          <a:ln>
-            <a:solidFill>
-              <a:schemeClr val="tx1"/>
-            </a:solidFill>
-            <a:headEnd type="triangle" w="med" len="med"/>
-            <a:tailEnd type="triangle" w="med" len="med"/>
-          </a:ln>
-        </p:spPr>
-        <p:style>
-          <a:lnRef idx="1">
-            <a:schemeClr val="accent1"/>
-          </a:lnRef>
-          <a:fillRef idx="0">
-            <a:schemeClr val="accent1"/>
-          </a:fillRef>
-          <a:effectRef idx="0">
-            <a:schemeClr val="accent1"/>
-          </a:effectRef>
-          <a:fontRef idx="minor">
-            <a:schemeClr val="tx1"/>
-          </a:fontRef>
-        </p:style>
-        <p:txBody>
-          <a:bodyPr rtlCol="0" anchor="ctr"/>
-          <a:lstStyle/>
-          <a:p>
-            <a:pPr algn="ctr"/>
-            <a:endParaRPr lang="en-US"/>
-          </a:p>
-        </p:txBody>
-      </p:sp>
-      <p:graphicFrame>
-        <p:nvGraphicFramePr>
-          <p:cNvPr id="57" name="Object 56">
-            <a:extLst>
-              <a:ext uri="{FF2B5EF4-FFF2-40B4-BE49-F238E27FC236}">
-                <a16:creationId xmlns:a16="http://schemas.microsoft.com/office/drawing/2014/main" id="{095FE0F5-7D12-4EC9-8A67-712E8CB18585}"/>
-              </a:ext>
-            </a:extLst>
-          </p:cNvPr>
-          <p:cNvGraphicFramePr>
-            <a:graphicFrameLocks noChangeAspect="1"/>
-          </p:cNvGraphicFramePr>
-          <p:nvPr>
-            <p:extLst>
-              <p:ext uri="{D42A27DB-BD31-4B8C-83A1-F6EECF244321}">
-                <p14:modId xmlns:p14="http://schemas.microsoft.com/office/powerpoint/2010/main" val="212474819"/>
-              </p:ext>
-            </p:extLst>
-          </p:nvPr>
-        </p:nvGraphicFramePr>
-        <p:xfrm>
-          <a:off x="2404032" y="2373626"/>
-          <a:ext cx="384175" cy="631825"/>
-        </p:xfrm>
-        <a:graphic>
-          <a:graphicData uri="http://schemas.openxmlformats.org/presentationml/2006/ole">
-            <mc:AlternateContent xmlns:mc="http://schemas.openxmlformats.org/markup-compatibility/2006">
-              <mc:Choice xmlns:v="urn:schemas-microsoft-com:vml" Requires="v">
-                <p:oleObj spid="_x0000_s4759" name="Equation" r:id="rId11" imgW="139680" imgH="228600" progId="Equation.DSMT4">
-                  <p:embed/>
-                </p:oleObj>
-              </mc:Choice>
-              <mc:Fallback>
-                <p:oleObj name="Equation" r:id="rId11" imgW="139680" imgH="228600" progId="Equation.DSMT4">
-                  <p:embed/>
-                  <p:pic>
-                    <p:nvPicPr>
-                      <p:cNvPr id="36" name="Object 35">
-                        <a:extLst>
-                          <a:ext uri="{FF2B5EF4-FFF2-40B4-BE49-F238E27FC236}">
-                            <a16:creationId xmlns:a16="http://schemas.microsoft.com/office/drawing/2014/main" id="{A3F1C106-FC37-4074-8061-E373929379E0}"/>
-                          </a:ext>
-                        </a:extLst>
-                      </p:cNvPr>
-                      <p:cNvPicPr/>
-                      <p:nvPr/>
-                    </p:nvPicPr>
-                    <p:blipFill>
-                      <a:blip r:embed="rId12"/>
-                      <a:stretch>
-                        <a:fillRect/>
-                      </a:stretch>
-                    </p:blipFill>
-                    <p:spPr>
-                      <a:xfrm>
-                        <a:off x="2404032" y="2373626"/>
-                        <a:ext cx="384175" cy="631825"/>
-                      </a:xfrm>
-                      <a:prstGeom prst="rect">
-                        <a:avLst/>
-                      </a:prstGeom>
-                    </p:spPr>
-                  </p:pic>
-                </p:oleObj>
-              </mc:Fallback>
-            </mc:AlternateContent>
-          </a:graphicData>
-        </a:graphic>
-      </p:graphicFrame>
-      <p:graphicFrame>
-        <p:nvGraphicFramePr>
-          <p:cNvPr id="58" name="Object 57">
-            <a:extLst>
-              <a:ext uri="{FF2B5EF4-FFF2-40B4-BE49-F238E27FC236}">
-                <a16:creationId xmlns:a16="http://schemas.microsoft.com/office/drawing/2014/main" id="{B3909C5E-9D39-4A36-866A-FDAB1F8F9FBD}"/>
-              </a:ext>
-            </a:extLst>
-          </p:cNvPr>
-          <p:cNvGraphicFramePr>
-            <a:graphicFrameLocks noChangeAspect="1"/>
-          </p:cNvGraphicFramePr>
-          <p:nvPr>
-            <p:extLst>
-              <p:ext uri="{D42A27DB-BD31-4B8C-83A1-F6EECF244321}">
-                <p14:modId xmlns:p14="http://schemas.microsoft.com/office/powerpoint/2010/main" val="106358789"/>
-              </p:ext>
-            </p:extLst>
-          </p:nvPr>
-        </p:nvGraphicFramePr>
-        <p:xfrm>
-          <a:off x="2128860" y="2210398"/>
-          <a:ext cx="423863" cy="455613"/>
-        </p:xfrm>
-        <a:graphic>
-          <a:graphicData uri="http://schemas.openxmlformats.org/presentationml/2006/ole">
-            <mc:AlternateContent xmlns:mc="http://schemas.openxmlformats.org/markup-compatibility/2006">
-              <mc:Choice xmlns:v="urn:schemas-microsoft-com:vml" Requires="v">
-                <p:oleObj spid="_x0000_s4760" name="Equation" r:id="rId13" imgW="152280" imgH="164880" progId="Equation.DSMT4">
-                  <p:embed/>
-                </p:oleObj>
-              </mc:Choice>
-              <mc:Fallback>
-                <p:oleObj name="Equation" r:id="rId13" imgW="152280" imgH="164880" progId="Equation.DSMT4">
-                  <p:embed/>
-                  <p:pic>
-                    <p:nvPicPr>
-                      <p:cNvPr id="37" name="Object 36">
-                        <a:extLst>
-                          <a:ext uri="{FF2B5EF4-FFF2-40B4-BE49-F238E27FC236}">
-                            <a16:creationId xmlns:a16="http://schemas.microsoft.com/office/drawing/2014/main" id="{3DEEBAA4-935B-40AE-950B-EE3BA36590E1}"/>
-                          </a:ext>
-                        </a:extLst>
-                      </p:cNvPr>
-                      <p:cNvPicPr/>
-                      <p:nvPr/>
-                    </p:nvPicPr>
-                    <p:blipFill>
-                      <a:blip r:embed="rId14"/>
-                      <a:stretch>
-                        <a:fillRect/>
-                      </a:stretch>
-                    </p:blipFill>
-                    <p:spPr>
-                      <a:xfrm>
-                        <a:off x="2128860" y="2210398"/>
-                        <a:ext cx="423863" cy="455613"/>
-                      </a:xfrm>
-                      <a:prstGeom prst="rect">
-                        <a:avLst/>
-                      </a:prstGeom>
-                    </p:spPr>
-                  </p:pic>
-                </p:oleObj>
-              </mc:Fallback>
-            </mc:AlternateContent>
-          </a:graphicData>
-        </a:graphic>
-      </p:graphicFrame>
-      <p:graphicFrame>
-        <p:nvGraphicFramePr>
-          <p:cNvPr id="59" name="Object 58">
-            <a:extLst>
-              <a:ext uri="{FF2B5EF4-FFF2-40B4-BE49-F238E27FC236}">
-                <a16:creationId xmlns:a16="http://schemas.microsoft.com/office/drawing/2014/main" id="{7A796795-3F82-49A3-8638-A8398FFABFAF}"/>
-              </a:ext>
-            </a:extLst>
-          </p:cNvPr>
-          <p:cNvGraphicFramePr>
-            <a:graphicFrameLocks noChangeAspect="1"/>
-          </p:cNvGraphicFramePr>
-          <p:nvPr>
-            <p:extLst>
-              <p:ext uri="{D42A27DB-BD31-4B8C-83A1-F6EECF244321}">
-                <p14:modId xmlns:p14="http://schemas.microsoft.com/office/powerpoint/2010/main" val="2870832489"/>
-              </p:ext>
-            </p:extLst>
-          </p:nvPr>
-        </p:nvGraphicFramePr>
-        <p:xfrm>
-          <a:off x="1038089" y="2056866"/>
-          <a:ext cx="352425" cy="385762"/>
-        </p:xfrm>
-        <a:graphic>
-          <a:graphicData uri="http://schemas.openxmlformats.org/presentationml/2006/ole">
-            <mc:AlternateContent xmlns:mc="http://schemas.openxmlformats.org/markup-compatibility/2006">
-              <mc:Choice xmlns:v="urn:schemas-microsoft-com:vml" Requires="v">
-                <p:oleObj spid="_x0000_s4761" name="Equation" r:id="rId15" imgW="126720" imgH="139680" progId="Equation.DSMT4">
-                  <p:embed/>
-                </p:oleObj>
-              </mc:Choice>
-              <mc:Fallback>
-                <p:oleObj name="Equation" r:id="rId15" imgW="126720" imgH="139680" progId="Equation.DSMT4">
-                  <p:embed/>
-                  <p:pic>
-                    <p:nvPicPr>
-                      <p:cNvPr id="38" name="Object 37">
-                        <a:extLst>
-                          <a:ext uri="{FF2B5EF4-FFF2-40B4-BE49-F238E27FC236}">
-                            <a16:creationId xmlns:a16="http://schemas.microsoft.com/office/drawing/2014/main" id="{6A255F6F-D67D-4C84-A85A-5EF5B52674DD}"/>
-                          </a:ext>
-                        </a:extLst>
-                      </p:cNvPr>
-                      <p:cNvPicPr/>
-                      <p:nvPr/>
-                    </p:nvPicPr>
-                    <p:blipFill>
-                      <a:blip r:embed="rId16"/>
-                      <a:stretch>
-                        <a:fillRect/>
-                      </a:stretch>
-                    </p:blipFill>
-                    <p:spPr>
-                      <a:xfrm>
-                        <a:off x="1038089" y="2056866"/>
-                        <a:ext cx="352425" cy="385762"/>
-                      </a:xfrm>
-                      <a:prstGeom prst="rect">
-                        <a:avLst/>
-                      </a:prstGeom>
-                    </p:spPr>
-                  </p:pic>
-                </p:oleObj>
-              </mc:Fallback>
-            </mc:AlternateContent>
-          </a:graphicData>
-        </a:graphic>
-      </p:graphicFrame>
-      <p:graphicFrame>
-        <p:nvGraphicFramePr>
-          <p:cNvPr id="60" name="Object 59">
-            <a:extLst>
-              <a:ext uri="{FF2B5EF4-FFF2-40B4-BE49-F238E27FC236}">
-                <a16:creationId xmlns:a16="http://schemas.microsoft.com/office/drawing/2014/main" id="{8FCB2BAE-D6F6-46FB-BE53-991A5B5E3509}"/>
-              </a:ext>
-            </a:extLst>
-          </p:cNvPr>
-          <p:cNvGraphicFramePr>
-            <a:graphicFrameLocks noChangeAspect="1"/>
-          </p:cNvGraphicFramePr>
-          <p:nvPr>
-            <p:extLst>
-              <p:ext uri="{D42A27DB-BD31-4B8C-83A1-F6EECF244321}">
-                <p14:modId xmlns:p14="http://schemas.microsoft.com/office/powerpoint/2010/main" val="172735810"/>
-              </p:ext>
-            </p:extLst>
-          </p:nvPr>
-        </p:nvGraphicFramePr>
-        <p:xfrm>
-          <a:off x="809996" y="1725190"/>
-          <a:ext cx="561975" cy="455612"/>
-        </p:xfrm>
-        <a:graphic>
-          <a:graphicData uri="http://schemas.openxmlformats.org/presentationml/2006/ole">
-            <mc:AlternateContent xmlns:mc="http://schemas.openxmlformats.org/markup-compatibility/2006">
-              <mc:Choice xmlns:v="urn:schemas-microsoft-com:vml" Requires="v">
-                <p:oleObj spid="_x0000_s4762" name="Equation" r:id="rId17" imgW="203040" imgH="164880" progId="Equation.DSMT4">
-                  <p:embed/>
-                </p:oleObj>
-              </mc:Choice>
-              <mc:Fallback>
-                <p:oleObj name="Equation" r:id="rId17" imgW="203040" imgH="164880" progId="Equation.DSMT4">
-                  <p:embed/>
-                  <p:pic>
-                    <p:nvPicPr>
-                      <p:cNvPr id="42" name="Object 41">
-                        <a:extLst>
-                          <a:ext uri="{FF2B5EF4-FFF2-40B4-BE49-F238E27FC236}">
-                            <a16:creationId xmlns:a16="http://schemas.microsoft.com/office/drawing/2014/main" id="{86137594-9476-4867-984E-1BEA62A9F37F}"/>
-                          </a:ext>
-                        </a:extLst>
-                      </p:cNvPr>
-                      <p:cNvPicPr/>
-                      <p:nvPr/>
-                    </p:nvPicPr>
-                    <p:blipFill>
-                      <a:blip r:embed="rId18"/>
-                      <a:stretch>
-                        <a:fillRect/>
-                      </a:stretch>
-                    </p:blipFill>
-                    <p:spPr>
-                      <a:xfrm>
-                        <a:off x="809996" y="1725190"/>
-                        <a:ext cx="561975" cy="455612"/>
-                      </a:xfrm>
-                      <a:prstGeom prst="rect">
-                        <a:avLst/>
-                      </a:prstGeom>
-                    </p:spPr>
-                  </p:pic>
-                </p:oleObj>
-              </mc:Fallback>
-            </mc:AlternateContent>
-          </a:graphicData>
-        </a:graphic>
-      </p:graphicFrame>
-      <p:graphicFrame>
-        <p:nvGraphicFramePr>
-          <p:cNvPr id="61" name="Object 60">
-            <a:extLst>
-              <a:ext uri="{FF2B5EF4-FFF2-40B4-BE49-F238E27FC236}">
-                <a16:creationId xmlns:a16="http://schemas.microsoft.com/office/drawing/2014/main" id="{1230880E-0413-4046-ADA9-15AAF9582C51}"/>
-              </a:ext>
-            </a:extLst>
-          </p:cNvPr>
-          <p:cNvGraphicFramePr>
-            <a:graphicFrameLocks noChangeAspect="1"/>
-          </p:cNvGraphicFramePr>
-          <p:nvPr>
-            <p:extLst>
-              <p:ext uri="{D42A27DB-BD31-4B8C-83A1-F6EECF244321}">
-                <p14:modId xmlns:p14="http://schemas.microsoft.com/office/powerpoint/2010/main" val="1265477644"/>
-              </p:ext>
-            </p:extLst>
-          </p:nvPr>
-        </p:nvGraphicFramePr>
-        <p:xfrm>
-          <a:off x="577033" y="2323679"/>
-          <a:ext cx="493713" cy="455612"/>
-        </p:xfrm>
-        <a:graphic>
-          <a:graphicData uri="http://schemas.openxmlformats.org/presentationml/2006/ole">
-            <mc:AlternateContent xmlns:mc="http://schemas.openxmlformats.org/markup-compatibility/2006">
-              <mc:Choice xmlns:v="urn:schemas-microsoft-com:vml" Requires="v">
-                <p:oleObj spid="_x0000_s4763" name="Equation" r:id="rId19" imgW="177480" imgH="164880" progId="Equation.DSMT4">
-                  <p:embed/>
-                </p:oleObj>
-              </mc:Choice>
-              <mc:Fallback>
-                <p:oleObj name="Equation" r:id="rId19" imgW="177480" imgH="164880" progId="Equation.DSMT4">
-                  <p:embed/>
-                  <p:pic>
-                    <p:nvPicPr>
-                      <p:cNvPr id="43" name="Object 42">
-                        <a:extLst>
-                          <a:ext uri="{FF2B5EF4-FFF2-40B4-BE49-F238E27FC236}">
-                            <a16:creationId xmlns:a16="http://schemas.microsoft.com/office/drawing/2014/main" id="{269C27F4-0715-4C45-AC89-18F235FA9A4E}"/>
-                          </a:ext>
-                        </a:extLst>
-                      </p:cNvPr>
-                      <p:cNvPicPr/>
-                      <p:nvPr/>
-                    </p:nvPicPr>
-                    <p:blipFill>
-                      <a:blip r:embed="rId20"/>
-                      <a:stretch>
-                        <a:fillRect/>
-                      </a:stretch>
-                    </p:blipFill>
-                    <p:spPr>
-                      <a:xfrm>
-                        <a:off x="577033" y="2323679"/>
-                        <a:ext cx="493713" cy="455612"/>
-                      </a:xfrm>
-                      <a:prstGeom prst="rect">
-                        <a:avLst/>
-                      </a:prstGeom>
-                    </p:spPr>
-                  </p:pic>
-                </p:oleObj>
-              </mc:Fallback>
-            </mc:AlternateContent>
-          </a:graphicData>
-        </a:graphic>
-      </p:graphicFrame>
-      <p:graphicFrame>
-        <p:nvGraphicFramePr>
-          <p:cNvPr id="62" name="Object 61">
-            <a:extLst>
-              <a:ext uri="{FF2B5EF4-FFF2-40B4-BE49-F238E27FC236}">
-                <a16:creationId xmlns:a16="http://schemas.microsoft.com/office/drawing/2014/main" id="{F90DFDD0-3CAB-4136-88F2-2E4BF7BBBD4E}"/>
-              </a:ext>
-            </a:extLst>
-          </p:cNvPr>
-          <p:cNvGraphicFramePr>
-            <a:graphicFrameLocks noChangeAspect="1"/>
-          </p:cNvGraphicFramePr>
-          <p:nvPr>
-            <p:extLst>
-              <p:ext uri="{D42A27DB-BD31-4B8C-83A1-F6EECF244321}">
-                <p14:modId xmlns:p14="http://schemas.microsoft.com/office/powerpoint/2010/main" val="586831137"/>
-              </p:ext>
-            </p:extLst>
-          </p:nvPr>
-        </p:nvGraphicFramePr>
-        <p:xfrm>
-          <a:off x="2929156" y="3367205"/>
-          <a:ext cx="422275" cy="455612"/>
-        </p:xfrm>
-        <a:graphic>
-          <a:graphicData uri="http://schemas.openxmlformats.org/presentationml/2006/ole">
-            <mc:AlternateContent xmlns:mc="http://schemas.openxmlformats.org/markup-compatibility/2006">
-              <mc:Choice xmlns:v="urn:schemas-microsoft-com:vml" Requires="v">
-                <p:oleObj spid="_x0000_s4764" name="Equation" r:id="rId21" imgW="152280" imgH="164880" progId="Equation.DSMT4">
-                  <p:embed/>
-                </p:oleObj>
-              </mc:Choice>
-              <mc:Fallback>
-                <p:oleObj name="Equation" r:id="rId21" imgW="152280" imgH="164880" progId="Equation.DSMT4">
-                  <p:embed/>
-                  <p:pic>
-                    <p:nvPicPr>
-                      <p:cNvPr id="44" name="Object 43">
-                        <a:extLst>
-                          <a:ext uri="{FF2B5EF4-FFF2-40B4-BE49-F238E27FC236}">
-                            <a16:creationId xmlns:a16="http://schemas.microsoft.com/office/drawing/2014/main" id="{41F6390D-79BB-4536-8EC3-CEE35AB8C88E}"/>
-                          </a:ext>
-                        </a:extLst>
-                      </p:cNvPr>
-                      <p:cNvPicPr/>
-                      <p:nvPr/>
-                    </p:nvPicPr>
-                    <p:blipFill>
-                      <a:blip r:embed="rId22"/>
-                      <a:stretch>
-                        <a:fillRect/>
-                      </a:stretch>
-                    </p:blipFill>
-                    <p:spPr>
-                      <a:xfrm>
-                        <a:off x="2929156" y="3367205"/>
-                        <a:ext cx="422275" cy="455612"/>
-                      </a:xfrm>
-                      <a:prstGeom prst="rect">
-                        <a:avLst/>
-                      </a:prstGeom>
-                    </p:spPr>
-                  </p:pic>
-                </p:oleObj>
-              </mc:Fallback>
-            </mc:AlternateContent>
-          </a:graphicData>
-        </a:graphic>
-      </p:graphicFrame>
-      <p:graphicFrame>
-        <p:nvGraphicFramePr>
-          <p:cNvPr id="63" name="Object 62">
-            <a:extLst>
-              <a:ext uri="{FF2B5EF4-FFF2-40B4-BE49-F238E27FC236}">
-                <a16:creationId xmlns:a16="http://schemas.microsoft.com/office/drawing/2014/main" id="{1ABEA82C-6637-478D-8A65-A33CF2E5C68F}"/>
-              </a:ext>
-            </a:extLst>
-          </p:cNvPr>
-          <p:cNvGraphicFramePr>
-            <a:graphicFrameLocks noChangeAspect="1"/>
-          </p:cNvGraphicFramePr>
-          <p:nvPr>
-            <p:extLst>
-              <p:ext uri="{D42A27DB-BD31-4B8C-83A1-F6EECF244321}">
-                <p14:modId xmlns:p14="http://schemas.microsoft.com/office/powerpoint/2010/main" val="2815550155"/>
-              </p:ext>
-            </p:extLst>
-          </p:nvPr>
-        </p:nvGraphicFramePr>
-        <p:xfrm>
-          <a:off x="1680388" y="1435134"/>
-          <a:ext cx="422275" cy="490538"/>
-        </p:xfrm>
-        <a:graphic>
-          <a:graphicData uri="http://schemas.openxmlformats.org/presentationml/2006/ole">
-            <mc:AlternateContent xmlns:mc="http://schemas.openxmlformats.org/markup-compatibility/2006">
-              <mc:Choice xmlns:v="urn:schemas-microsoft-com:vml" Requires="v">
-                <p:oleObj spid="_x0000_s4765" name="Equation" r:id="rId23" imgW="152280" imgH="177480" progId="Equation.DSMT4">
-                  <p:embed/>
-                </p:oleObj>
-              </mc:Choice>
-              <mc:Fallback>
-                <p:oleObj name="Equation" r:id="rId23" imgW="152280" imgH="177480" progId="Equation.DSMT4">
-                  <p:embed/>
-                  <p:pic>
-                    <p:nvPicPr>
-                      <p:cNvPr id="45" name="Object 44">
-                        <a:extLst>
-                          <a:ext uri="{FF2B5EF4-FFF2-40B4-BE49-F238E27FC236}">
-                            <a16:creationId xmlns:a16="http://schemas.microsoft.com/office/drawing/2014/main" id="{4C9D9CF4-1381-427A-B547-B96274229EB2}"/>
-                          </a:ext>
-                        </a:extLst>
-                      </p:cNvPr>
-                      <p:cNvPicPr/>
-                      <p:nvPr/>
-                    </p:nvPicPr>
-                    <p:blipFill>
-                      <a:blip r:embed="rId24"/>
-                      <a:stretch>
-                        <a:fillRect/>
-                      </a:stretch>
-                    </p:blipFill>
-                    <p:spPr>
-                      <a:xfrm>
-                        <a:off x="1680388" y="1435134"/>
-                        <a:ext cx="422275" cy="490538"/>
-                      </a:xfrm>
-                      <a:prstGeom prst="rect">
-                        <a:avLst/>
-                      </a:prstGeom>
-                    </p:spPr>
-                  </p:pic>
-                </p:oleObj>
-              </mc:Fallback>
-            </mc:AlternateContent>
-          </a:graphicData>
-        </a:graphic>
-      </p:graphicFrame>
-      <p:cxnSp>
-        <p:nvCxnSpPr>
-          <p:cNvPr id="64" name="Straight Arrow Connector 63">
-            <a:extLst>
-              <a:ext uri="{FF2B5EF4-FFF2-40B4-BE49-F238E27FC236}">
-                <a16:creationId xmlns:a16="http://schemas.microsoft.com/office/drawing/2014/main" id="{F50F4983-BD81-48BC-B40A-584A9BBF1EE5}"/>
-              </a:ext>
-            </a:extLst>
-          </p:cNvPr>
-          <p:cNvCxnSpPr>
-            <a:cxnSpLocks/>
-          </p:cNvCxnSpPr>
-          <p:nvPr/>
-        </p:nvCxnSpPr>
-        <p:spPr>
-          <a:xfrm>
-            <a:off x="2181091" y="2186870"/>
-            <a:ext cx="1086948" cy="1237059"/>
-          </a:xfrm>
-          <a:prstGeom prst="straightConnector1">
-            <a:avLst/>
-          </a:prstGeom>
-          <a:ln w="3175">
-            <a:solidFill>
-              <a:schemeClr val="accent1"/>
-            </a:solidFill>
-            <a:prstDash val="dash"/>
-            <a:headEnd type="none" w="med" len="med"/>
-            <a:tailEnd type="none" w="med" len="med"/>
-          </a:ln>
-        </p:spPr>
-        <p:style>
-          <a:lnRef idx="1">
-            <a:schemeClr val="accent1"/>
-          </a:lnRef>
-          <a:fillRef idx="0">
-            <a:schemeClr val="accent1"/>
-          </a:fillRef>
-          <a:effectRef idx="0">
-            <a:schemeClr val="accent1"/>
-          </a:effectRef>
-          <a:fontRef idx="minor">
-            <a:schemeClr val="tx1"/>
-          </a:fontRef>
-        </p:style>
-      </p:cxnSp>
-      <p:cxnSp>
-        <p:nvCxnSpPr>
-          <p:cNvPr id="65" name="Straight Connector 64">
-            <a:extLst>
-              <a:ext uri="{FF2B5EF4-FFF2-40B4-BE49-F238E27FC236}">
-                <a16:creationId xmlns:a16="http://schemas.microsoft.com/office/drawing/2014/main" id="{CD87CB8F-E343-41E9-8A4A-69AA22644CFA}"/>
-              </a:ext>
-            </a:extLst>
-          </p:cNvPr>
-          <p:cNvCxnSpPr>
-            <a:cxnSpLocks/>
-          </p:cNvCxnSpPr>
-          <p:nvPr/>
-        </p:nvCxnSpPr>
-        <p:spPr>
-          <a:xfrm>
-            <a:off x="2181090" y="1801050"/>
-            <a:ext cx="1109216" cy="1223963"/>
-          </a:xfrm>
-          <a:prstGeom prst="line">
-            <a:avLst/>
-          </a:prstGeom>
-          <a:ln>
-            <a:prstDash val="dash"/>
-          </a:ln>
-        </p:spPr>
-        <p:style>
-          <a:lnRef idx="1">
-            <a:schemeClr val="accent1"/>
-          </a:lnRef>
-          <a:fillRef idx="0">
-            <a:schemeClr val="accent1"/>
-          </a:fillRef>
-          <a:effectRef idx="0">
-            <a:schemeClr val="accent1"/>
-          </a:effectRef>
-          <a:fontRef idx="minor">
-            <a:schemeClr val="tx1"/>
-          </a:fontRef>
-        </p:style>
-      </p:cxnSp>
-      <p:cxnSp>
-        <p:nvCxnSpPr>
-          <p:cNvPr id="66" name="Straight Arrow Connector 65">
-            <a:extLst>
-              <a:ext uri="{FF2B5EF4-FFF2-40B4-BE49-F238E27FC236}">
-                <a16:creationId xmlns:a16="http://schemas.microsoft.com/office/drawing/2014/main" id="{8F9615F0-4E28-407B-8227-C77EBD568EBE}"/>
-              </a:ext>
-            </a:extLst>
-          </p:cNvPr>
-          <p:cNvCxnSpPr/>
-          <p:nvPr/>
-        </p:nvCxnSpPr>
-        <p:spPr>
-          <a:xfrm flipH="1" flipV="1">
-            <a:off x="1702119" y="712479"/>
-            <a:ext cx="468085" cy="1088571"/>
-          </a:xfrm>
-          <a:prstGeom prst="straightConnector1">
-            <a:avLst/>
-          </a:prstGeom>
-          <a:ln>
-            <a:solidFill>
-              <a:schemeClr val="tx1"/>
-            </a:solidFill>
-            <a:tailEnd type="triangle"/>
-          </a:ln>
-        </p:spPr>
-        <p:style>
-          <a:lnRef idx="1">
-            <a:schemeClr val="accent1"/>
-          </a:lnRef>
-          <a:fillRef idx="0">
-            <a:schemeClr val="accent1"/>
-          </a:fillRef>
-          <a:effectRef idx="0">
-            <a:schemeClr val="accent1"/>
-          </a:effectRef>
-          <a:fontRef idx="minor">
-            <a:schemeClr val="tx1"/>
-          </a:fontRef>
-        </p:style>
-      </p:cxnSp>
-      <p:sp>
-        <p:nvSpPr>
-          <p:cNvPr id="67" name="Arc 66">
-            <a:extLst>
-              <a:ext uri="{FF2B5EF4-FFF2-40B4-BE49-F238E27FC236}">
-                <a16:creationId xmlns:a16="http://schemas.microsoft.com/office/drawing/2014/main" id="{9DA6D70C-46D7-4ADC-AC80-8FDA43D3BD7E}"/>
-              </a:ext>
-            </a:extLst>
-          </p:cNvPr>
-          <p:cNvSpPr/>
-          <p:nvPr/>
-        </p:nvSpPr>
-        <p:spPr>
-          <a:xfrm rot="15150686">
-            <a:off x="1985571" y="807920"/>
-            <a:ext cx="541398" cy="652080"/>
-          </a:xfrm>
-          <a:prstGeom prst="arc">
-            <a:avLst/>
-          </a:prstGeom>
-          <a:ln>
-            <a:headEnd type="triangle" w="med" len="med"/>
-            <a:tailEnd type="triangle" w="med" len="med"/>
-          </a:ln>
-        </p:spPr>
-        <p:style>
-          <a:lnRef idx="1">
-            <a:schemeClr val="accent1"/>
-          </a:lnRef>
-          <a:fillRef idx="0">
-            <a:schemeClr val="accent1"/>
-          </a:fillRef>
-          <a:effectRef idx="0">
-            <a:schemeClr val="accent1"/>
-          </a:effectRef>
-          <a:fontRef idx="minor">
-            <a:schemeClr val="tx1"/>
-          </a:fontRef>
-        </p:style>
-        <p:txBody>
-          <a:bodyPr rtlCol="0" anchor="ctr"/>
-          <a:lstStyle/>
-          <a:p>
-            <a:pPr algn="ctr"/>
-            <a:endParaRPr lang="en-US"/>
-          </a:p>
-        </p:txBody>
-      </p:sp>
-      <p:graphicFrame>
-        <p:nvGraphicFramePr>
-          <p:cNvPr id="68" name="Object 67">
-            <a:extLst>
-              <a:ext uri="{FF2B5EF4-FFF2-40B4-BE49-F238E27FC236}">
-                <a16:creationId xmlns:a16="http://schemas.microsoft.com/office/drawing/2014/main" id="{55421EAA-A003-4BFA-A68F-6799C04406AC}"/>
-              </a:ext>
-            </a:extLst>
-          </p:cNvPr>
-          <p:cNvGraphicFramePr>
-            <a:graphicFrameLocks noChangeAspect="1"/>
-          </p:cNvGraphicFramePr>
-          <p:nvPr>
-            <p:extLst>
-              <p:ext uri="{D42A27DB-BD31-4B8C-83A1-F6EECF244321}">
-                <p14:modId xmlns:p14="http://schemas.microsoft.com/office/powerpoint/2010/main" val="2744604607"/>
-              </p:ext>
-            </p:extLst>
-          </p:nvPr>
-        </p:nvGraphicFramePr>
-        <p:xfrm>
-          <a:off x="1756772" y="717342"/>
-          <a:ext cx="352425" cy="385762"/>
-        </p:xfrm>
-        <a:graphic>
-          <a:graphicData uri="http://schemas.openxmlformats.org/presentationml/2006/ole">
-            <mc:AlternateContent xmlns:mc="http://schemas.openxmlformats.org/markup-compatibility/2006">
-              <mc:Choice xmlns:v="urn:schemas-microsoft-com:vml" Requires="v">
-                <p:oleObj spid="_x0000_s4766" name="Equation" r:id="rId25" imgW="126720" imgH="139680" progId="Equation.DSMT4">
-                  <p:embed/>
-                </p:oleObj>
-              </mc:Choice>
-              <mc:Fallback>
-                <p:oleObj name="Equation" r:id="rId25" imgW="126720" imgH="139680" progId="Equation.DSMT4">
-                  <p:embed/>
-                  <p:pic>
-                    <p:nvPicPr>
-                      <p:cNvPr id="55" name="Object 54">
-                        <a:extLst>
-                          <a:ext uri="{FF2B5EF4-FFF2-40B4-BE49-F238E27FC236}">
-                            <a16:creationId xmlns:a16="http://schemas.microsoft.com/office/drawing/2014/main" id="{59165748-DF94-48B9-801A-4E10C0EE4ECD}"/>
-                          </a:ext>
-                        </a:extLst>
-                      </p:cNvPr>
-                      <p:cNvPicPr/>
-                      <p:nvPr/>
-                    </p:nvPicPr>
-                    <p:blipFill>
-                      <a:blip r:embed="rId16"/>
-                      <a:stretch>
-                        <a:fillRect/>
-                      </a:stretch>
-                    </p:blipFill>
-                    <p:spPr>
-                      <a:xfrm>
-                        <a:off x="1756772" y="717342"/>
-                        <a:ext cx="352425" cy="385762"/>
-                      </a:xfrm>
-                      <a:prstGeom prst="rect">
-                        <a:avLst/>
-                      </a:prstGeom>
-                    </p:spPr>
-                  </p:pic>
-                </p:oleObj>
-              </mc:Fallback>
-            </mc:AlternateContent>
-          </a:graphicData>
-        </a:graphic>
-      </p:graphicFrame>
-      <p:graphicFrame>
-        <p:nvGraphicFramePr>
-          <p:cNvPr id="69" name="Object 68">
-            <a:extLst>
-              <a:ext uri="{FF2B5EF4-FFF2-40B4-BE49-F238E27FC236}">
-                <a16:creationId xmlns:a16="http://schemas.microsoft.com/office/drawing/2014/main" id="{A831F9E7-EFD0-4CD5-96B6-BE1F84DBFF64}"/>
-              </a:ext>
-            </a:extLst>
-          </p:cNvPr>
-          <p:cNvGraphicFramePr>
-            <a:graphicFrameLocks noChangeAspect="1"/>
-          </p:cNvGraphicFramePr>
-          <p:nvPr>
-            <p:extLst>
-              <p:ext uri="{D42A27DB-BD31-4B8C-83A1-F6EECF244321}">
-                <p14:modId xmlns:p14="http://schemas.microsoft.com/office/powerpoint/2010/main" val="3454723514"/>
-              </p:ext>
-            </p:extLst>
-          </p:nvPr>
-        </p:nvGraphicFramePr>
-        <p:xfrm>
-          <a:off x="1428843" y="375929"/>
-          <a:ext cx="384175" cy="560388"/>
-        </p:xfrm>
-        <a:graphic>
-          <a:graphicData uri="http://schemas.openxmlformats.org/presentationml/2006/ole">
-            <mc:AlternateContent xmlns:mc="http://schemas.openxmlformats.org/markup-compatibility/2006">
-              <mc:Choice xmlns:v="urn:schemas-microsoft-com:vml" Requires="v">
-                <p:oleObj spid="_x0000_s4767" name="Equation" r:id="rId26" imgW="139680" imgH="203040" progId="Equation.DSMT4">
-                  <p:embed/>
-                </p:oleObj>
-              </mc:Choice>
-              <mc:Fallback>
-                <p:oleObj name="Equation" r:id="rId26" imgW="139680" imgH="203040" progId="Equation.DSMT4">
-                  <p:embed/>
-                  <p:pic>
-                    <p:nvPicPr>
-                      <p:cNvPr id="56" name="Object 55">
-                        <a:extLst>
-                          <a:ext uri="{FF2B5EF4-FFF2-40B4-BE49-F238E27FC236}">
-                            <a16:creationId xmlns:a16="http://schemas.microsoft.com/office/drawing/2014/main" id="{3B04E750-3CDB-44C3-B9D1-819363A8C63F}"/>
-                          </a:ext>
-                        </a:extLst>
-                      </p:cNvPr>
-                      <p:cNvPicPr/>
-                      <p:nvPr/>
-                    </p:nvPicPr>
-                    <p:blipFill>
-                      <a:blip r:embed="rId27"/>
-                      <a:stretch>
-                        <a:fillRect/>
-                      </a:stretch>
-                    </p:blipFill>
-                    <p:spPr>
-                      <a:xfrm>
-                        <a:off x="1428843" y="375929"/>
-                        <a:ext cx="384175" cy="560388"/>
-                      </a:xfrm>
-                      <a:prstGeom prst="rect">
-                        <a:avLst/>
-                      </a:prstGeom>
-                    </p:spPr>
-                  </p:pic>
-                </p:oleObj>
-              </mc:Fallback>
-            </mc:AlternateContent>
-          </a:graphicData>
-        </a:graphic>
-      </p:graphicFrame>
-      <p:cxnSp>
-        <p:nvCxnSpPr>
-          <p:cNvPr id="70" name="Straight Connector 69">
-            <a:extLst>
-              <a:ext uri="{FF2B5EF4-FFF2-40B4-BE49-F238E27FC236}">
-                <a16:creationId xmlns:a16="http://schemas.microsoft.com/office/drawing/2014/main" id="{98526BB3-B2AC-4854-8DC4-B2D780138191}"/>
-              </a:ext>
-            </a:extLst>
-          </p:cNvPr>
-          <p:cNvCxnSpPr>
-            <a:cxnSpLocks/>
-          </p:cNvCxnSpPr>
-          <p:nvPr/>
-        </p:nvCxnSpPr>
-        <p:spPr>
-          <a:xfrm>
-            <a:off x="3268039" y="2993204"/>
-            <a:ext cx="10885" cy="359228"/>
-          </a:xfrm>
-          <a:prstGeom prst="line">
-            <a:avLst/>
-          </a:prstGeom>
-          <a:ln w="3175">
-            <a:solidFill>
-              <a:schemeClr val="accent1"/>
-            </a:solidFill>
-            <a:prstDash val="dash"/>
-          </a:ln>
-        </p:spPr>
-        <p:style>
-          <a:lnRef idx="1">
-            <a:schemeClr val="accent1"/>
-          </a:lnRef>
-          <a:fillRef idx="0">
-            <a:schemeClr val="accent1"/>
-          </a:fillRef>
-          <a:effectRef idx="0">
-            <a:schemeClr val="accent1"/>
-          </a:effectRef>
-          <a:fontRef idx="minor">
-            <a:schemeClr val="tx1"/>
-          </a:fontRef>
-        </p:style>
-      </p:cxnSp>
-      <p:cxnSp>
-        <p:nvCxnSpPr>
-          <p:cNvPr id="71" name="Straight Connector 70">
-            <a:extLst>
-              <a:ext uri="{FF2B5EF4-FFF2-40B4-BE49-F238E27FC236}">
-                <a16:creationId xmlns:a16="http://schemas.microsoft.com/office/drawing/2014/main" id="{551DA7BC-9A84-48D6-AE11-597BF5C0A54D}"/>
-              </a:ext>
-            </a:extLst>
-          </p:cNvPr>
-          <p:cNvCxnSpPr>
-            <a:cxnSpLocks/>
-          </p:cNvCxnSpPr>
-          <p:nvPr/>
-        </p:nvCxnSpPr>
-        <p:spPr>
-          <a:xfrm>
-            <a:off x="4433968" y="2683133"/>
-            <a:ext cx="5443" cy="436302"/>
-          </a:xfrm>
-          <a:prstGeom prst="line">
-            <a:avLst/>
-          </a:prstGeom>
-          <a:ln w="3175">
-            <a:solidFill>
-              <a:schemeClr val="accent1"/>
-            </a:solidFill>
-            <a:prstDash val="dash"/>
-          </a:ln>
-        </p:spPr>
-        <p:style>
-          <a:lnRef idx="1">
-            <a:schemeClr val="accent1"/>
-          </a:lnRef>
-          <a:fillRef idx="0">
-            <a:schemeClr val="accent1"/>
-          </a:fillRef>
-          <a:effectRef idx="0">
-            <a:schemeClr val="accent1"/>
-          </a:effectRef>
-          <a:fontRef idx="minor">
-            <a:schemeClr val="tx1"/>
-          </a:fontRef>
-        </p:style>
-      </p:cxnSp>
-      <p:cxnSp>
-        <p:nvCxnSpPr>
-          <p:cNvPr id="72" name="Straight Arrow Connector 71">
-            <a:extLst>
-              <a:ext uri="{FF2B5EF4-FFF2-40B4-BE49-F238E27FC236}">
-                <a16:creationId xmlns:a16="http://schemas.microsoft.com/office/drawing/2014/main" id="{36939ABB-C4A6-4991-9FBE-2CB0359A21B0}"/>
-              </a:ext>
-            </a:extLst>
-          </p:cNvPr>
-          <p:cNvCxnSpPr>
-            <a:cxnSpLocks/>
-          </p:cNvCxnSpPr>
-          <p:nvPr/>
-        </p:nvCxnSpPr>
-        <p:spPr>
-          <a:xfrm flipH="1">
-            <a:off x="3266990" y="3085226"/>
-            <a:ext cx="1153885" cy="342899"/>
-          </a:xfrm>
-          <a:prstGeom prst="straightConnector1">
-            <a:avLst/>
-          </a:prstGeom>
-          <a:ln w="3175">
-            <a:solidFill>
-              <a:schemeClr val="accent1"/>
-            </a:solidFill>
-            <a:prstDash val="dash"/>
-            <a:headEnd type="none" w="med" len="med"/>
-            <a:tailEnd type="none" w="med" len="med"/>
-          </a:ln>
-        </p:spPr>
-        <p:style>
-          <a:lnRef idx="1">
-            <a:schemeClr val="accent1"/>
-          </a:lnRef>
-          <a:fillRef idx="0">
-            <a:schemeClr val="accent1"/>
-          </a:fillRef>
-          <a:effectRef idx="0">
-            <a:schemeClr val="accent1"/>
-          </a:effectRef>
-          <a:fontRef idx="minor">
-            <a:schemeClr val="tx1"/>
-          </a:fontRef>
-        </p:style>
-      </p:cxnSp>
-      <p:cxnSp>
-        <p:nvCxnSpPr>
-          <p:cNvPr id="73" name="Straight Arrow Connector 72">
-            <a:extLst>
-              <a:ext uri="{FF2B5EF4-FFF2-40B4-BE49-F238E27FC236}">
-                <a16:creationId xmlns:a16="http://schemas.microsoft.com/office/drawing/2014/main" id="{EAF77F6F-19E9-47F8-B347-5E460366E29C}"/>
-              </a:ext>
-            </a:extLst>
-          </p:cNvPr>
-          <p:cNvCxnSpPr>
-            <a:cxnSpLocks/>
-          </p:cNvCxnSpPr>
-          <p:nvPr/>
-        </p:nvCxnSpPr>
-        <p:spPr>
-          <a:xfrm flipH="1">
-            <a:off x="3099664" y="2677690"/>
-            <a:ext cx="1366635" cy="392904"/>
-          </a:xfrm>
-          <a:prstGeom prst="straightConnector1">
-            <a:avLst/>
-          </a:prstGeom>
-          <a:ln w="3175">
-            <a:solidFill>
-              <a:schemeClr val="tx1"/>
-            </a:solidFill>
-            <a:prstDash val="dash"/>
-            <a:headEnd type="none" w="med" len="med"/>
-            <a:tailEnd type="none" w="med" len="med"/>
-          </a:ln>
-        </p:spPr>
-        <p:style>
-          <a:lnRef idx="1">
-            <a:schemeClr val="accent1"/>
-          </a:lnRef>
-          <a:fillRef idx="0">
-            <a:schemeClr val="accent1"/>
-          </a:fillRef>
-          <a:effectRef idx="0">
-            <a:schemeClr val="accent1"/>
-          </a:effectRef>
-          <a:fontRef idx="minor">
-            <a:schemeClr val="tx1"/>
-          </a:fontRef>
-        </p:style>
-      </p:cxnSp>
-      <p:graphicFrame>
-        <p:nvGraphicFramePr>
-          <p:cNvPr id="74" name="Object 73">
-            <a:extLst>
-              <a:ext uri="{FF2B5EF4-FFF2-40B4-BE49-F238E27FC236}">
-                <a16:creationId xmlns:a16="http://schemas.microsoft.com/office/drawing/2014/main" id="{50250358-9CB9-44A7-9157-F377BC288B81}"/>
-              </a:ext>
-            </a:extLst>
-          </p:cNvPr>
-          <p:cNvGraphicFramePr>
-            <a:graphicFrameLocks noChangeAspect="1"/>
-          </p:cNvGraphicFramePr>
-          <p:nvPr>
-            <p:extLst>
-              <p:ext uri="{D42A27DB-BD31-4B8C-83A1-F6EECF244321}">
-                <p14:modId xmlns:p14="http://schemas.microsoft.com/office/powerpoint/2010/main" val="3775590723"/>
-              </p:ext>
-            </p:extLst>
-          </p:nvPr>
-        </p:nvGraphicFramePr>
-        <p:xfrm>
-          <a:off x="4316959" y="2235799"/>
-          <a:ext cx="596900" cy="455612"/>
-        </p:xfrm>
-        <a:graphic>
-          <a:graphicData uri="http://schemas.openxmlformats.org/presentationml/2006/ole">
-            <mc:AlternateContent xmlns:mc="http://schemas.openxmlformats.org/markup-compatibility/2006">
-              <mc:Choice xmlns:v="urn:schemas-microsoft-com:vml" Requires="v">
-                <p:oleObj spid="_x0000_s4768" name="Equation" r:id="rId28" imgW="215640" imgH="164880" progId="Equation.DSMT4">
-                  <p:embed/>
-                </p:oleObj>
-              </mc:Choice>
-              <mc:Fallback>
-                <p:oleObj name="Equation" r:id="rId28" imgW="215640" imgH="164880" progId="Equation.DSMT4">
-                  <p:embed/>
-                  <p:pic>
-                    <p:nvPicPr>
-                      <p:cNvPr id="69" name="Object 68">
-                        <a:extLst>
-                          <a:ext uri="{FF2B5EF4-FFF2-40B4-BE49-F238E27FC236}">
-                            <a16:creationId xmlns:a16="http://schemas.microsoft.com/office/drawing/2014/main" id="{11209F6D-BB08-4F52-81B0-3CDC5A715404}"/>
-                          </a:ext>
-                        </a:extLst>
-                      </p:cNvPr>
-                      <p:cNvPicPr/>
-                      <p:nvPr/>
-                    </p:nvPicPr>
-                    <p:blipFill>
-                      <a:blip r:embed="rId29"/>
-                      <a:stretch>
-                        <a:fillRect/>
-                      </a:stretch>
-                    </p:blipFill>
-                    <p:spPr>
-                      <a:xfrm>
-                        <a:off x="4316959" y="2235799"/>
-                        <a:ext cx="596900" cy="455612"/>
-                      </a:xfrm>
-                      <a:prstGeom prst="rect">
-                        <a:avLst/>
-                      </a:prstGeom>
-                    </p:spPr>
-                  </p:pic>
-                </p:oleObj>
-              </mc:Fallback>
-            </mc:AlternateContent>
-          </a:graphicData>
-        </a:graphic>
-      </p:graphicFrame>
-      <p:cxnSp>
-        <p:nvCxnSpPr>
-          <p:cNvPr id="75" name="Straight Arrow Connector 74">
-            <a:extLst>
-              <a:ext uri="{FF2B5EF4-FFF2-40B4-BE49-F238E27FC236}">
-                <a16:creationId xmlns:a16="http://schemas.microsoft.com/office/drawing/2014/main" id="{4A7959FC-0062-4A3A-8A88-F6949C4B8BB2}"/>
-              </a:ext>
-            </a:extLst>
-          </p:cNvPr>
-          <p:cNvCxnSpPr>
-            <a:cxnSpLocks/>
-          </p:cNvCxnSpPr>
-          <p:nvPr/>
-        </p:nvCxnSpPr>
-        <p:spPr>
-          <a:xfrm>
-            <a:off x="1027206" y="2122518"/>
-            <a:ext cx="2253340" cy="919843"/>
-          </a:xfrm>
-          <a:prstGeom prst="straightConnector1">
-            <a:avLst/>
-          </a:prstGeom>
-          <a:ln w="3175">
-            <a:solidFill>
-              <a:srgbClr val="0070C0"/>
-            </a:solidFill>
-            <a:prstDash val="dash"/>
-            <a:headEnd type="none" w="med" len="med"/>
-            <a:tailEnd type="none" w="med" len="med"/>
-          </a:ln>
-        </p:spPr>
-        <p:style>
-          <a:lnRef idx="1">
-            <a:schemeClr val="accent1"/>
-          </a:lnRef>
-          <a:fillRef idx="0">
-            <a:schemeClr val="accent1"/>
-          </a:fillRef>
-          <a:effectRef idx="0">
-            <a:schemeClr val="accent1"/>
-          </a:effectRef>
-          <a:fontRef idx="minor">
-            <a:schemeClr val="tx1"/>
-          </a:fontRef>
-        </p:style>
-      </p:cxnSp>
-      <p:cxnSp>
-        <p:nvCxnSpPr>
-          <p:cNvPr id="107" name="Straight Arrow Connector 106">
-            <a:extLst>
-              <a:ext uri="{FF2B5EF4-FFF2-40B4-BE49-F238E27FC236}">
-                <a16:creationId xmlns:a16="http://schemas.microsoft.com/office/drawing/2014/main" id="{80834A4D-914C-4441-9B93-83B43FDDAC7F}"/>
-              </a:ext>
-            </a:extLst>
-          </p:cNvPr>
-          <p:cNvCxnSpPr>
-            <a:cxnSpLocks/>
-          </p:cNvCxnSpPr>
-          <p:nvPr/>
-        </p:nvCxnSpPr>
-        <p:spPr>
-          <a:xfrm flipH="1" flipV="1">
-            <a:off x="1778329" y="263276"/>
-            <a:ext cx="1793665" cy="3778673"/>
-          </a:xfrm>
-          <a:prstGeom prst="straightConnector1">
-            <a:avLst/>
-          </a:prstGeom>
-          <a:ln w="19050">
-            <a:solidFill>
-              <a:srgbClr val="FF0000"/>
-            </a:solidFill>
-            <a:tailEnd type="triangle"/>
-          </a:ln>
-        </p:spPr>
-        <p:style>
-          <a:lnRef idx="1">
-            <a:schemeClr val="accent1"/>
-          </a:lnRef>
-          <a:fillRef idx="0">
-            <a:schemeClr val="accent1"/>
-          </a:fillRef>
-          <a:effectRef idx="0">
-            <a:schemeClr val="accent1"/>
-          </a:effectRef>
-          <a:fontRef idx="minor">
-            <a:schemeClr val="tx1"/>
-          </a:fontRef>
-        </p:style>
-      </p:cxnSp>
-      <p:sp>
-        <p:nvSpPr>
-          <p:cNvPr id="112" name="TextBox 111">
-            <a:extLst>
-              <a:ext uri="{FF2B5EF4-FFF2-40B4-BE49-F238E27FC236}">
-                <a16:creationId xmlns:a16="http://schemas.microsoft.com/office/drawing/2014/main" id="{FD092A66-A1C4-487F-9486-F7FB8CEBDE5C}"/>
-              </a:ext>
-            </a:extLst>
-          </p:cNvPr>
-          <p:cNvSpPr txBox="1"/>
-          <p:nvPr/>
-        </p:nvSpPr>
-        <p:spPr>
-          <a:xfrm>
-            <a:off x="3452007" y="3685297"/>
-            <a:ext cx="1023843" cy="369332"/>
-          </a:xfrm>
-          <a:prstGeom prst="rect">
-            <a:avLst/>
-          </a:prstGeom>
-          <a:noFill/>
-        </p:spPr>
-        <p:txBody>
-          <a:bodyPr wrap="square" rtlCol="0">
-            <a:spAutoFit/>
-          </a:bodyPr>
-          <a:lstStyle/>
-          <a:p>
-            <a:r>
-              <a:rPr lang="en-US" b="1" dirty="0"/>
-              <a:t>electron</a:t>
-            </a:r>
-          </a:p>
-        </p:txBody>
-      </p:sp>
-      <p:cxnSp>
-        <p:nvCxnSpPr>
-          <p:cNvPr id="3" name="Straight Arrow Connector 2">
-            <a:extLst>
-              <a:ext uri="{FF2B5EF4-FFF2-40B4-BE49-F238E27FC236}">
-                <a16:creationId xmlns:a16="http://schemas.microsoft.com/office/drawing/2014/main" id="{E6C3C974-674E-46A9-9ED5-B1047F7AEA54}"/>
-              </a:ext>
-            </a:extLst>
-          </p:cNvPr>
-          <p:cNvCxnSpPr>
-            <a:cxnSpLocks/>
-          </p:cNvCxnSpPr>
-          <p:nvPr/>
-        </p:nvCxnSpPr>
-        <p:spPr>
-          <a:xfrm flipV="1">
-            <a:off x="9542589" y="387669"/>
-            <a:ext cx="715204" cy="1770131"/>
-          </a:xfrm>
-          <a:prstGeom prst="straightConnector1">
-            <a:avLst/>
-          </a:prstGeom>
-          <a:ln w="19050">
-            <a:solidFill>
-              <a:schemeClr val="tx1"/>
-            </a:solidFill>
-            <a:tailEnd type="triangle"/>
-          </a:ln>
-        </p:spPr>
-        <p:style>
-          <a:lnRef idx="1">
-            <a:schemeClr val="accent1"/>
-          </a:lnRef>
-          <a:fillRef idx="0">
-            <a:schemeClr val="accent1"/>
-          </a:fillRef>
-          <a:effectRef idx="0">
-            <a:schemeClr val="accent1"/>
-          </a:effectRef>
-          <a:fontRef idx="minor">
-            <a:schemeClr val="tx1"/>
-          </a:fontRef>
-        </p:style>
-      </p:cxnSp>
-      <p:cxnSp>
-        <p:nvCxnSpPr>
-          <p:cNvPr id="4" name="Straight Arrow Connector 3">
-            <a:extLst>
-              <a:ext uri="{FF2B5EF4-FFF2-40B4-BE49-F238E27FC236}">
-                <a16:creationId xmlns:a16="http://schemas.microsoft.com/office/drawing/2014/main" id="{96FFB88E-E8DE-4EE0-8CB7-B22FBDBC2923}"/>
-              </a:ext>
-            </a:extLst>
-          </p:cNvPr>
-          <p:cNvCxnSpPr>
-            <a:cxnSpLocks/>
-            <a:endCxn id="15" idx="1"/>
-          </p:cNvCxnSpPr>
-          <p:nvPr/>
-        </p:nvCxnSpPr>
-        <p:spPr>
-          <a:xfrm>
-            <a:off x="9542589" y="2157798"/>
-            <a:ext cx="2262061" cy="2015448"/>
-          </a:xfrm>
-          <a:prstGeom prst="straightConnector1">
-            <a:avLst/>
-          </a:prstGeom>
-          <a:ln w="19050">
-            <a:solidFill>
-              <a:schemeClr val="tx1"/>
-            </a:solidFill>
-            <a:tailEnd type="triangle"/>
-          </a:ln>
-        </p:spPr>
-        <p:style>
-          <a:lnRef idx="1">
-            <a:schemeClr val="accent1"/>
-          </a:lnRef>
-          <a:fillRef idx="0">
-            <a:schemeClr val="accent1"/>
-          </a:fillRef>
-          <a:effectRef idx="0">
-            <a:schemeClr val="accent1"/>
-          </a:effectRef>
-          <a:fontRef idx="minor">
-            <a:schemeClr val="tx1"/>
-          </a:fontRef>
-        </p:style>
-      </p:cxnSp>
-      <p:cxnSp>
-        <p:nvCxnSpPr>
-          <p:cNvPr id="5" name="Straight Arrow Connector 4">
-            <a:extLst>
-              <a:ext uri="{FF2B5EF4-FFF2-40B4-BE49-F238E27FC236}">
-                <a16:creationId xmlns:a16="http://schemas.microsoft.com/office/drawing/2014/main" id="{0AAC1826-2DEF-4D43-9978-781F217973A9}"/>
-              </a:ext>
-            </a:extLst>
-          </p:cNvPr>
-          <p:cNvCxnSpPr>
-            <a:cxnSpLocks/>
-          </p:cNvCxnSpPr>
-          <p:nvPr/>
-        </p:nvCxnSpPr>
-        <p:spPr>
-          <a:xfrm flipH="1" flipV="1">
-            <a:off x="7585318" y="1466182"/>
-            <a:ext cx="1957272" cy="691617"/>
-          </a:xfrm>
-          <a:prstGeom prst="straightConnector1">
-            <a:avLst/>
-          </a:prstGeom>
-          <a:ln w="19050">
-            <a:solidFill>
-              <a:schemeClr val="tx1"/>
-            </a:solidFill>
-            <a:tailEnd type="triangle"/>
-          </a:ln>
-        </p:spPr>
-        <p:style>
-          <a:lnRef idx="1">
-            <a:schemeClr val="accent1"/>
-          </a:lnRef>
-          <a:fillRef idx="0">
-            <a:schemeClr val="accent1"/>
-          </a:fillRef>
-          <a:effectRef idx="0">
-            <a:schemeClr val="accent1"/>
-          </a:effectRef>
-          <a:fontRef idx="minor">
-            <a:schemeClr val="tx1"/>
-          </a:fontRef>
-        </p:style>
-      </p:cxnSp>
-      <p:cxnSp>
-        <p:nvCxnSpPr>
-          <p:cNvPr id="6" name="Straight Arrow Connector 5">
-            <a:extLst>
-              <a:ext uri="{FF2B5EF4-FFF2-40B4-BE49-F238E27FC236}">
-                <a16:creationId xmlns:a16="http://schemas.microsoft.com/office/drawing/2014/main" id="{DC07E092-473D-4DBA-B4BF-D843BE302021}"/>
-              </a:ext>
-            </a:extLst>
-          </p:cNvPr>
-          <p:cNvCxnSpPr>
-            <a:cxnSpLocks/>
-          </p:cNvCxnSpPr>
-          <p:nvPr/>
-        </p:nvCxnSpPr>
-        <p:spPr>
-          <a:xfrm>
-            <a:off x="9542589" y="2157798"/>
-            <a:ext cx="589237" cy="1737751"/>
-          </a:xfrm>
-          <a:prstGeom prst="straightConnector1">
-            <a:avLst/>
-          </a:prstGeom>
-          <a:ln w="38100">
-            <a:solidFill>
-              <a:srgbClr val="FF0000"/>
-            </a:solidFill>
-            <a:prstDash val="solid"/>
-            <a:tailEnd type="triangle"/>
-          </a:ln>
-        </p:spPr>
-        <p:style>
-          <a:lnRef idx="1">
-            <a:schemeClr val="accent1"/>
-          </a:lnRef>
-          <a:fillRef idx="0">
-            <a:schemeClr val="accent1"/>
-          </a:fillRef>
-          <a:effectRef idx="0">
-            <a:schemeClr val="accent1"/>
-          </a:effectRef>
-          <a:fontRef idx="minor">
-            <a:schemeClr val="tx1"/>
-          </a:fontRef>
-        </p:style>
-      </p:cxnSp>
-      <p:cxnSp>
-        <p:nvCxnSpPr>
-          <p:cNvPr id="7" name="Straight Connector 6">
-            <a:extLst>
-              <a:ext uri="{FF2B5EF4-FFF2-40B4-BE49-F238E27FC236}">
-                <a16:creationId xmlns:a16="http://schemas.microsoft.com/office/drawing/2014/main" id="{18EA674D-BFE1-432D-AAAE-A9DB9905DF46}"/>
-              </a:ext>
-            </a:extLst>
-          </p:cNvPr>
-          <p:cNvCxnSpPr>
-            <a:cxnSpLocks/>
-          </p:cNvCxnSpPr>
-          <p:nvPr/>
-        </p:nvCxnSpPr>
-        <p:spPr>
-          <a:xfrm flipH="1" flipV="1">
-            <a:off x="8081159" y="2071060"/>
-            <a:ext cx="1461431" cy="86738"/>
-          </a:xfrm>
-          <a:prstGeom prst="line">
-            <a:avLst/>
-          </a:prstGeom>
-          <a:ln w="12700">
-            <a:solidFill>
-              <a:srgbClr val="002060"/>
-            </a:solidFill>
-            <a:headEnd type="none" w="med" len="med"/>
-            <a:tailEnd type="none" w="med" len="med"/>
-          </a:ln>
-        </p:spPr>
-        <p:style>
-          <a:lnRef idx="1">
-            <a:schemeClr val="accent1"/>
-          </a:lnRef>
-          <a:fillRef idx="0">
-            <a:schemeClr val="accent1"/>
-          </a:fillRef>
-          <a:effectRef idx="0">
-            <a:schemeClr val="accent1"/>
-          </a:effectRef>
-          <a:fontRef idx="minor">
-            <a:schemeClr val="tx1"/>
-          </a:fontRef>
-        </p:style>
-      </p:cxnSp>
-      <p:cxnSp>
-        <p:nvCxnSpPr>
-          <p:cNvPr id="9" name="Straight Arrow Connector 8">
-            <a:extLst>
-              <a:ext uri="{FF2B5EF4-FFF2-40B4-BE49-F238E27FC236}">
-                <a16:creationId xmlns:a16="http://schemas.microsoft.com/office/drawing/2014/main" id="{2329D8AD-A267-4F44-A07F-4560496381A5}"/>
-              </a:ext>
-            </a:extLst>
-          </p:cNvPr>
-          <p:cNvCxnSpPr>
-            <a:cxnSpLocks/>
-          </p:cNvCxnSpPr>
-          <p:nvPr/>
-        </p:nvCxnSpPr>
-        <p:spPr>
-          <a:xfrm>
-            <a:off x="8057649" y="2085113"/>
-            <a:ext cx="2062690" cy="1800402"/>
-          </a:xfrm>
-          <a:prstGeom prst="straightConnector1">
-            <a:avLst/>
-          </a:prstGeom>
-          <a:ln w="3175">
-            <a:solidFill>
-              <a:srgbClr val="0070C0"/>
-            </a:solidFill>
-            <a:headEnd type="none" w="med" len="med"/>
-            <a:tailEnd type="none" w="med" len="med"/>
-          </a:ln>
-        </p:spPr>
-        <p:style>
-          <a:lnRef idx="1">
-            <a:schemeClr val="accent1"/>
-          </a:lnRef>
-          <a:fillRef idx="0">
-            <a:schemeClr val="accent1"/>
-          </a:fillRef>
-          <a:effectRef idx="0">
-            <a:schemeClr val="accent1"/>
-          </a:effectRef>
-          <a:fontRef idx="minor">
-            <a:schemeClr val="tx1"/>
-          </a:fontRef>
-        </p:style>
-      </p:cxnSp>
-      <p:cxnSp>
-        <p:nvCxnSpPr>
-          <p:cNvPr id="10" name="Straight Connector 9">
-            <a:extLst>
-              <a:ext uri="{FF2B5EF4-FFF2-40B4-BE49-F238E27FC236}">
-                <a16:creationId xmlns:a16="http://schemas.microsoft.com/office/drawing/2014/main" id="{59CFB016-0439-4D49-9949-BE311DF676F9}"/>
-              </a:ext>
-            </a:extLst>
-          </p:cNvPr>
-          <p:cNvCxnSpPr>
-            <a:cxnSpLocks/>
-          </p:cNvCxnSpPr>
-          <p:nvPr/>
-        </p:nvCxnSpPr>
-        <p:spPr>
-          <a:xfrm flipH="1">
-            <a:off x="9236175" y="2157798"/>
-            <a:ext cx="306414" cy="684326"/>
-          </a:xfrm>
-          <a:prstGeom prst="line">
-            <a:avLst/>
-          </a:prstGeom>
-          <a:ln w="19050">
-            <a:solidFill>
-              <a:schemeClr val="tx1"/>
-            </a:solidFill>
-            <a:prstDash val="dash"/>
-          </a:ln>
-        </p:spPr>
-        <p:style>
-          <a:lnRef idx="1">
-            <a:schemeClr val="accent1"/>
-          </a:lnRef>
-          <a:fillRef idx="0">
-            <a:schemeClr val="accent1"/>
-          </a:fillRef>
-          <a:effectRef idx="0">
-            <a:schemeClr val="accent1"/>
-          </a:effectRef>
-          <a:fontRef idx="minor">
-            <a:schemeClr val="tx1"/>
-          </a:fontRef>
-        </p:style>
-      </p:cxnSp>
-      <p:cxnSp>
-        <p:nvCxnSpPr>
-          <p:cNvPr id="12" name="Straight Connector 11">
-            <a:extLst>
-              <a:ext uri="{FF2B5EF4-FFF2-40B4-BE49-F238E27FC236}">
-                <a16:creationId xmlns:a16="http://schemas.microsoft.com/office/drawing/2014/main" id="{97BF224E-23A7-4824-8725-43EB6F94F431}"/>
-              </a:ext>
-            </a:extLst>
-          </p:cNvPr>
-          <p:cNvCxnSpPr>
-            <a:cxnSpLocks/>
-          </p:cNvCxnSpPr>
-          <p:nvPr/>
-        </p:nvCxnSpPr>
-        <p:spPr>
-          <a:xfrm flipH="1">
-            <a:off x="8044543" y="1704571"/>
-            <a:ext cx="166634" cy="369718"/>
-          </a:xfrm>
-          <a:prstGeom prst="line">
-            <a:avLst/>
-          </a:prstGeom>
-          <a:ln w="3175">
-            <a:solidFill>
-              <a:schemeClr val="accent1"/>
-            </a:solidFill>
-            <a:prstDash val="dash"/>
-          </a:ln>
-        </p:spPr>
-        <p:style>
-          <a:lnRef idx="1">
-            <a:schemeClr val="accent1"/>
-          </a:lnRef>
-          <a:fillRef idx="0">
-            <a:schemeClr val="accent1"/>
-          </a:fillRef>
-          <a:effectRef idx="0">
-            <a:schemeClr val="accent1"/>
-          </a:effectRef>
-          <a:fontRef idx="minor">
-            <a:schemeClr val="tx1"/>
-          </a:fontRef>
-        </p:style>
-      </p:cxnSp>
-      <p:graphicFrame>
-        <p:nvGraphicFramePr>
-          <p:cNvPr id="13" name="Object 12">
-            <a:extLst>
-              <a:ext uri="{FF2B5EF4-FFF2-40B4-BE49-F238E27FC236}">
-                <a16:creationId xmlns:a16="http://schemas.microsoft.com/office/drawing/2014/main" id="{03D14143-9555-40F2-8633-3A901BAC0F4F}"/>
-              </a:ext>
-            </a:extLst>
-          </p:cNvPr>
-          <p:cNvGraphicFramePr>
-            <a:graphicFrameLocks noChangeAspect="1"/>
-          </p:cNvGraphicFramePr>
-          <p:nvPr>
-            <p:extLst>
-              <p:ext uri="{D42A27DB-BD31-4B8C-83A1-F6EECF244321}">
-                <p14:modId xmlns:p14="http://schemas.microsoft.com/office/powerpoint/2010/main" val="2655692850"/>
-              </p:ext>
-            </p:extLst>
-          </p:nvPr>
-        </p:nvGraphicFramePr>
-        <p:xfrm>
-          <a:off x="7313242" y="1196405"/>
-          <a:ext cx="352425" cy="490538"/>
-        </p:xfrm>
-        <a:graphic>
-          <a:graphicData uri="http://schemas.openxmlformats.org/presentationml/2006/ole">
-            <mc:AlternateContent xmlns:mc="http://schemas.openxmlformats.org/markup-compatibility/2006">
-              <mc:Choice xmlns:v="urn:schemas-microsoft-com:vml" Requires="v">
-                <p:oleObj spid="_x0000_s4769" name="Equation" r:id="rId3" imgW="126720" imgH="177480" progId="Equation.DSMT4">
-                  <p:embed/>
-                </p:oleObj>
-              </mc:Choice>
-              <mc:Fallback>
-                <p:oleObj name="Equation" r:id="rId3" imgW="126720" imgH="177480" progId="Equation.DSMT4">
-                  <p:embed/>
-                  <p:pic>
-                    <p:nvPicPr>
-                      <p:cNvPr id="24" name="Object 23">
-                        <a:extLst>
-                          <a:ext uri="{FF2B5EF4-FFF2-40B4-BE49-F238E27FC236}">
-                            <a16:creationId xmlns:a16="http://schemas.microsoft.com/office/drawing/2014/main" id="{8CF981E3-28F9-4275-8BFA-9705A00C1B6A}"/>
-                          </a:ext>
-                        </a:extLst>
-                      </p:cNvPr>
-                      <p:cNvPicPr/>
-                      <p:nvPr/>
-                    </p:nvPicPr>
-                    <p:blipFill>
-                      <a:blip r:embed="rId4"/>
-                      <a:stretch>
-                        <a:fillRect/>
-                      </a:stretch>
-                    </p:blipFill>
-                    <p:spPr>
-                      <a:xfrm>
-                        <a:off x="7313242" y="1196405"/>
-                        <a:ext cx="352425" cy="490538"/>
-                      </a:xfrm>
-                      <a:prstGeom prst="rect">
-                        <a:avLst/>
-                      </a:prstGeom>
-                    </p:spPr>
-                  </p:pic>
-                </p:oleObj>
-              </mc:Fallback>
-            </mc:AlternateContent>
-          </a:graphicData>
-        </a:graphic>
-      </p:graphicFrame>
-      <p:graphicFrame>
-        <p:nvGraphicFramePr>
-          <p:cNvPr id="14" name="Object 13">
-            <a:extLst>
-              <a:ext uri="{FF2B5EF4-FFF2-40B4-BE49-F238E27FC236}">
-                <a16:creationId xmlns:a16="http://schemas.microsoft.com/office/drawing/2014/main" id="{BDCD39E0-94F5-42A8-BA65-0FA5925B64AD}"/>
-              </a:ext>
-            </a:extLst>
-          </p:cNvPr>
-          <p:cNvGraphicFramePr>
-            <a:graphicFrameLocks noChangeAspect="1"/>
-          </p:cNvGraphicFramePr>
-          <p:nvPr>
-            <p:extLst>
-              <p:ext uri="{D42A27DB-BD31-4B8C-83A1-F6EECF244321}">
-                <p14:modId xmlns:p14="http://schemas.microsoft.com/office/powerpoint/2010/main" val="2984755340"/>
-              </p:ext>
-            </p:extLst>
-          </p:nvPr>
-        </p:nvGraphicFramePr>
-        <p:xfrm>
-          <a:off x="10217265" y="-22327"/>
-          <a:ext cx="352425" cy="455613"/>
-        </p:xfrm>
-        <a:graphic>
-          <a:graphicData uri="http://schemas.openxmlformats.org/presentationml/2006/ole">
-            <mc:AlternateContent xmlns:mc="http://schemas.openxmlformats.org/markup-compatibility/2006">
-              <mc:Choice xmlns:v="urn:schemas-microsoft-com:vml" Requires="v">
-                <p:oleObj spid="_x0000_s4770" name="Equation" r:id="rId5" imgW="126720" imgH="164880" progId="Equation.DSMT4">
-                  <p:embed/>
-                </p:oleObj>
-              </mc:Choice>
-              <mc:Fallback>
-                <p:oleObj name="Equation" r:id="rId5" imgW="126720" imgH="164880" progId="Equation.DSMT4">
-                  <p:embed/>
-                  <p:pic>
-                    <p:nvPicPr>
-                      <p:cNvPr id="26" name="Object 25">
-                        <a:extLst>
-                          <a:ext uri="{FF2B5EF4-FFF2-40B4-BE49-F238E27FC236}">
-                            <a16:creationId xmlns:a16="http://schemas.microsoft.com/office/drawing/2014/main" id="{5F3F4B5D-7134-4F89-9996-7C6D8D6A61ED}"/>
-                          </a:ext>
-                        </a:extLst>
-                      </p:cNvPr>
-                      <p:cNvPicPr/>
-                      <p:nvPr/>
-                    </p:nvPicPr>
-                    <p:blipFill>
-                      <a:blip r:embed="rId6"/>
-                      <a:stretch>
-                        <a:fillRect/>
-                      </a:stretch>
-                    </p:blipFill>
-                    <p:spPr>
-                      <a:xfrm>
-                        <a:off x="10217265" y="-22327"/>
-                        <a:ext cx="352425" cy="455613"/>
-                      </a:xfrm>
-                      <a:prstGeom prst="rect">
-                        <a:avLst/>
-                      </a:prstGeom>
-                    </p:spPr>
-                  </p:pic>
-                </p:oleObj>
-              </mc:Fallback>
-            </mc:AlternateContent>
-          </a:graphicData>
-        </a:graphic>
-      </p:graphicFrame>
-      <p:graphicFrame>
-        <p:nvGraphicFramePr>
-          <p:cNvPr id="15" name="Object 14">
-            <a:extLst>
-              <a:ext uri="{FF2B5EF4-FFF2-40B4-BE49-F238E27FC236}">
-                <a16:creationId xmlns:a16="http://schemas.microsoft.com/office/drawing/2014/main" id="{A1B7347A-B186-4309-9CAD-BAFD3BA194E6}"/>
-              </a:ext>
-            </a:extLst>
-          </p:cNvPr>
-          <p:cNvGraphicFramePr>
-            <a:graphicFrameLocks noChangeAspect="1"/>
-          </p:cNvGraphicFramePr>
-          <p:nvPr>
-            <p:extLst>
-              <p:ext uri="{D42A27DB-BD31-4B8C-83A1-F6EECF244321}">
-                <p14:modId xmlns:p14="http://schemas.microsoft.com/office/powerpoint/2010/main" val="479504882"/>
-              </p:ext>
-            </p:extLst>
-          </p:nvPr>
-        </p:nvGraphicFramePr>
-        <p:xfrm>
-          <a:off x="11804650" y="3892259"/>
-          <a:ext cx="387350" cy="561975"/>
-        </p:xfrm>
-        <a:graphic>
-          <a:graphicData uri="http://schemas.openxmlformats.org/presentationml/2006/ole">
-            <mc:AlternateContent xmlns:mc="http://schemas.openxmlformats.org/markup-compatibility/2006">
-              <mc:Choice xmlns:v="urn:schemas-microsoft-com:vml" Requires="v">
-                <p:oleObj spid="_x0000_s4771" name="Equation" r:id="rId7" imgW="139680" imgH="203040" progId="Equation.DSMT4">
-                  <p:embed/>
-                </p:oleObj>
-              </mc:Choice>
-              <mc:Fallback>
-                <p:oleObj name="Equation" r:id="rId7" imgW="139680" imgH="203040" progId="Equation.DSMT4">
-                  <p:embed/>
-                  <p:pic>
-                    <p:nvPicPr>
-                      <p:cNvPr id="29" name="Object 28">
-                        <a:extLst>
-                          <a:ext uri="{FF2B5EF4-FFF2-40B4-BE49-F238E27FC236}">
-                            <a16:creationId xmlns:a16="http://schemas.microsoft.com/office/drawing/2014/main" id="{8EB18241-32B9-4A28-843B-40815675C79E}"/>
-                          </a:ext>
-                        </a:extLst>
-                      </p:cNvPr>
-                      <p:cNvPicPr/>
-                      <p:nvPr/>
-                    </p:nvPicPr>
-                    <p:blipFill>
-                      <a:blip r:embed="rId8"/>
-                      <a:stretch>
-                        <a:fillRect/>
-                      </a:stretch>
-                    </p:blipFill>
-                    <p:spPr>
-                      <a:xfrm>
-                        <a:off x="11804650" y="3892259"/>
-                        <a:ext cx="387350" cy="561975"/>
-                      </a:xfrm>
-                      <a:prstGeom prst="rect">
-                        <a:avLst/>
-                      </a:prstGeom>
-                    </p:spPr>
-                  </p:pic>
-                </p:oleObj>
-              </mc:Fallback>
-            </mc:AlternateContent>
-          </a:graphicData>
-        </a:graphic>
-      </p:graphicFrame>
-      <p:graphicFrame>
-        <p:nvGraphicFramePr>
-          <p:cNvPr id="16" name="Object 15">
-            <a:extLst>
-              <a:ext uri="{FF2B5EF4-FFF2-40B4-BE49-F238E27FC236}">
-                <a16:creationId xmlns:a16="http://schemas.microsoft.com/office/drawing/2014/main" id="{02A8086A-3F31-4B85-B61E-ADE5CC5C6606}"/>
-              </a:ext>
-            </a:extLst>
-          </p:cNvPr>
-          <p:cNvGraphicFramePr>
-            <a:graphicFrameLocks noChangeAspect="1"/>
-          </p:cNvGraphicFramePr>
-          <p:nvPr>
-            <p:extLst>
-              <p:ext uri="{D42A27DB-BD31-4B8C-83A1-F6EECF244321}">
-                <p14:modId xmlns:p14="http://schemas.microsoft.com/office/powerpoint/2010/main" val="3735045976"/>
-              </p:ext>
-            </p:extLst>
-          </p:nvPr>
-        </p:nvGraphicFramePr>
-        <p:xfrm>
-          <a:off x="10192234" y="472670"/>
-          <a:ext cx="419100" cy="561975"/>
-        </p:xfrm>
-        <a:graphic>
-          <a:graphicData uri="http://schemas.openxmlformats.org/presentationml/2006/ole">
-            <mc:AlternateContent xmlns:mc="http://schemas.openxmlformats.org/markup-compatibility/2006">
-              <mc:Choice xmlns:v="urn:schemas-microsoft-com:vml" Requires="v">
-                <p:oleObj spid="_x0000_s4772" name="Equation" r:id="rId9" imgW="152280" imgH="203040" progId="Equation.DSMT4">
-                  <p:embed/>
-                </p:oleObj>
-              </mc:Choice>
-              <mc:Fallback>
-                <p:oleObj name="Equation" r:id="rId9" imgW="152280" imgH="203040" progId="Equation.DSMT4">
-                  <p:embed/>
-                  <p:pic>
-                    <p:nvPicPr>
-                      <p:cNvPr id="30" name="Object 29">
-                        <a:extLst>
-                          <a:ext uri="{FF2B5EF4-FFF2-40B4-BE49-F238E27FC236}">
-                            <a16:creationId xmlns:a16="http://schemas.microsoft.com/office/drawing/2014/main" id="{BD5DD461-C54A-4C13-A021-B9EE61709749}"/>
-                          </a:ext>
-                        </a:extLst>
-                      </p:cNvPr>
-                      <p:cNvPicPr/>
-                      <p:nvPr/>
-                    </p:nvPicPr>
-                    <p:blipFill>
-                      <a:blip r:embed="rId10"/>
-                      <a:stretch>
-                        <a:fillRect/>
-                      </a:stretch>
-                    </p:blipFill>
-                    <p:spPr>
-                      <a:xfrm>
-                        <a:off x="10192234" y="472670"/>
-                        <a:ext cx="419100" cy="561975"/>
-                      </a:xfrm>
-                      <a:prstGeom prst="rect">
-                        <a:avLst/>
-                      </a:prstGeom>
-                    </p:spPr>
-                  </p:pic>
-                </p:oleObj>
-              </mc:Fallback>
-            </mc:AlternateContent>
-          </a:graphicData>
-        </a:graphic>
-      </p:graphicFrame>
-      <p:cxnSp>
-        <p:nvCxnSpPr>
-          <p:cNvPr id="17" name="Straight Arrow Connector 16">
-            <a:extLst>
-              <a:ext uri="{FF2B5EF4-FFF2-40B4-BE49-F238E27FC236}">
-                <a16:creationId xmlns:a16="http://schemas.microsoft.com/office/drawing/2014/main" id="{813F1570-6C1D-4FF2-81E6-7EBECF86A69A}"/>
-              </a:ext>
-            </a:extLst>
-          </p:cNvPr>
-          <p:cNvCxnSpPr>
-            <a:cxnSpLocks/>
-          </p:cNvCxnSpPr>
-          <p:nvPr/>
-        </p:nvCxnSpPr>
-        <p:spPr>
-          <a:xfrm flipV="1">
-            <a:off x="10153378" y="409583"/>
-            <a:ext cx="230602" cy="549728"/>
-          </a:xfrm>
-          <a:prstGeom prst="straightConnector1">
-            <a:avLst/>
-          </a:prstGeom>
-          <a:ln w="28575">
-            <a:solidFill>
-              <a:srgbClr val="C00000"/>
-            </a:solidFill>
-            <a:tailEnd type="triangle"/>
-          </a:ln>
-        </p:spPr>
-        <p:style>
-          <a:lnRef idx="1">
-            <a:schemeClr val="accent1"/>
-          </a:lnRef>
-          <a:fillRef idx="0">
-            <a:schemeClr val="accent1"/>
-          </a:fillRef>
-          <a:effectRef idx="0">
-            <a:schemeClr val="accent1"/>
-          </a:effectRef>
-          <a:fontRef idx="minor">
-            <a:schemeClr val="tx1"/>
-          </a:fontRef>
-        </p:style>
-      </p:cxnSp>
-      <p:sp>
-        <p:nvSpPr>
-          <p:cNvPr id="18" name="Arc 17">
-            <a:extLst>
-              <a:ext uri="{FF2B5EF4-FFF2-40B4-BE49-F238E27FC236}">
-                <a16:creationId xmlns:a16="http://schemas.microsoft.com/office/drawing/2014/main" id="{A08C66FC-BAA2-413E-B405-479C9B6A107C}"/>
-              </a:ext>
-            </a:extLst>
-          </p:cNvPr>
-          <p:cNvSpPr/>
-          <p:nvPr/>
-        </p:nvSpPr>
-        <p:spPr>
-          <a:xfrm rot="14495290">
-            <a:off x="8502974" y="1961431"/>
-            <a:ext cx="544589" cy="214001"/>
-          </a:xfrm>
-          <a:prstGeom prst="arc">
-            <a:avLst/>
-          </a:prstGeom>
-          <a:ln>
-            <a:solidFill>
-              <a:schemeClr val="tx1"/>
-            </a:solidFill>
-            <a:headEnd type="triangle" w="med" len="med"/>
-            <a:tailEnd type="triangle" w="med" len="med"/>
-          </a:ln>
-        </p:spPr>
-        <p:style>
-          <a:lnRef idx="1">
-            <a:schemeClr val="accent1"/>
-          </a:lnRef>
-          <a:fillRef idx="0">
-            <a:schemeClr val="accent1"/>
-          </a:fillRef>
-          <a:effectRef idx="0">
-            <a:schemeClr val="accent1"/>
-          </a:effectRef>
-          <a:fontRef idx="minor">
-            <a:schemeClr val="tx1"/>
-          </a:fontRef>
-        </p:style>
-        <p:txBody>
-          <a:bodyPr rtlCol="0" anchor="ctr"/>
-          <a:lstStyle/>
-          <a:p>
-            <a:pPr algn="ctr"/>
-            <a:endParaRPr lang="en-US"/>
-          </a:p>
-        </p:txBody>
-      </p:sp>
-      <p:sp>
-        <p:nvSpPr>
-          <p:cNvPr id="19" name="Arc 18">
-            <a:extLst>
-              <a:ext uri="{FF2B5EF4-FFF2-40B4-BE49-F238E27FC236}">
-                <a16:creationId xmlns:a16="http://schemas.microsoft.com/office/drawing/2014/main" id="{0F2D139B-E10A-4D78-B256-047AC94C566D}"/>
-              </a:ext>
-            </a:extLst>
-          </p:cNvPr>
-          <p:cNvSpPr/>
-          <p:nvPr/>
-        </p:nvSpPr>
-        <p:spPr>
-          <a:xfrm rot="9723436">
-            <a:off x="8854125" y="1400960"/>
-            <a:ext cx="1234593" cy="1086452"/>
-          </a:xfrm>
-          <a:prstGeom prst="arc">
-            <a:avLst/>
-          </a:prstGeom>
-          <a:ln>
-            <a:solidFill>
-              <a:schemeClr val="tx1"/>
-            </a:solidFill>
-            <a:headEnd type="triangle" w="med" len="med"/>
-            <a:tailEnd type="triangle" w="med" len="med"/>
-          </a:ln>
-        </p:spPr>
-        <p:style>
-          <a:lnRef idx="1">
-            <a:schemeClr val="accent1"/>
-          </a:lnRef>
-          <a:fillRef idx="0">
-            <a:schemeClr val="accent1"/>
-          </a:fillRef>
-          <a:effectRef idx="0">
-            <a:schemeClr val="accent1"/>
-          </a:effectRef>
-          <a:fontRef idx="minor">
-            <a:schemeClr val="tx1"/>
-          </a:fontRef>
-        </p:style>
-        <p:txBody>
-          <a:bodyPr rtlCol="0" anchor="ctr"/>
-          <a:lstStyle/>
-          <a:p>
-            <a:pPr algn="ctr"/>
-            <a:endParaRPr lang="en-US"/>
-          </a:p>
-        </p:txBody>
-      </p:sp>
-      <p:graphicFrame>
-        <p:nvGraphicFramePr>
-          <p:cNvPr id="20" name="Object 19">
-            <a:extLst>
-              <a:ext uri="{FF2B5EF4-FFF2-40B4-BE49-F238E27FC236}">
-                <a16:creationId xmlns:a16="http://schemas.microsoft.com/office/drawing/2014/main" id="{9B50191B-EF8A-4D89-890A-FD500A407637}"/>
-              </a:ext>
-            </a:extLst>
-          </p:cNvPr>
-          <p:cNvGraphicFramePr>
-            <a:graphicFrameLocks noChangeAspect="1"/>
-          </p:cNvGraphicFramePr>
-          <p:nvPr>
-            <p:extLst>
-              <p:ext uri="{D42A27DB-BD31-4B8C-83A1-F6EECF244321}">
-                <p14:modId xmlns:p14="http://schemas.microsoft.com/office/powerpoint/2010/main" val="2558311871"/>
-              </p:ext>
-            </p:extLst>
-          </p:nvPr>
-        </p:nvGraphicFramePr>
-        <p:xfrm>
-          <a:off x="9496670" y="2741397"/>
-          <a:ext cx="384175" cy="631825"/>
-        </p:xfrm>
-        <a:graphic>
-          <a:graphicData uri="http://schemas.openxmlformats.org/presentationml/2006/ole">
-            <mc:AlternateContent xmlns:mc="http://schemas.openxmlformats.org/markup-compatibility/2006">
-              <mc:Choice xmlns:v="urn:schemas-microsoft-com:vml" Requires="v">
-                <p:oleObj spid="_x0000_s4773" name="Equation" r:id="rId30" imgW="139680" imgH="228600" progId="Equation.DSMT4">
-                  <p:embed/>
-                </p:oleObj>
-              </mc:Choice>
-              <mc:Fallback>
-                <p:oleObj name="Equation" r:id="rId30" imgW="139680" imgH="228600" progId="Equation.DSMT4">
-                  <p:embed/>
-                  <p:pic>
-                    <p:nvPicPr>
-                      <p:cNvPr id="36" name="Object 35">
-                        <a:extLst>
-                          <a:ext uri="{FF2B5EF4-FFF2-40B4-BE49-F238E27FC236}">
-                            <a16:creationId xmlns:a16="http://schemas.microsoft.com/office/drawing/2014/main" id="{A3F1C106-FC37-4074-8061-E373929379E0}"/>
-                          </a:ext>
-                        </a:extLst>
-                      </p:cNvPr>
-                      <p:cNvPicPr/>
-                      <p:nvPr/>
-                    </p:nvPicPr>
-                    <p:blipFill>
-                      <a:blip r:embed="rId12"/>
-                      <a:stretch>
-                        <a:fillRect/>
-                      </a:stretch>
-                    </p:blipFill>
-                    <p:spPr>
-                      <a:xfrm>
-                        <a:off x="9496670" y="2741397"/>
-                        <a:ext cx="384175" cy="631825"/>
-                      </a:xfrm>
-                      <a:prstGeom prst="rect">
-                        <a:avLst/>
-                      </a:prstGeom>
-                    </p:spPr>
-                  </p:pic>
-                </p:oleObj>
-              </mc:Fallback>
-            </mc:AlternateContent>
-          </a:graphicData>
-        </a:graphic>
-      </p:graphicFrame>
-      <p:graphicFrame>
-        <p:nvGraphicFramePr>
-          <p:cNvPr id="21" name="Object 20">
-            <a:extLst>
-              <a:ext uri="{FF2B5EF4-FFF2-40B4-BE49-F238E27FC236}">
-                <a16:creationId xmlns:a16="http://schemas.microsoft.com/office/drawing/2014/main" id="{7176C207-2407-43B8-BCA1-3D236439D9F2}"/>
-              </a:ext>
-            </a:extLst>
-          </p:cNvPr>
-          <p:cNvGraphicFramePr>
-            <a:graphicFrameLocks noChangeAspect="1"/>
-          </p:cNvGraphicFramePr>
-          <p:nvPr>
-            <p:extLst>
-              <p:ext uri="{D42A27DB-BD31-4B8C-83A1-F6EECF244321}">
-                <p14:modId xmlns:p14="http://schemas.microsoft.com/office/powerpoint/2010/main" val="717218247"/>
-              </p:ext>
-            </p:extLst>
-          </p:nvPr>
-        </p:nvGraphicFramePr>
-        <p:xfrm>
-          <a:off x="9063831" y="2130075"/>
-          <a:ext cx="423863" cy="455613"/>
-        </p:xfrm>
-        <a:graphic>
-          <a:graphicData uri="http://schemas.openxmlformats.org/presentationml/2006/ole">
-            <mc:AlternateContent xmlns:mc="http://schemas.openxmlformats.org/markup-compatibility/2006">
-              <mc:Choice xmlns:v="urn:schemas-microsoft-com:vml" Requires="v">
-                <p:oleObj spid="_x0000_s4774" name="Equation" r:id="rId31" imgW="152280" imgH="164880" progId="Equation.DSMT4">
-                  <p:embed/>
-                </p:oleObj>
-              </mc:Choice>
-              <mc:Fallback>
-                <p:oleObj name="Equation" r:id="rId31" imgW="152280" imgH="164880" progId="Equation.DSMT4">
-                  <p:embed/>
-                  <p:pic>
-                    <p:nvPicPr>
-                      <p:cNvPr id="37" name="Object 36">
-                        <a:extLst>
-                          <a:ext uri="{FF2B5EF4-FFF2-40B4-BE49-F238E27FC236}">
-                            <a16:creationId xmlns:a16="http://schemas.microsoft.com/office/drawing/2014/main" id="{3DEEBAA4-935B-40AE-950B-EE3BA36590E1}"/>
-                          </a:ext>
-                        </a:extLst>
-                      </p:cNvPr>
-                      <p:cNvPicPr/>
-                      <p:nvPr/>
-                    </p:nvPicPr>
-                    <p:blipFill>
-                      <a:blip r:embed="rId14"/>
-                      <a:stretch>
-                        <a:fillRect/>
-                      </a:stretch>
-                    </p:blipFill>
-                    <p:spPr>
-                      <a:xfrm>
-                        <a:off x="9063831" y="2130075"/>
-                        <a:ext cx="423863" cy="455613"/>
-                      </a:xfrm>
-                      <a:prstGeom prst="rect">
-                        <a:avLst/>
-                      </a:prstGeom>
-                    </p:spPr>
-                  </p:pic>
-                </p:oleObj>
-              </mc:Fallback>
-            </mc:AlternateContent>
-          </a:graphicData>
-        </a:graphic>
-      </p:graphicFrame>
-      <p:graphicFrame>
-        <p:nvGraphicFramePr>
-          <p:cNvPr id="22" name="Object 21">
-            <a:extLst>
-              <a:ext uri="{FF2B5EF4-FFF2-40B4-BE49-F238E27FC236}">
-                <a16:creationId xmlns:a16="http://schemas.microsoft.com/office/drawing/2014/main" id="{5C416307-27F9-420B-AE63-AF908C380A89}"/>
-              </a:ext>
-            </a:extLst>
-          </p:cNvPr>
-          <p:cNvGraphicFramePr>
-            <a:graphicFrameLocks noChangeAspect="1"/>
-          </p:cNvGraphicFramePr>
-          <p:nvPr>
-            <p:extLst>
-              <p:ext uri="{D42A27DB-BD31-4B8C-83A1-F6EECF244321}">
-                <p14:modId xmlns:p14="http://schemas.microsoft.com/office/powerpoint/2010/main" val="3786438079"/>
-              </p:ext>
-            </p:extLst>
-          </p:nvPr>
-        </p:nvGraphicFramePr>
-        <p:xfrm>
-          <a:off x="8320594" y="1786090"/>
-          <a:ext cx="352425" cy="385762"/>
-        </p:xfrm>
-        <a:graphic>
-          <a:graphicData uri="http://schemas.openxmlformats.org/presentationml/2006/ole">
-            <mc:AlternateContent xmlns:mc="http://schemas.openxmlformats.org/markup-compatibility/2006">
-              <mc:Choice xmlns:v="urn:schemas-microsoft-com:vml" Requires="v">
-                <p:oleObj spid="_x0000_s4775" name="Equation" r:id="rId32" imgW="126720" imgH="139680" progId="Equation.DSMT4">
-                  <p:embed/>
-                </p:oleObj>
-              </mc:Choice>
-              <mc:Fallback>
-                <p:oleObj name="Equation" r:id="rId32" imgW="126720" imgH="139680" progId="Equation.DSMT4">
-                  <p:embed/>
-                  <p:pic>
-                    <p:nvPicPr>
-                      <p:cNvPr id="38" name="Object 37">
-                        <a:extLst>
-                          <a:ext uri="{FF2B5EF4-FFF2-40B4-BE49-F238E27FC236}">
-                            <a16:creationId xmlns:a16="http://schemas.microsoft.com/office/drawing/2014/main" id="{6A255F6F-D67D-4C84-A85A-5EF5B52674DD}"/>
-                          </a:ext>
-                        </a:extLst>
-                      </p:cNvPr>
-                      <p:cNvPicPr/>
-                      <p:nvPr/>
-                    </p:nvPicPr>
-                    <p:blipFill>
-                      <a:blip r:embed="rId16"/>
-                      <a:stretch>
-                        <a:fillRect/>
-                      </a:stretch>
-                    </p:blipFill>
-                    <p:spPr>
-                      <a:xfrm>
-                        <a:off x="8320594" y="1786090"/>
-                        <a:ext cx="352425" cy="385762"/>
-                      </a:xfrm>
-                      <a:prstGeom prst="rect">
-                        <a:avLst/>
-                      </a:prstGeom>
-                    </p:spPr>
-                  </p:pic>
-                </p:oleObj>
-              </mc:Fallback>
-            </mc:AlternateContent>
-          </a:graphicData>
-        </a:graphic>
-      </p:graphicFrame>
-      <p:graphicFrame>
-        <p:nvGraphicFramePr>
-          <p:cNvPr id="23" name="Object 22">
-            <a:extLst>
-              <a:ext uri="{FF2B5EF4-FFF2-40B4-BE49-F238E27FC236}">
-                <a16:creationId xmlns:a16="http://schemas.microsoft.com/office/drawing/2014/main" id="{B4EDF44F-556D-4599-9AE9-5661941145B6}"/>
-              </a:ext>
-            </a:extLst>
-          </p:cNvPr>
-          <p:cNvGraphicFramePr>
-            <a:graphicFrameLocks noChangeAspect="1"/>
-          </p:cNvGraphicFramePr>
-          <p:nvPr>
-            <p:extLst>
-              <p:ext uri="{D42A27DB-BD31-4B8C-83A1-F6EECF244321}">
-                <p14:modId xmlns:p14="http://schemas.microsoft.com/office/powerpoint/2010/main" val="1177402143"/>
-              </p:ext>
-            </p:extLst>
-          </p:nvPr>
-        </p:nvGraphicFramePr>
-        <p:xfrm>
-          <a:off x="8221646" y="1301267"/>
-          <a:ext cx="561975" cy="455612"/>
-        </p:xfrm>
-        <a:graphic>
-          <a:graphicData uri="http://schemas.openxmlformats.org/presentationml/2006/ole">
-            <mc:AlternateContent xmlns:mc="http://schemas.openxmlformats.org/markup-compatibility/2006">
-              <mc:Choice xmlns:v="urn:schemas-microsoft-com:vml" Requires="v">
-                <p:oleObj spid="_x0000_s4776" name="Equation" r:id="rId33" imgW="203040" imgH="164880" progId="Equation.DSMT4">
-                  <p:embed/>
-                </p:oleObj>
-              </mc:Choice>
-              <mc:Fallback>
-                <p:oleObj name="Equation" r:id="rId33" imgW="203040" imgH="164880" progId="Equation.DSMT4">
-                  <p:embed/>
-                  <p:pic>
-                    <p:nvPicPr>
-                      <p:cNvPr id="42" name="Object 41">
-                        <a:extLst>
-                          <a:ext uri="{FF2B5EF4-FFF2-40B4-BE49-F238E27FC236}">
-                            <a16:creationId xmlns:a16="http://schemas.microsoft.com/office/drawing/2014/main" id="{86137594-9476-4867-984E-1BEA62A9F37F}"/>
-                          </a:ext>
-                        </a:extLst>
-                      </p:cNvPr>
-                      <p:cNvPicPr/>
-                      <p:nvPr/>
-                    </p:nvPicPr>
-                    <p:blipFill>
-                      <a:blip r:embed="rId18"/>
-                      <a:stretch>
-                        <a:fillRect/>
-                      </a:stretch>
-                    </p:blipFill>
-                    <p:spPr>
-                      <a:xfrm>
-                        <a:off x="8221646" y="1301267"/>
-                        <a:ext cx="561975" cy="455612"/>
-                      </a:xfrm>
-                      <a:prstGeom prst="rect">
-                        <a:avLst/>
-                      </a:prstGeom>
-                    </p:spPr>
-                  </p:pic>
-                </p:oleObj>
-              </mc:Fallback>
-            </mc:AlternateContent>
-          </a:graphicData>
-        </a:graphic>
-      </p:graphicFrame>
-      <p:graphicFrame>
-        <p:nvGraphicFramePr>
-          <p:cNvPr id="24" name="Object 23">
-            <a:extLst>
-              <a:ext uri="{FF2B5EF4-FFF2-40B4-BE49-F238E27FC236}">
-                <a16:creationId xmlns:a16="http://schemas.microsoft.com/office/drawing/2014/main" id="{B31A3B38-3CB1-464B-84FE-203A840E985A}"/>
-              </a:ext>
-            </a:extLst>
-          </p:cNvPr>
-          <p:cNvGraphicFramePr>
-            <a:graphicFrameLocks noChangeAspect="1"/>
-          </p:cNvGraphicFramePr>
-          <p:nvPr>
-            <p:extLst>
-              <p:ext uri="{D42A27DB-BD31-4B8C-83A1-F6EECF244321}">
-                <p14:modId xmlns:p14="http://schemas.microsoft.com/office/powerpoint/2010/main" val="3790817127"/>
-              </p:ext>
-            </p:extLst>
-          </p:nvPr>
-        </p:nvGraphicFramePr>
-        <p:xfrm>
-          <a:off x="7576942" y="1906209"/>
-          <a:ext cx="493713" cy="455612"/>
-        </p:xfrm>
-        <a:graphic>
-          <a:graphicData uri="http://schemas.openxmlformats.org/presentationml/2006/ole">
-            <mc:AlternateContent xmlns:mc="http://schemas.openxmlformats.org/markup-compatibility/2006">
-              <mc:Choice xmlns:v="urn:schemas-microsoft-com:vml" Requires="v">
-                <p:oleObj spid="_x0000_s4777" name="Equation" r:id="rId34" imgW="177480" imgH="164880" progId="Equation.DSMT4">
-                  <p:embed/>
-                </p:oleObj>
-              </mc:Choice>
-              <mc:Fallback>
-                <p:oleObj name="Equation" r:id="rId34" imgW="177480" imgH="164880" progId="Equation.DSMT4">
-                  <p:embed/>
-                  <p:pic>
-                    <p:nvPicPr>
-                      <p:cNvPr id="43" name="Object 42">
-                        <a:extLst>
-                          <a:ext uri="{FF2B5EF4-FFF2-40B4-BE49-F238E27FC236}">
-                            <a16:creationId xmlns:a16="http://schemas.microsoft.com/office/drawing/2014/main" id="{269C27F4-0715-4C45-AC89-18F235FA9A4E}"/>
-                          </a:ext>
-                        </a:extLst>
-                      </p:cNvPr>
-                      <p:cNvPicPr/>
-                      <p:nvPr/>
-                    </p:nvPicPr>
-                    <p:blipFill>
-                      <a:blip r:embed="rId20"/>
-                      <a:stretch>
-                        <a:fillRect/>
-                      </a:stretch>
-                    </p:blipFill>
-                    <p:spPr>
-                      <a:xfrm>
-                        <a:off x="7576942" y="1906209"/>
-                        <a:ext cx="493713" cy="455612"/>
-                      </a:xfrm>
-                      <a:prstGeom prst="rect">
-                        <a:avLst/>
-                      </a:prstGeom>
-                    </p:spPr>
-                  </p:pic>
-                </p:oleObj>
-              </mc:Fallback>
-            </mc:AlternateContent>
-          </a:graphicData>
-        </a:graphic>
-      </p:graphicFrame>
-      <p:graphicFrame>
-        <p:nvGraphicFramePr>
-          <p:cNvPr id="25" name="Object 24">
-            <a:extLst>
-              <a:ext uri="{FF2B5EF4-FFF2-40B4-BE49-F238E27FC236}">
-                <a16:creationId xmlns:a16="http://schemas.microsoft.com/office/drawing/2014/main" id="{6F9E7BFD-4316-4004-8F9C-D51ECFFDBF09}"/>
-              </a:ext>
-            </a:extLst>
-          </p:cNvPr>
-          <p:cNvGraphicFramePr>
-            <a:graphicFrameLocks noChangeAspect="1"/>
-          </p:cNvGraphicFramePr>
-          <p:nvPr>
-            <p:extLst>
-              <p:ext uri="{D42A27DB-BD31-4B8C-83A1-F6EECF244321}">
-                <p14:modId xmlns:p14="http://schemas.microsoft.com/office/powerpoint/2010/main" val="1361264236"/>
-              </p:ext>
-            </p:extLst>
-          </p:nvPr>
-        </p:nvGraphicFramePr>
-        <p:xfrm>
-          <a:off x="9725632" y="3780886"/>
-          <a:ext cx="422275" cy="455612"/>
-        </p:xfrm>
-        <a:graphic>
-          <a:graphicData uri="http://schemas.openxmlformats.org/presentationml/2006/ole">
-            <mc:AlternateContent xmlns:mc="http://schemas.openxmlformats.org/markup-compatibility/2006">
-              <mc:Choice xmlns:v="urn:schemas-microsoft-com:vml" Requires="v">
-                <p:oleObj spid="_x0000_s4778" name="Equation" r:id="rId35" imgW="152280" imgH="164880" progId="Equation.DSMT4">
-                  <p:embed/>
-                </p:oleObj>
-              </mc:Choice>
-              <mc:Fallback>
-                <p:oleObj name="Equation" r:id="rId35" imgW="152280" imgH="164880" progId="Equation.DSMT4">
-                  <p:embed/>
-                  <p:pic>
-                    <p:nvPicPr>
-                      <p:cNvPr id="44" name="Object 43">
-                        <a:extLst>
-                          <a:ext uri="{FF2B5EF4-FFF2-40B4-BE49-F238E27FC236}">
-                            <a16:creationId xmlns:a16="http://schemas.microsoft.com/office/drawing/2014/main" id="{41F6390D-79BB-4536-8EC3-CEE35AB8C88E}"/>
-                          </a:ext>
-                        </a:extLst>
-                      </p:cNvPr>
-                      <p:cNvPicPr/>
-                      <p:nvPr/>
-                    </p:nvPicPr>
-                    <p:blipFill>
-                      <a:blip r:embed="rId22"/>
-                      <a:stretch>
-                        <a:fillRect/>
-                      </a:stretch>
-                    </p:blipFill>
-                    <p:spPr>
-                      <a:xfrm>
-                        <a:off x="9725632" y="3780886"/>
-                        <a:ext cx="422275" cy="455612"/>
-                      </a:xfrm>
-                      <a:prstGeom prst="rect">
-                        <a:avLst/>
-                      </a:prstGeom>
-                    </p:spPr>
-                  </p:pic>
-                </p:oleObj>
-              </mc:Fallback>
-            </mc:AlternateContent>
-          </a:graphicData>
-        </a:graphic>
-      </p:graphicFrame>
-      <p:graphicFrame>
-        <p:nvGraphicFramePr>
-          <p:cNvPr id="26" name="Object 25">
-            <a:extLst>
-              <a:ext uri="{FF2B5EF4-FFF2-40B4-BE49-F238E27FC236}">
-                <a16:creationId xmlns:a16="http://schemas.microsoft.com/office/drawing/2014/main" id="{03866848-91B0-4AF5-9F32-C86F6090639A}"/>
-              </a:ext>
-            </a:extLst>
-          </p:cNvPr>
-          <p:cNvGraphicFramePr>
-            <a:graphicFrameLocks noChangeAspect="1"/>
-          </p:cNvGraphicFramePr>
-          <p:nvPr>
-            <p:extLst>
-              <p:ext uri="{D42A27DB-BD31-4B8C-83A1-F6EECF244321}">
-                <p14:modId xmlns:p14="http://schemas.microsoft.com/office/powerpoint/2010/main" val="2398944793"/>
-              </p:ext>
-            </p:extLst>
-          </p:nvPr>
-        </p:nvGraphicFramePr>
-        <p:xfrm>
-          <a:off x="9543225" y="1825303"/>
-          <a:ext cx="422275" cy="490538"/>
-        </p:xfrm>
-        <a:graphic>
-          <a:graphicData uri="http://schemas.openxmlformats.org/presentationml/2006/ole">
-            <mc:AlternateContent xmlns:mc="http://schemas.openxmlformats.org/markup-compatibility/2006">
-              <mc:Choice xmlns:v="urn:schemas-microsoft-com:vml" Requires="v">
-                <p:oleObj spid="_x0000_s4779" name="Equation" r:id="rId36" imgW="152280" imgH="177480" progId="Equation.DSMT4">
-                  <p:embed/>
-                </p:oleObj>
-              </mc:Choice>
-              <mc:Fallback>
-                <p:oleObj name="Equation" r:id="rId36" imgW="152280" imgH="177480" progId="Equation.DSMT4">
-                  <p:embed/>
-                  <p:pic>
-                    <p:nvPicPr>
-                      <p:cNvPr id="45" name="Object 44">
-                        <a:extLst>
-                          <a:ext uri="{FF2B5EF4-FFF2-40B4-BE49-F238E27FC236}">
-                            <a16:creationId xmlns:a16="http://schemas.microsoft.com/office/drawing/2014/main" id="{4C9D9CF4-1381-427A-B547-B96274229EB2}"/>
-                          </a:ext>
-                        </a:extLst>
-                      </p:cNvPr>
-                      <p:cNvPicPr/>
-                      <p:nvPr/>
-                    </p:nvPicPr>
-                    <p:blipFill>
-                      <a:blip r:embed="rId24"/>
-                      <a:stretch>
-                        <a:fillRect/>
-                      </a:stretch>
-                    </p:blipFill>
-                    <p:spPr>
-                      <a:xfrm>
-                        <a:off x="9543225" y="1825303"/>
-                        <a:ext cx="422275" cy="490538"/>
-                      </a:xfrm>
-                      <a:prstGeom prst="rect">
-                        <a:avLst/>
-                      </a:prstGeom>
-                    </p:spPr>
-                  </p:pic>
-                </p:oleObj>
-              </mc:Fallback>
-            </mc:AlternateContent>
-          </a:graphicData>
-        </a:graphic>
-      </p:graphicFrame>
-      <p:cxnSp>
-        <p:nvCxnSpPr>
-          <p:cNvPr id="28" name="Straight Connector 27">
-            <a:extLst>
-              <a:ext uri="{FF2B5EF4-FFF2-40B4-BE49-F238E27FC236}">
-                <a16:creationId xmlns:a16="http://schemas.microsoft.com/office/drawing/2014/main" id="{DC04B58E-74AD-4A35-97BA-E5A8F17BE2F1}"/>
-              </a:ext>
-            </a:extLst>
-          </p:cNvPr>
-          <p:cNvCxnSpPr>
-            <a:cxnSpLocks/>
-          </p:cNvCxnSpPr>
-          <p:nvPr/>
-        </p:nvCxnSpPr>
-        <p:spPr>
-          <a:xfrm>
-            <a:off x="9542588" y="2179569"/>
-            <a:ext cx="820240" cy="1359532"/>
-          </a:xfrm>
-          <a:prstGeom prst="line">
-            <a:avLst/>
-          </a:prstGeom>
-          <a:ln>
-            <a:prstDash val="dashDot"/>
-          </a:ln>
-        </p:spPr>
-        <p:style>
-          <a:lnRef idx="1">
-            <a:schemeClr val="accent1"/>
-          </a:lnRef>
-          <a:fillRef idx="0">
-            <a:schemeClr val="accent1"/>
-          </a:fillRef>
-          <a:effectRef idx="0">
-            <a:schemeClr val="accent1"/>
-          </a:effectRef>
-          <a:fontRef idx="minor">
-            <a:schemeClr val="tx1"/>
-          </a:fontRef>
-        </p:style>
-      </p:cxnSp>
-      <p:cxnSp>
-        <p:nvCxnSpPr>
-          <p:cNvPr id="29" name="Straight Arrow Connector 28">
-            <a:extLst>
-              <a:ext uri="{FF2B5EF4-FFF2-40B4-BE49-F238E27FC236}">
-                <a16:creationId xmlns:a16="http://schemas.microsoft.com/office/drawing/2014/main" id="{C273DE1C-A28D-4C88-A6D4-91D3099D310A}"/>
-              </a:ext>
-            </a:extLst>
-          </p:cNvPr>
-          <p:cNvCxnSpPr>
-            <a:cxnSpLocks/>
-          </p:cNvCxnSpPr>
-          <p:nvPr/>
-        </p:nvCxnSpPr>
-        <p:spPr>
-          <a:xfrm flipH="1" flipV="1">
-            <a:off x="9519858" y="1001756"/>
-            <a:ext cx="11845" cy="1177814"/>
-          </a:xfrm>
-          <a:prstGeom prst="straightConnector1">
-            <a:avLst/>
-          </a:prstGeom>
-          <a:ln>
-            <a:solidFill>
-              <a:schemeClr val="tx1"/>
-            </a:solidFill>
-            <a:tailEnd type="triangle"/>
-          </a:ln>
-        </p:spPr>
-        <p:style>
-          <a:lnRef idx="1">
-            <a:schemeClr val="accent1"/>
-          </a:lnRef>
-          <a:fillRef idx="0">
-            <a:schemeClr val="accent1"/>
-          </a:fillRef>
-          <a:effectRef idx="0">
-            <a:schemeClr val="accent1"/>
-          </a:effectRef>
-          <a:fontRef idx="minor">
-            <a:schemeClr val="tx1"/>
-          </a:fontRef>
-        </p:style>
-      </p:cxnSp>
-      <p:sp>
-        <p:nvSpPr>
-          <p:cNvPr id="30" name="Arc 29">
-            <a:extLst>
-              <a:ext uri="{FF2B5EF4-FFF2-40B4-BE49-F238E27FC236}">
-                <a16:creationId xmlns:a16="http://schemas.microsoft.com/office/drawing/2014/main" id="{DEFC8583-448E-4D65-90C7-C767032B10BE}"/>
-              </a:ext>
-            </a:extLst>
-          </p:cNvPr>
-          <p:cNvSpPr/>
-          <p:nvPr/>
-        </p:nvSpPr>
-        <p:spPr>
-          <a:xfrm rot="21313928">
-            <a:off x="9262339" y="1188302"/>
-            <a:ext cx="541398" cy="652080"/>
-          </a:xfrm>
-          <a:prstGeom prst="arc">
-            <a:avLst/>
-          </a:prstGeom>
-          <a:ln>
-            <a:headEnd type="triangle" w="med" len="med"/>
-            <a:tailEnd type="triangle" w="med" len="med"/>
-          </a:ln>
-        </p:spPr>
-        <p:style>
-          <a:lnRef idx="1">
-            <a:schemeClr val="accent1"/>
-          </a:lnRef>
-          <a:fillRef idx="0">
-            <a:schemeClr val="accent1"/>
-          </a:fillRef>
-          <a:effectRef idx="0">
-            <a:schemeClr val="accent1"/>
-          </a:effectRef>
-          <a:fontRef idx="minor">
-            <a:schemeClr val="tx1"/>
-          </a:fontRef>
-        </p:style>
-        <p:txBody>
-          <a:bodyPr rtlCol="0" anchor="ctr"/>
-          <a:lstStyle/>
-          <a:p>
-            <a:pPr algn="ctr"/>
-            <a:endParaRPr lang="en-US"/>
-          </a:p>
-        </p:txBody>
-      </p:sp>
-      <p:graphicFrame>
-        <p:nvGraphicFramePr>
-          <p:cNvPr id="31" name="Object 30">
-            <a:extLst>
-              <a:ext uri="{FF2B5EF4-FFF2-40B4-BE49-F238E27FC236}">
-                <a16:creationId xmlns:a16="http://schemas.microsoft.com/office/drawing/2014/main" id="{76B0D09F-D625-4B73-AEE0-A64A88A06DE9}"/>
-              </a:ext>
-            </a:extLst>
-          </p:cNvPr>
-          <p:cNvGraphicFramePr>
-            <a:graphicFrameLocks noChangeAspect="1"/>
-          </p:cNvGraphicFramePr>
-          <p:nvPr>
-            <p:extLst>
-              <p:ext uri="{D42A27DB-BD31-4B8C-83A1-F6EECF244321}">
-                <p14:modId xmlns:p14="http://schemas.microsoft.com/office/powerpoint/2010/main" val="2521976137"/>
-              </p:ext>
-            </p:extLst>
-          </p:nvPr>
-        </p:nvGraphicFramePr>
-        <p:xfrm>
-          <a:off x="9570977" y="917806"/>
-          <a:ext cx="352425" cy="385762"/>
-        </p:xfrm>
-        <a:graphic>
-          <a:graphicData uri="http://schemas.openxmlformats.org/presentationml/2006/ole">
-            <mc:AlternateContent xmlns:mc="http://schemas.openxmlformats.org/markup-compatibility/2006">
-              <mc:Choice xmlns:v="urn:schemas-microsoft-com:vml" Requires="v">
-                <p:oleObj spid="_x0000_s4780" name="Equation" r:id="rId37" imgW="126720" imgH="139680" progId="Equation.DSMT4">
-                  <p:embed/>
-                </p:oleObj>
-              </mc:Choice>
-              <mc:Fallback>
-                <p:oleObj name="Equation" r:id="rId37" imgW="126720" imgH="139680" progId="Equation.DSMT4">
-                  <p:embed/>
-                  <p:pic>
-                    <p:nvPicPr>
-                      <p:cNvPr id="55" name="Object 54">
-                        <a:extLst>
-                          <a:ext uri="{FF2B5EF4-FFF2-40B4-BE49-F238E27FC236}">
-                            <a16:creationId xmlns:a16="http://schemas.microsoft.com/office/drawing/2014/main" id="{59165748-DF94-48B9-801A-4E10C0EE4ECD}"/>
-                          </a:ext>
-                        </a:extLst>
-                      </p:cNvPr>
-                      <p:cNvPicPr/>
-                      <p:nvPr/>
-                    </p:nvPicPr>
-                    <p:blipFill>
-                      <a:blip r:embed="rId16"/>
-                      <a:stretch>
-                        <a:fillRect/>
-                      </a:stretch>
-                    </p:blipFill>
-                    <p:spPr>
-                      <a:xfrm>
-                        <a:off x="9570977" y="917806"/>
-                        <a:ext cx="352425" cy="385762"/>
-                      </a:xfrm>
-                      <a:prstGeom prst="rect">
-                        <a:avLst/>
-                      </a:prstGeom>
-                    </p:spPr>
-                  </p:pic>
-                </p:oleObj>
-              </mc:Fallback>
-            </mc:AlternateContent>
-          </a:graphicData>
-        </a:graphic>
-      </p:graphicFrame>
-      <p:graphicFrame>
-        <p:nvGraphicFramePr>
-          <p:cNvPr id="32" name="Object 31">
-            <a:extLst>
-              <a:ext uri="{FF2B5EF4-FFF2-40B4-BE49-F238E27FC236}">
-                <a16:creationId xmlns:a16="http://schemas.microsoft.com/office/drawing/2014/main" id="{270E2A66-48F2-4F97-845D-1525195EF0CB}"/>
-              </a:ext>
-            </a:extLst>
-          </p:cNvPr>
-          <p:cNvGraphicFramePr>
-            <a:graphicFrameLocks noChangeAspect="1"/>
-          </p:cNvGraphicFramePr>
-          <p:nvPr>
-            <p:extLst>
-              <p:ext uri="{D42A27DB-BD31-4B8C-83A1-F6EECF244321}">
-                <p14:modId xmlns:p14="http://schemas.microsoft.com/office/powerpoint/2010/main" val="668598437"/>
-              </p:ext>
-            </p:extLst>
-          </p:nvPr>
-        </p:nvGraphicFramePr>
-        <p:xfrm>
-          <a:off x="9397368" y="476112"/>
-          <a:ext cx="384175" cy="560388"/>
-        </p:xfrm>
-        <a:graphic>
-          <a:graphicData uri="http://schemas.openxmlformats.org/presentationml/2006/ole">
-            <mc:AlternateContent xmlns:mc="http://schemas.openxmlformats.org/markup-compatibility/2006">
-              <mc:Choice xmlns:v="urn:schemas-microsoft-com:vml" Requires="v">
-                <p:oleObj spid="_x0000_s4781" name="Equation" r:id="rId38" imgW="139680" imgH="203040" progId="Equation.DSMT4">
-                  <p:embed/>
-                </p:oleObj>
-              </mc:Choice>
-              <mc:Fallback>
-                <p:oleObj name="Equation" r:id="rId38" imgW="139680" imgH="203040" progId="Equation.DSMT4">
-                  <p:embed/>
-                  <p:pic>
-                    <p:nvPicPr>
-                      <p:cNvPr id="56" name="Object 55">
-                        <a:extLst>
-                          <a:ext uri="{FF2B5EF4-FFF2-40B4-BE49-F238E27FC236}">
-                            <a16:creationId xmlns:a16="http://schemas.microsoft.com/office/drawing/2014/main" id="{3B04E750-3CDB-44C3-B9D1-819363A8C63F}"/>
-                          </a:ext>
-                        </a:extLst>
-                      </p:cNvPr>
-                      <p:cNvPicPr/>
-                      <p:nvPr/>
-                    </p:nvPicPr>
-                    <p:blipFill>
-                      <a:blip r:embed="rId27"/>
-                      <a:stretch>
-                        <a:fillRect/>
-                      </a:stretch>
-                    </p:blipFill>
-                    <p:spPr>
-                      <a:xfrm>
-                        <a:off x="9397368" y="476112"/>
-                        <a:ext cx="384175" cy="560388"/>
-                      </a:xfrm>
-                      <a:prstGeom prst="rect">
-                        <a:avLst/>
-                      </a:prstGeom>
-                    </p:spPr>
-                  </p:pic>
-                </p:oleObj>
-              </mc:Fallback>
-            </mc:AlternateContent>
-          </a:graphicData>
-        </a:graphic>
-      </p:graphicFrame>
-      <p:graphicFrame>
-        <p:nvGraphicFramePr>
-          <p:cNvPr id="37" name="Object 36">
-            <a:extLst>
-              <a:ext uri="{FF2B5EF4-FFF2-40B4-BE49-F238E27FC236}">
-                <a16:creationId xmlns:a16="http://schemas.microsoft.com/office/drawing/2014/main" id="{A595BFFB-C44A-465F-B468-EE7E6177EF4F}"/>
-              </a:ext>
-            </a:extLst>
-          </p:cNvPr>
-          <p:cNvGraphicFramePr>
-            <a:graphicFrameLocks noChangeAspect="1"/>
-          </p:cNvGraphicFramePr>
-          <p:nvPr>
-            <p:extLst>
-              <p:ext uri="{D42A27DB-BD31-4B8C-83A1-F6EECF244321}">
-                <p14:modId xmlns:p14="http://schemas.microsoft.com/office/powerpoint/2010/main" val="4219984382"/>
-              </p:ext>
-            </p:extLst>
-          </p:nvPr>
-        </p:nvGraphicFramePr>
-        <p:xfrm>
-          <a:off x="11544188" y="3539101"/>
-          <a:ext cx="596900" cy="455612"/>
-        </p:xfrm>
-        <a:graphic>
-          <a:graphicData uri="http://schemas.openxmlformats.org/presentationml/2006/ole">
-            <mc:AlternateContent xmlns:mc="http://schemas.openxmlformats.org/markup-compatibility/2006">
-              <mc:Choice xmlns:v="urn:schemas-microsoft-com:vml" Requires="v">
-                <p:oleObj spid="_x0000_s4782" name="Equation" r:id="rId39" imgW="215640" imgH="164880" progId="Equation.DSMT4">
-                  <p:embed/>
-                </p:oleObj>
-              </mc:Choice>
-              <mc:Fallback>
-                <p:oleObj name="Equation" r:id="rId39" imgW="215640" imgH="164880" progId="Equation.DSMT4">
-                  <p:embed/>
-                  <p:pic>
-                    <p:nvPicPr>
-                      <p:cNvPr id="69" name="Object 68">
-                        <a:extLst>
-                          <a:ext uri="{FF2B5EF4-FFF2-40B4-BE49-F238E27FC236}">
-                            <a16:creationId xmlns:a16="http://schemas.microsoft.com/office/drawing/2014/main" id="{11209F6D-BB08-4F52-81B0-3CDC5A715404}"/>
-                          </a:ext>
-                        </a:extLst>
-                      </p:cNvPr>
-                      <p:cNvPicPr/>
-                      <p:nvPr/>
-                    </p:nvPicPr>
-                    <p:blipFill>
-                      <a:blip r:embed="rId29"/>
-                      <a:stretch>
-                        <a:fillRect/>
-                      </a:stretch>
-                    </p:blipFill>
-                    <p:spPr>
-                      <a:xfrm>
-                        <a:off x="11544188" y="3539101"/>
-                        <a:ext cx="596900" cy="455612"/>
-                      </a:xfrm>
-                      <a:prstGeom prst="rect">
-                        <a:avLst/>
-                      </a:prstGeom>
-                    </p:spPr>
-                  </p:pic>
-                </p:oleObj>
-              </mc:Fallback>
-            </mc:AlternateContent>
-          </a:graphicData>
-        </a:graphic>
-      </p:graphicFrame>
-      <p:cxnSp>
-        <p:nvCxnSpPr>
-          <p:cNvPr id="38" name="Straight Arrow Connector 37">
-            <a:extLst>
-              <a:ext uri="{FF2B5EF4-FFF2-40B4-BE49-F238E27FC236}">
-                <a16:creationId xmlns:a16="http://schemas.microsoft.com/office/drawing/2014/main" id="{7D792152-95D5-49C6-89BB-45EBCBE61BBE}"/>
-              </a:ext>
-            </a:extLst>
-          </p:cNvPr>
-          <p:cNvCxnSpPr>
-            <a:cxnSpLocks/>
-          </p:cNvCxnSpPr>
-          <p:nvPr/>
-        </p:nvCxnSpPr>
-        <p:spPr>
-          <a:xfrm>
-            <a:off x="9379827" y="2595722"/>
-            <a:ext cx="740512" cy="1340709"/>
-          </a:xfrm>
-          <a:prstGeom prst="straightConnector1">
-            <a:avLst/>
-          </a:prstGeom>
-          <a:ln w="3175">
-            <a:solidFill>
-              <a:srgbClr val="0070C0"/>
-            </a:solidFill>
-            <a:prstDash val="dash"/>
-            <a:headEnd type="none" w="med" len="med"/>
-            <a:tailEnd type="none" w="med" len="med"/>
-          </a:ln>
-        </p:spPr>
-        <p:style>
-          <a:lnRef idx="1">
-            <a:schemeClr val="accent1"/>
-          </a:lnRef>
-          <a:fillRef idx="0">
-            <a:schemeClr val="accent1"/>
-          </a:fillRef>
-          <a:effectRef idx="0">
-            <a:schemeClr val="accent1"/>
-          </a:effectRef>
-          <a:fontRef idx="minor">
-            <a:schemeClr val="tx1"/>
-          </a:fontRef>
-        </p:style>
-      </p:cxnSp>
-      <p:cxnSp>
-        <p:nvCxnSpPr>
-          <p:cNvPr id="96" name="Straight Connector 95">
-            <a:extLst>
-              <a:ext uri="{FF2B5EF4-FFF2-40B4-BE49-F238E27FC236}">
-                <a16:creationId xmlns:a16="http://schemas.microsoft.com/office/drawing/2014/main" id="{EDDB4559-8A51-4D08-83FA-F8947DC80E25}"/>
-              </a:ext>
-            </a:extLst>
-          </p:cNvPr>
-          <p:cNvCxnSpPr>
-            <a:cxnSpLocks/>
-          </p:cNvCxnSpPr>
-          <p:nvPr/>
-        </p:nvCxnSpPr>
-        <p:spPr>
-          <a:xfrm flipH="1">
-            <a:off x="10121373" y="3539102"/>
-            <a:ext cx="209292" cy="333926"/>
-          </a:xfrm>
-          <a:prstGeom prst="line">
-            <a:avLst/>
-          </a:prstGeom>
-          <a:ln w="3175">
-            <a:solidFill>
-              <a:schemeClr val="accent1"/>
-            </a:solidFill>
-            <a:prstDash val="dash"/>
-          </a:ln>
-        </p:spPr>
-        <p:style>
-          <a:lnRef idx="1">
-            <a:schemeClr val="accent1"/>
-          </a:lnRef>
-          <a:fillRef idx="0">
-            <a:schemeClr val="accent1"/>
-          </a:fillRef>
-          <a:effectRef idx="0">
-            <a:schemeClr val="accent1"/>
-          </a:effectRef>
-          <a:fontRef idx="minor">
-            <a:schemeClr val="tx1"/>
-          </a:fontRef>
-        </p:style>
-      </p:cxnSp>
-      <p:cxnSp>
-        <p:nvCxnSpPr>
-          <p:cNvPr id="104" name="Straight Arrow Connector 103">
-            <a:extLst>
-              <a:ext uri="{FF2B5EF4-FFF2-40B4-BE49-F238E27FC236}">
-                <a16:creationId xmlns:a16="http://schemas.microsoft.com/office/drawing/2014/main" id="{73C6A8CC-5608-4F7D-9F14-179BA5CF70D1}"/>
-              </a:ext>
-            </a:extLst>
-          </p:cNvPr>
-          <p:cNvCxnSpPr>
-            <a:cxnSpLocks/>
-          </p:cNvCxnSpPr>
-          <p:nvPr/>
-        </p:nvCxnSpPr>
-        <p:spPr>
-          <a:xfrm flipH="1" flipV="1">
-            <a:off x="8081159" y="2084530"/>
-            <a:ext cx="1298669" cy="476070"/>
-          </a:xfrm>
-          <a:prstGeom prst="straightConnector1">
-            <a:avLst/>
-          </a:prstGeom>
-          <a:ln w="3175">
-            <a:solidFill>
-              <a:schemeClr val="tx1"/>
-            </a:solidFill>
-            <a:prstDash val="dash"/>
-            <a:headEnd type="none" w="med" len="med"/>
-            <a:tailEnd type="none" w="med" len="med"/>
-          </a:ln>
-        </p:spPr>
-        <p:style>
-          <a:lnRef idx="1">
-            <a:schemeClr val="accent1"/>
-          </a:lnRef>
-          <a:fillRef idx="0">
-            <a:schemeClr val="accent1"/>
-          </a:fillRef>
-          <a:effectRef idx="0">
-            <a:schemeClr val="accent1"/>
-          </a:effectRef>
-          <a:fontRef idx="minor">
-            <a:schemeClr val="tx1"/>
-          </a:fontRef>
-        </p:style>
-      </p:cxnSp>
-      <p:cxnSp>
-        <p:nvCxnSpPr>
-          <p:cNvPr id="111" name="Straight Arrow Connector 110">
-            <a:extLst>
-              <a:ext uri="{FF2B5EF4-FFF2-40B4-BE49-F238E27FC236}">
-                <a16:creationId xmlns:a16="http://schemas.microsoft.com/office/drawing/2014/main" id="{08209ABA-BD82-40B5-A91F-8D67179E5434}"/>
-              </a:ext>
-            </a:extLst>
-          </p:cNvPr>
-          <p:cNvCxnSpPr>
-            <a:cxnSpLocks/>
-          </p:cNvCxnSpPr>
-          <p:nvPr/>
-        </p:nvCxnSpPr>
-        <p:spPr>
-          <a:xfrm flipH="1" flipV="1">
-            <a:off x="10107905" y="107374"/>
-            <a:ext cx="13467" cy="4082288"/>
-          </a:xfrm>
-          <a:prstGeom prst="straightConnector1">
-            <a:avLst/>
-          </a:prstGeom>
-          <a:ln w="19050">
-            <a:solidFill>
-              <a:srgbClr val="FF0000"/>
-            </a:solidFill>
-            <a:tailEnd type="triangle"/>
-          </a:ln>
-        </p:spPr>
-        <p:style>
-          <a:lnRef idx="1">
-            <a:schemeClr val="accent1"/>
-          </a:lnRef>
-          <a:fillRef idx="0">
-            <a:schemeClr val="accent1"/>
-          </a:fillRef>
-          <a:effectRef idx="0">
-            <a:schemeClr val="accent1"/>
-          </a:effectRef>
-          <a:fontRef idx="minor">
-            <a:schemeClr val="tx1"/>
-          </a:fontRef>
-        </p:style>
-      </p:cxnSp>
-      <p:sp>
-        <p:nvSpPr>
-          <p:cNvPr id="113" name="TextBox 112">
-            <a:extLst>
-              <a:ext uri="{FF2B5EF4-FFF2-40B4-BE49-F238E27FC236}">
-                <a16:creationId xmlns:a16="http://schemas.microsoft.com/office/drawing/2014/main" id="{0159703B-BEAC-4F3A-B734-C7B0576BFC62}"/>
-              </a:ext>
-            </a:extLst>
-          </p:cNvPr>
-          <p:cNvSpPr txBox="1"/>
-          <p:nvPr/>
-        </p:nvSpPr>
-        <p:spPr>
-          <a:xfrm>
-            <a:off x="10058535" y="1641128"/>
-            <a:ext cx="1023843" cy="369332"/>
-          </a:xfrm>
-          <a:prstGeom prst="rect">
-            <a:avLst/>
-          </a:prstGeom>
-          <a:noFill/>
-        </p:spPr>
-        <p:txBody>
-          <a:bodyPr wrap="square" rtlCol="0">
-            <a:spAutoFit/>
-          </a:bodyPr>
-          <a:lstStyle/>
-          <a:p>
-            <a:r>
-              <a:rPr lang="en-US" b="1" dirty="0"/>
-              <a:t>electron</a:t>
-            </a:r>
-          </a:p>
-        </p:txBody>
-      </p:sp>
-      <p:cxnSp>
-        <p:nvCxnSpPr>
-          <p:cNvPr id="117" name="Straight Connector 116">
-            <a:extLst>
-              <a:ext uri="{FF2B5EF4-FFF2-40B4-BE49-F238E27FC236}">
-                <a16:creationId xmlns:a16="http://schemas.microsoft.com/office/drawing/2014/main" id="{E4CC2679-FB5A-4636-8C6A-32F57878ED72}"/>
-              </a:ext>
-            </a:extLst>
-          </p:cNvPr>
-          <p:cNvCxnSpPr>
-            <a:cxnSpLocks/>
-          </p:cNvCxnSpPr>
-          <p:nvPr/>
-        </p:nvCxnSpPr>
-        <p:spPr>
-          <a:xfrm>
-            <a:off x="9345200" y="2557835"/>
-            <a:ext cx="2022423" cy="1795553"/>
-          </a:xfrm>
-          <a:prstGeom prst="line">
-            <a:avLst/>
-          </a:prstGeom>
-          <a:ln>
-            <a:prstDash val="dash"/>
-          </a:ln>
-        </p:spPr>
-        <p:style>
-          <a:lnRef idx="1">
-            <a:schemeClr val="accent1"/>
-          </a:lnRef>
-          <a:fillRef idx="0">
-            <a:schemeClr val="accent1"/>
-          </a:fillRef>
-          <a:effectRef idx="0">
-            <a:schemeClr val="accent1"/>
-          </a:effectRef>
-          <a:fontRef idx="minor">
-            <a:schemeClr val="tx1"/>
-          </a:fontRef>
-        </p:style>
-      </p:cxnSp>
-      <p:cxnSp>
-        <p:nvCxnSpPr>
-          <p:cNvPr id="125" name="Straight Arrow Connector 124">
-            <a:extLst>
-              <a:ext uri="{FF2B5EF4-FFF2-40B4-BE49-F238E27FC236}">
-                <a16:creationId xmlns:a16="http://schemas.microsoft.com/office/drawing/2014/main" id="{72FE22CB-79AE-4790-8031-C81F01223695}"/>
-              </a:ext>
-            </a:extLst>
-          </p:cNvPr>
-          <p:cNvCxnSpPr>
-            <a:cxnSpLocks/>
-          </p:cNvCxnSpPr>
-          <p:nvPr/>
-        </p:nvCxnSpPr>
-        <p:spPr>
-          <a:xfrm>
-            <a:off x="8242584" y="1705361"/>
-            <a:ext cx="2088080" cy="1814631"/>
-          </a:xfrm>
-          <a:prstGeom prst="straightConnector1">
-            <a:avLst/>
-          </a:prstGeom>
-          <a:ln w="3175">
-            <a:solidFill>
-              <a:srgbClr val="0070C0"/>
-            </a:solidFill>
-            <a:prstDash val="dashDot"/>
-            <a:headEnd type="none" w="med" len="med"/>
-            <a:tailEnd type="none" w="med" len="med"/>
-          </a:ln>
-        </p:spPr>
-        <p:style>
-          <a:lnRef idx="1">
-            <a:schemeClr val="accent1"/>
-          </a:lnRef>
-          <a:fillRef idx="0">
-            <a:schemeClr val="accent1"/>
-          </a:fillRef>
-          <a:effectRef idx="0">
-            <a:schemeClr val="accent1"/>
-          </a:effectRef>
-          <a:fontRef idx="minor">
-            <a:schemeClr val="tx1"/>
-          </a:fontRef>
-        </p:style>
-      </p:cxnSp>
-      <p:cxnSp>
-        <p:nvCxnSpPr>
-          <p:cNvPr id="127" name="Straight Connector 126">
-            <a:extLst>
-              <a:ext uri="{FF2B5EF4-FFF2-40B4-BE49-F238E27FC236}">
-                <a16:creationId xmlns:a16="http://schemas.microsoft.com/office/drawing/2014/main" id="{7AB2C2AF-7124-469A-8DB7-8AA1182B234B}"/>
-              </a:ext>
-            </a:extLst>
-          </p:cNvPr>
-          <p:cNvCxnSpPr>
-            <a:cxnSpLocks/>
-          </p:cNvCxnSpPr>
-          <p:nvPr/>
-        </p:nvCxnSpPr>
-        <p:spPr>
-          <a:xfrm flipH="1" flipV="1">
-            <a:off x="10115586" y="3892259"/>
-            <a:ext cx="1461431" cy="86738"/>
-          </a:xfrm>
-          <a:prstGeom prst="line">
-            <a:avLst/>
-          </a:prstGeom>
-          <a:ln w="12700">
-            <a:solidFill>
-              <a:srgbClr val="002060"/>
-            </a:solidFill>
-            <a:headEnd type="none" w="med" len="med"/>
-            <a:tailEnd type="none" w="med" len="med"/>
-          </a:ln>
-        </p:spPr>
-        <p:style>
-          <a:lnRef idx="1">
-            <a:schemeClr val="accent1"/>
-          </a:lnRef>
-          <a:fillRef idx="0">
-            <a:schemeClr val="accent1"/>
-          </a:fillRef>
-          <a:effectRef idx="0">
-            <a:schemeClr val="accent1"/>
-          </a:effectRef>
-          <a:fontRef idx="minor">
-            <a:schemeClr val="tx1"/>
-          </a:fontRef>
-        </p:style>
-      </p:cxnSp>
-      <p:cxnSp>
-        <p:nvCxnSpPr>
-          <p:cNvPr id="128" name="Straight Arrow Connector 127">
-            <a:extLst>
-              <a:ext uri="{FF2B5EF4-FFF2-40B4-BE49-F238E27FC236}">
-                <a16:creationId xmlns:a16="http://schemas.microsoft.com/office/drawing/2014/main" id="{9C1EF6E5-3BDB-47FB-9256-4AC715A73E8E}"/>
-              </a:ext>
-            </a:extLst>
-          </p:cNvPr>
-          <p:cNvCxnSpPr>
-            <a:cxnSpLocks/>
-          </p:cNvCxnSpPr>
-          <p:nvPr/>
-        </p:nvCxnSpPr>
-        <p:spPr>
-          <a:xfrm flipH="1" flipV="1">
-            <a:off x="10126499" y="3885515"/>
-            <a:ext cx="1250309" cy="488838"/>
-          </a:xfrm>
-          <a:prstGeom prst="straightConnector1">
-            <a:avLst/>
-          </a:prstGeom>
-          <a:ln w="3175">
-            <a:solidFill>
-              <a:schemeClr val="tx1"/>
-            </a:solidFill>
-            <a:prstDash val="dash"/>
-            <a:headEnd type="none" w="med" len="med"/>
-            <a:tailEnd type="none" w="med" len="med"/>
-          </a:ln>
-        </p:spPr>
-        <p:style>
-          <a:lnRef idx="1">
-            <a:schemeClr val="accent1"/>
-          </a:lnRef>
-          <a:fillRef idx="0">
-            <a:schemeClr val="accent1"/>
-          </a:fillRef>
-          <a:effectRef idx="0">
-            <a:schemeClr val="accent1"/>
-          </a:effectRef>
-          <a:fontRef idx="minor">
-            <a:schemeClr val="tx1"/>
-          </a:fontRef>
-        </p:style>
-      </p:cxnSp>
-      <p:cxnSp>
-        <p:nvCxnSpPr>
-          <p:cNvPr id="129" name="Straight Connector 128">
-            <a:extLst>
-              <a:ext uri="{FF2B5EF4-FFF2-40B4-BE49-F238E27FC236}">
-                <a16:creationId xmlns:a16="http://schemas.microsoft.com/office/drawing/2014/main" id="{8434074E-1993-4FB9-9BA3-314F5A2E074A}"/>
-              </a:ext>
-            </a:extLst>
-          </p:cNvPr>
-          <p:cNvCxnSpPr>
-            <a:cxnSpLocks/>
-          </p:cNvCxnSpPr>
-          <p:nvPr/>
-        </p:nvCxnSpPr>
-        <p:spPr>
-          <a:xfrm flipH="1">
-            <a:off x="11340349" y="3985741"/>
-            <a:ext cx="245752" cy="407843"/>
-          </a:xfrm>
-          <a:prstGeom prst="line">
-            <a:avLst/>
-          </a:prstGeom>
-          <a:ln w="3175">
-            <a:solidFill>
-              <a:schemeClr val="accent1"/>
-            </a:solidFill>
-            <a:prstDash val="dash"/>
-          </a:ln>
-        </p:spPr>
-        <p:style>
-          <a:lnRef idx="1">
-            <a:schemeClr val="accent1"/>
-          </a:lnRef>
-          <a:fillRef idx="0">
-            <a:schemeClr val="accent1"/>
-          </a:fillRef>
-          <a:effectRef idx="0">
-            <a:schemeClr val="accent1"/>
-          </a:effectRef>
-          <a:fontRef idx="minor">
-            <a:schemeClr val="tx1"/>
-          </a:fontRef>
-        </p:style>
-      </p:cxnSp>
-      <p:cxnSp>
-        <p:nvCxnSpPr>
-          <p:cNvPr id="132" name="Straight Arrow Connector 131">
-            <a:extLst>
-              <a:ext uri="{FF2B5EF4-FFF2-40B4-BE49-F238E27FC236}">
-                <a16:creationId xmlns:a16="http://schemas.microsoft.com/office/drawing/2014/main" id="{A2548B13-ED51-4655-BF7B-6FB9CB9BE0D1}"/>
-              </a:ext>
-            </a:extLst>
-          </p:cNvPr>
-          <p:cNvCxnSpPr>
-            <a:cxnSpLocks/>
-          </p:cNvCxnSpPr>
-          <p:nvPr/>
-        </p:nvCxnSpPr>
-        <p:spPr>
-          <a:xfrm flipH="1" flipV="1">
-            <a:off x="10126498" y="3415575"/>
-            <a:ext cx="1490268" cy="589446"/>
-          </a:xfrm>
-          <a:prstGeom prst="straightConnector1">
-            <a:avLst/>
-          </a:prstGeom>
-          <a:ln w="3175">
-            <a:solidFill>
-              <a:schemeClr val="tx1"/>
-            </a:solidFill>
-            <a:prstDash val="dash"/>
-            <a:headEnd type="none" w="med" len="med"/>
-            <a:tailEnd type="none" w="med" len="med"/>
-          </a:ln>
-        </p:spPr>
-        <p:style>
-          <a:lnRef idx="1">
-            <a:schemeClr val="accent1"/>
-          </a:lnRef>
-          <a:fillRef idx="0">
-            <a:schemeClr val="accent1"/>
-          </a:fillRef>
-          <a:effectRef idx="0">
-            <a:schemeClr val="accent1"/>
-          </a:effectRef>
-          <a:fontRef idx="minor">
-            <a:schemeClr val="tx1"/>
-          </a:fontRef>
-        </p:style>
-      </p:cxnSp>
-      <p:graphicFrame>
-        <p:nvGraphicFramePr>
-          <p:cNvPr id="135" name="Object 134">
-            <a:extLst>
-              <a:ext uri="{FF2B5EF4-FFF2-40B4-BE49-F238E27FC236}">
-                <a16:creationId xmlns:a16="http://schemas.microsoft.com/office/drawing/2014/main" id="{E22BBC37-6505-4BAF-8077-4B0BAF742383}"/>
-              </a:ext>
-            </a:extLst>
-          </p:cNvPr>
-          <p:cNvGraphicFramePr>
-            <a:graphicFrameLocks noChangeAspect="1"/>
-          </p:cNvGraphicFramePr>
-          <p:nvPr>
-            <p:extLst>
-              <p:ext uri="{D42A27DB-BD31-4B8C-83A1-F6EECF244321}">
-                <p14:modId xmlns:p14="http://schemas.microsoft.com/office/powerpoint/2010/main" val="61178258"/>
-              </p:ext>
-            </p:extLst>
-          </p:nvPr>
-        </p:nvGraphicFramePr>
-        <p:xfrm>
-          <a:off x="3204686" y="55362"/>
-          <a:ext cx="4046537" cy="2032000"/>
-        </p:xfrm>
-        <a:graphic>
-          <a:graphicData uri="http://schemas.openxmlformats.org/presentationml/2006/ole">
-            <mc:AlternateContent xmlns:mc="http://schemas.openxmlformats.org/markup-compatibility/2006">
-              <mc:Choice xmlns:v="urn:schemas-microsoft-com:vml" Requires="v">
-                <p:oleObj spid="_x0000_s4783" name="Equation" r:id="rId40" imgW="1460160" imgH="736560" progId="Equation.DSMT4">
-                  <p:embed/>
-                </p:oleObj>
-              </mc:Choice>
-              <mc:Fallback>
-                <p:oleObj name="Equation" r:id="rId40" imgW="1460160" imgH="736560" progId="Equation.DSMT4">
-                  <p:embed/>
-                  <p:pic>
-                    <p:nvPicPr>
-                      <p:cNvPr id="68" name="Object 67">
-                        <a:extLst>
-                          <a:ext uri="{FF2B5EF4-FFF2-40B4-BE49-F238E27FC236}">
-                            <a16:creationId xmlns:a16="http://schemas.microsoft.com/office/drawing/2014/main" id="{D90EE331-F36E-4068-8521-1103F1220D21}"/>
-                          </a:ext>
-                        </a:extLst>
-                      </p:cNvPr>
-                      <p:cNvPicPr/>
-                      <p:nvPr/>
-                    </p:nvPicPr>
-                    <p:blipFill>
-                      <a:blip r:embed="rId41"/>
-                      <a:stretch>
-                        <a:fillRect/>
-                      </a:stretch>
-                    </p:blipFill>
-                    <p:spPr>
-                      <a:xfrm>
-                        <a:off x="3204686" y="55362"/>
-                        <a:ext cx="4046537" cy="2032000"/>
-                      </a:xfrm>
-                      <a:prstGeom prst="rect">
-                        <a:avLst/>
-                      </a:prstGeom>
-                      <a:ln>
-                        <a:solidFill>
-                          <a:schemeClr val="tx1"/>
-                        </a:solidFill>
-                      </a:ln>
-                    </p:spPr>
-                  </p:pic>
-                </p:oleObj>
-              </mc:Fallback>
-            </mc:AlternateContent>
-          </a:graphicData>
-        </a:graphic>
-      </p:graphicFrame>
-      <p:graphicFrame>
-        <p:nvGraphicFramePr>
-          <p:cNvPr id="138" name="Object 137">
-            <a:extLst>
-              <a:ext uri="{FF2B5EF4-FFF2-40B4-BE49-F238E27FC236}">
-                <a16:creationId xmlns:a16="http://schemas.microsoft.com/office/drawing/2014/main" id="{7279BE12-E067-41CA-9DFF-889A0009D43E}"/>
-              </a:ext>
-            </a:extLst>
-          </p:cNvPr>
-          <p:cNvGraphicFramePr>
-            <a:graphicFrameLocks noChangeAspect="1"/>
-          </p:cNvGraphicFramePr>
-          <p:nvPr>
-            <p:extLst>
-              <p:ext uri="{D42A27DB-BD31-4B8C-83A1-F6EECF244321}">
-                <p14:modId xmlns:p14="http://schemas.microsoft.com/office/powerpoint/2010/main" val="4075652954"/>
-              </p:ext>
-            </p:extLst>
-          </p:nvPr>
-        </p:nvGraphicFramePr>
-        <p:xfrm>
-          <a:off x="99923" y="4588310"/>
-          <a:ext cx="5594350" cy="1962150"/>
-        </p:xfrm>
-        <a:graphic>
-          <a:graphicData uri="http://schemas.openxmlformats.org/presentationml/2006/ole">
-            <mc:AlternateContent xmlns:mc="http://schemas.openxmlformats.org/markup-compatibility/2006">
-              <mc:Choice xmlns:v="urn:schemas-microsoft-com:vml" Requires="v">
-                <p:oleObj spid="_x0000_s4784" name="Equation" r:id="rId42" imgW="2019240" imgH="711000" progId="Equation.DSMT4">
-                  <p:embed/>
-                </p:oleObj>
-              </mc:Choice>
-              <mc:Fallback>
-                <p:oleObj name="Equation" r:id="rId42" imgW="2019240" imgH="711000" progId="Equation.DSMT4">
-                  <p:embed/>
-                  <p:pic>
-                    <p:nvPicPr>
-                      <p:cNvPr id="41" name="Object 40">
-                        <a:extLst>
-                          <a:ext uri="{FF2B5EF4-FFF2-40B4-BE49-F238E27FC236}">
-                            <a16:creationId xmlns:a16="http://schemas.microsoft.com/office/drawing/2014/main" id="{EDBEF319-AD16-40D7-B0BF-2700EB92625B}"/>
-                          </a:ext>
-                        </a:extLst>
-                      </p:cNvPr>
-                      <p:cNvPicPr/>
-                      <p:nvPr/>
-                    </p:nvPicPr>
-                    <p:blipFill>
-                      <a:blip r:embed="rId43"/>
-                      <a:stretch>
-                        <a:fillRect/>
-                      </a:stretch>
-                    </p:blipFill>
-                    <p:spPr>
-                      <a:xfrm>
-                        <a:off x="99923" y="4588310"/>
-                        <a:ext cx="5594350" cy="1962150"/>
-                      </a:xfrm>
-                      <a:prstGeom prst="rect">
-                        <a:avLst/>
-                      </a:prstGeom>
-                      <a:ln>
-                        <a:solidFill>
-                          <a:srgbClr val="FF0000"/>
-                        </a:solidFill>
-                      </a:ln>
-                    </p:spPr>
-                  </p:pic>
-                </p:oleObj>
-              </mc:Fallback>
-            </mc:AlternateContent>
-          </a:graphicData>
-        </a:graphic>
-      </p:graphicFrame>
-      <p:sp>
-        <p:nvSpPr>
-          <p:cNvPr id="139" name="Arrow: Right 138">
-            <a:extLst>
-              <a:ext uri="{FF2B5EF4-FFF2-40B4-BE49-F238E27FC236}">
-                <a16:creationId xmlns:a16="http://schemas.microsoft.com/office/drawing/2014/main" id="{6262E93F-3513-4838-9B03-C1FB941DBE79}"/>
-              </a:ext>
-            </a:extLst>
-          </p:cNvPr>
-          <p:cNvSpPr/>
-          <p:nvPr/>
-        </p:nvSpPr>
-        <p:spPr>
-          <a:xfrm>
-            <a:off x="5227955" y="2510663"/>
-            <a:ext cx="2656177" cy="484632"/>
-          </a:xfrm>
-          <a:prstGeom prst="rightArrow">
-            <a:avLst/>
-          </a:prstGeom>
-          <a:noFill/>
-          <a:ln w="28575"/>
-        </p:spPr>
-        <p:style>
-          <a:lnRef idx="2">
-            <a:schemeClr val="accent1">
-              <a:shade val="50000"/>
-            </a:schemeClr>
-          </a:lnRef>
-          <a:fillRef idx="1">
-            <a:schemeClr val="accent1"/>
-          </a:fillRef>
-          <a:effectRef idx="0">
-            <a:schemeClr val="accent1"/>
-          </a:effectRef>
-          <a:fontRef idx="minor">
-            <a:schemeClr val="lt1"/>
-          </a:fontRef>
-        </p:style>
-        <p:txBody>
-          <a:bodyPr rtlCol="0" anchor="ctr"/>
-          <a:lstStyle/>
-          <a:p>
-            <a:pPr algn="ctr"/>
-            <a:r>
-              <a:rPr lang="en-US" dirty="0"/>
-              <a:t>or</a:t>
-            </a:r>
-          </a:p>
-        </p:txBody>
-      </p:sp>
-      <p:sp>
-        <p:nvSpPr>
-          <p:cNvPr id="140" name="TextBox 139">
-            <a:extLst>
-              <a:ext uri="{FF2B5EF4-FFF2-40B4-BE49-F238E27FC236}">
-                <a16:creationId xmlns:a16="http://schemas.microsoft.com/office/drawing/2014/main" id="{F27F4E17-7E9A-47F4-A83D-1CC035196FF9}"/>
-              </a:ext>
-            </a:extLst>
-          </p:cNvPr>
-          <p:cNvSpPr txBox="1"/>
-          <p:nvPr/>
-        </p:nvSpPr>
-        <p:spPr>
-          <a:xfrm>
-            <a:off x="6205403" y="2556731"/>
-            <a:ext cx="386644" cy="369332"/>
-          </a:xfrm>
-          <a:prstGeom prst="rect">
-            <a:avLst/>
-          </a:prstGeom>
-          <a:noFill/>
-        </p:spPr>
-        <p:txBody>
-          <a:bodyPr wrap="none" rtlCol="0">
-            <a:spAutoFit/>
-          </a:bodyPr>
-          <a:lstStyle/>
-          <a:p>
-            <a:r>
-              <a:rPr lang="en-US" dirty="0"/>
-              <a:t>or</a:t>
-            </a:r>
-          </a:p>
-        </p:txBody>
-      </p:sp>
-      <p:sp>
-        <p:nvSpPr>
-          <p:cNvPr id="151" name="Arc 150">
-            <a:extLst>
-              <a:ext uri="{FF2B5EF4-FFF2-40B4-BE49-F238E27FC236}">
-                <a16:creationId xmlns:a16="http://schemas.microsoft.com/office/drawing/2014/main" id="{AAFB3BDB-78DD-4834-BB89-B2D4EC791969}"/>
-              </a:ext>
-            </a:extLst>
-          </p:cNvPr>
-          <p:cNvSpPr/>
-          <p:nvPr/>
-        </p:nvSpPr>
-        <p:spPr>
-          <a:xfrm rot="3430891">
-            <a:off x="2424384" y="1419153"/>
-            <a:ext cx="793872" cy="1321313"/>
-          </a:xfrm>
-          <a:prstGeom prst="arc">
-            <a:avLst>
-              <a:gd name="adj1" fmla="val 19159228"/>
-              <a:gd name="adj2" fmla="val 2577306"/>
-            </a:avLst>
-          </a:prstGeom>
-          <a:ln>
-            <a:solidFill>
-              <a:schemeClr val="tx1"/>
-            </a:solidFill>
-            <a:headEnd type="triangle" w="med" len="med"/>
-            <a:tailEnd type="triangle" w="med" len="med"/>
-          </a:ln>
-        </p:spPr>
-        <p:style>
-          <a:lnRef idx="1">
-            <a:schemeClr val="accent1"/>
-          </a:lnRef>
-          <a:fillRef idx="0">
-            <a:schemeClr val="accent1"/>
-          </a:fillRef>
-          <a:effectRef idx="0">
-            <a:schemeClr val="accent1"/>
-          </a:effectRef>
-          <a:fontRef idx="minor">
-            <a:schemeClr val="tx1"/>
-          </a:fontRef>
-        </p:style>
-        <p:txBody>
-          <a:bodyPr rtlCol="0" anchor="ctr"/>
-          <a:lstStyle/>
-          <a:p>
-            <a:pPr algn="ctr"/>
-            <a:endParaRPr lang="en-US"/>
-          </a:p>
-        </p:txBody>
-      </p:sp>
-      <p:sp>
-        <p:nvSpPr>
-          <p:cNvPr id="152" name="Arc 151">
-            <a:extLst>
-              <a:ext uri="{FF2B5EF4-FFF2-40B4-BE49-F238E27FC236}">
-                <a16:creationId xmlns:a16="http://schemas.microsoft.com/office/drawing/2014/main" id="{0EBA649D-F83E-486E-8F69-52F4CAF64630}"/>
-              </a:ext>
-            </a:extLst>
-          </p:cNvPr>
-          <p:cNvSpPr/>
-          <p:nvPr/>
-        </p:nvSpPr>
-        <p:spPr>
-          <a:xfrm rot="3430891">
-            <a:off x="9829699" y="2201511"/>
-            <a:ext cx="914400" cy="914400"/>
-          </a:xfrm>
-          <a:prstGeom prst="arc">
-            <a:avLst>
-              <a:gd name="adj1" fmla="val 21425151"/>
-              <a:gd name="adj2" fmla="val 5630800"/>
-            </a:avLst>
-          </a:prstGeom>
-          <a:ln>
-            <a:solidFill>
-              <a:schemeClr val="tx1"/>
-            </a:solidFill>
-            <a:headEnd type="triangle" w="med" len="med"/>
-            <a:tailEnd type="triangle" w="med" len="med"/>
-          </a:ln>
-        </p:spPr>
-        <p:style>
-          <a:lnRef idx="1">
-            <a:schemeClr val="accent1"/>
-          </a:lnRef>
-          <a:fillRef idx="0">
-            <a:schemeClr val="accent1"/>
-          </a:fillRef>
-          <a:effectRef idx="0">
-            <a:schemeClr val="accent1"/>
-          </a:effectRef>
-          <a:fontRef idx="minor">
-            <a:schemeClr val="tx1"/>
-          </a:fontRef>
-        </p:style>
-        <p:txBody>
-          <a:bodyPr rtlCol="0" anchor="ctr"/>
-          <a:lstStyle/>
-          <a:p>
-            <a:pPr algn="ctr"/>
-            <a:endParaRPr lang="en-US"/>
-          </a:p>
-        </p:txBody>
-      </p:sp>
-      <p:graphicFrame>
-        <p:nvGraphicFramePr>
-          <p:cNvPr id="153" name="Object 152">
-            <a:extLst>
-              <a:ext uri="{FF2B5EF4-FFF2-40B4-BE49-F238E27FC236}">
-                <a16:creationId xmlns:a16="http://schemas.microsoft.com/office/drawing/2014/main" id="{DFD6E52D-AC8D-4C30-9C7B-0A6A01F2DE12}"/>
-              </a:ext>
-            </a:extLst>
-          </p:cNvPr>
-          <p:cNvGraphicFramePr>
-            <a:graphicFrameLocks noChangeAspect="1"/>
-          </p:cNvGraphicFramePr>
-          <p:nvPr>
-            <p:extLst>
-              <p:ext uri="{D42A27DB-BD31-4B8C-83A1-F6EECF244321}">
-                <p14:modId xmlns:p14="http://schemas.microsoft.com/office/powerpoint/2010/main" val="1268177582"/>
-              </p:ext>
-            </p:extLst>
-          </p:nvPr>
-        </p:nvGraphicFramePr>
-        <p:xfrm>
-          <a:off x="10100917" y="2690598"/>
-          <a:ext cx="349250" cy="490538"/>
-        </p:xfrm>
-        <a:graphic>
-          <a:graphicData uri="http://schemas.openxmlformats.org/presentationml/2006/ole">
-            <mc:AlternateContent xmlns:mc="http://schemas.openxmlformats.org/markup-compatibility/2006">
-              <mc:Choice xmlns:v="urn:schemas-microsoft-com:vml" Requires="v">
-                <p:oleObj spid="_x0000_s4785" name="Equation" r:id="rId44" imgW="126720" imgH="177480" progId="Equation.DSMT4">
-                  <p:embed/>
-                </p:oleObj>
-              </mc:Choice>
-              <mc:Fallback>
-                <p:oleObj name="Equation" r:id="rId44" imgW="126720" imgH="177480" progId="Equation.DSMT4">
-                  <p:embed/>
-                  <p:pic>
-                    <p:nvPicPr>
-                      <p:cNvPr id="32" name="Object 31">
-                        <a:extLst>
-                          <a:ext uri="{FF2B5EF4-FFF2-40B4-BE49-F238E27FC236}">
-                            <a16:creationId xmlns:a16="http://schemas.microsoft.com/office/drawing/2014/main" id="{270E2A66-48F2-4F97-845D-1525195EF0CB}"/>
-                          </a:ext>
-                        </a:extLst>
-                      </p:cNvPr>
-                      <p:cNvPicPr/>
-                      <p:nvPr/>
-                    </p:nvPicPr>
-                    <p:blipFill>
-                      <a:blip r:embed="rId45"/>
-                      <a:stretch>
-                        <a:fillRect/>
-                      </a:stretch>
-                    </p:blipFill>
-                    <p:spPr>
-                      <a:xfrm>
-                        <a:off x="10100917" y="2690598"/>
-                        <a:ext cx="349250" cy="490538"/>
-                      </a:xfrm>
-                      <a:prstGeom prst="rect">
-                        <a:avLst/>
-                      </a:prstGeom>
-                    </p:spPr>
-                  </p:pic>
-                </p:oleObj>
-              </mc:Fallback>
-            </mc:AlternateContent>
-          </a:graphicData>
-        </a:graphic>
-      </p:graphicFrame>
-      <p:graphicFrame>
-        <p:nvGraphicFramePr>
-          <p:cNvPr id="154" name="Object 153">
-            <a:extLst>
-              <a:ext uri="{FF2B5EF4-FFF2-40B4-BE49-F238E27FC236}">
-                <a16:creationId xmlns:a16="http://schemas.microsoft.com/office/drawing/2014/main" id="{E54AF388-F123-4FEA-95D3-61CC7662DAC8}"/>
-              </a:ext>
-            </a:extLst>
-          </p:cNvPr>
-          <p:cNvGraphicFramePr>
-            <a:graphicFrameLocks noChangeAspect="1"/>
-          </p:cNvGraphicFramePr>
-          <p:nvPr>
-            <p:extLst>
-              <p:ext uri="{D42A27DB-BD31-4B8C-83A1-F6EECF244321}">
-                <p14:modId xmlns:p14="http://schemas.microsoft.com/office/powerpoint/2010/main" val="4133378358"/>
-              </p:ext>
-            </p:extLst>
-          </p:nvPr>
-        </p:nvGraphicFramePr>
-        <p:xfrm>
-          <a:off x="2947321" y="2278620"/>
-          <a:ext cx="349250" cy="490538"/>
-        </p:xfrm>
-        <a:graphic>
-          <a:graphicData uri="http://schemas.openxmlformats.org/presentationml/2006/ole">
-            <mc:AlternateContent xmlns:mc="http://schemas.openxmlformats.org/markup-compatibility/2006">
-              <mc:Choice xmlns:v="urn:schemas-microsoft-com:vml" Requires="v">
-                <p:oleObj spid="_x0000_s4786" name="Equation" r:id="rId46" imgW="126720" imgH="177480" progId="Equation.DSMT4">
-                  <p:embed/>
-                </p:oleObj>
-              </mc:Choice>
-              <mc:Fallback>
-                <p:oleObj name="Equation" r:id="rId46" imgW="126720" imgH="177480" progId="Equation.DSMT4">
-                  <p:embed/>
-                  <p:pic>
-                    <p:nvPicPr>
-                      <p:cNvPr id="153" name="Object 152">
-                        <a:extLst>
-                          <a:ext uri="{FF2B5EF4-FFF2-40B4-BE49-F238E27FC236}">
-                            <a16:creationId xmlns:a16="http://schemas.microsoft.com/office/drawing/2014/main" id="{DFD6E52D-AC8D-4C30-9C7B-0A6A01F2DE12}"/>
-                          </a:ext>
-                        </a:extLst>
-                      </p:cNvPr>
-                      <p:cNvPicPr/>
-                      <p:nvPr/>
-                    </p:nvPicPr>
-                    <p:blipFill>
-                      <a:blip r:embed="rId47"/>
-                      <a:stretch>
-                        <a:fillRect/>
-                      </a:stretch>
-                    </p:blipFill>
-                    <p:spPr>
-                      <a:xfrm>
-                        <a:off x="2947321" y="2278620"/>
-                        <a:ext cx="349250" cy="490538"/>
-                      </a:xfrm>
-                      <a:prstGeom prst="rect">
-                        <a:avLst/>
-                      </a:prstGeom>
-                    </p:spPr>
-                  </p:pic>
-                </p:oleObj>
-              </mc:Fallback>
-            </mc:AlternateContent>
-          </a:graphicData>
-        </a:graphic>
-      </p:graphicFrame>
-      <p:cxnSp>
-        <p:nvCxnSpPr>
-          <p:cNvPr id="155" name="Straight Arrow Connector 154">
-            <a:extLst>
-              <a:ext uri="{FF2B5EF4-FFF2-40B4-BE49-F238E27FC236}">
-                <a16:creationId xmlns:a16="http://schemas.microsoft.com/office/drawing/2014/main" id="{6CFD99BC-F5A7-4BA8-B809-D5AF3003C00D}"/>
-              </a:ext>
-            </a:extLst>
-          </p:cNvPr>
-          <p:cNvCxnSpPr>
-            <a:cxnSpLocks/>
-          </p:cNvCxnSpPr>
-          <p:nvPr/>
-        </p:nvCxnSpPr>
-        <p:spPr>
-          <a:xfrm>
-            <a:off x="2191513" y="2143950"/>
-            <a:ext cx="2253340" cy="919843"/>
-          </a:xfrm>
-          <a:prstGeom prst="straightConnector1">
-            <a:avLst/>
-          </a:prstGeom>
-          <a:ln w="3175">
-            <a:solidFill>
-              <a:srgbClr val="0070C0"/>
-            </a:solidFill>
-            <a:prstDash val="dash"/>
-            <a:headEnd type="none" w="med" len="med"/>
-            <a:tailEnd type="none" w="med" len="med"/>
-          </a:ln>
-        </p:spPr>
-        <p:style>
-          <a:lnRef idx="1">
-            <a:schemeClr val="accent1"/>
-          </a:lnRef>
-          <a:fillRef idx="0">
-            <a:schemeClr val="accent1"/>
-          </a:fillRef>
-          <a:effectRef idx="0">
-            <a:schemeClr val="accent1"/>
-          </a:effectRef>
-          <a:fontRef idx="minor">
-            <a:schemeClr val="tx1"/>
-          </a:fontRef>
-        </p:style>
-      </p:cxnSp>
-      <p:cxnSp>
-        <p:nvCxnSpPr>
-          <p:cNvPr id="161" name="Straight Arrow Connector 160">
-            <a:extLst>
-              <a:ext uri="{FF2B5EF4-FFF2-40B4-BE49-F238E27FC236}">
-                <a16:creationId xmlns:a16="http://schemas.microsoft.com/office/drawing/2014/main" id="{1F730D5B-3FF0-43BC-92A0-531489E0F010}"/>
-              </a:ext>
-            </a:extLst>
-          </p:cNvPr>
-          <p:cNvCxnSpPr>
-            <a:cxnSpLocks/>
-          </p:cNvCxnSpPr>
-          <p:nvPr/>
-        </p:nvCxnSpPr>
-        <p:spPr>
-          <a:xfrm>
-            <a:off x="2166550" y="1773836"/>
-            <a:ext cx="933113" cy="1279071"/>
-          </a:xfrm>
-          <a:prstGeom prst="straightConnector1">
-            <a:avLst/>
-          </a:prstGeom>
-          <a:ln w="28575">
-            <a:solidFill>
-              <a:srgbClr val="FF0000"/>
-            </a:solidFill>
-            <a:prstDash val="sysDash"/>
-            <a:tailEnd type="triangle"/>
-          </a:ln>
-        </p:spPr>
-        <p:style>
-          <a:lnRef idx="1">
-            <a:schemeClr val="accent1"/>
-          </a:lnRef>
-          <a:fillRef idx="0">
-            <a:schemeClr val="accent1"/>
-          </a:fillRef>
-          <a:effectRef idx="0">
-            <a:schemeClr val="accent1"/>
-          </a:effectRef>
-          <a:fontRef idx="minor">
-            <a:schemeClr val="tx1"/>
-          </a:fontRef>
-        </p:style>
-      </p:cxnSp>
-      <p:cxnSp>
-        <p:nvCxnSpPr>
-          <p:cNvPr id="165" name="Straight Arrow Connector 164">
-            <a:extLst>
-              <a:ext uri="{FF2B5EF4-FFF2-40B4-BE49-F238E27FC236}">
-                <a16:creationId xmlns:a16="http://schemas.microsoft.com/office/drawing/2014/main" id="{2FCBE3AD-21BA-4F44-B9D7-B0F118F98288}"/>
-              </a:ext>
-            </a:extLst>
-          </p:cNvPr>
-          <p:cNvCxnSpPr>
-            <a:cxnSpLocks/>
-          </p:cNvCxnSpPr>
-          <p:nvPr/>
-        </p:nvCxnSpPr>
-        <p:spPr>
-          <a:xfrm>
-            <a:off x="9525975" y="2153110"/>
-            <a:ext cx="615809" cy="1311382"/>
-          </a:xfrm>
-          <a:prstGeom prst="straightConnector1">
-            <a:avLst/>
-          </a:prstGeom>
-          <a:ln w="28575">
-            <a:solidFill>
-              <a:srgbClr val="FF0000"/>
-            </a:solidFill>
-            <a:prstDash val="sysDash"/>
-            <a:tailEnd type="triangle"/>
-          </a:ln>
-        </p:spPr>
-        <p:style>
-          <a:lnRef idx="1">
-            <a:schemeClr val="accent1"/>
-          </a:lnRef>
-          <a:fillRef idx="0">
-            <a:schemeClr val="accent1"/>
-          </a:fillRef>
-          <a:effectRef idx="0">
-            <a:schemeClr val="accent1"/>
-          </a:effectRef>
-          <a:fontRef idx="minor">
-            <a:schemeClr val="tx1"/>
-          </a:fontRef>
-        </p:style>
-      </p:cxnSp>
-      <p:cxnSp>
-        <p:nvCxnSpPr>
-          <p:cNvPr id="168" name="Straight Connector 167">
-            <a:extLst>
-              <a:ext uri="{FF2B5EF4-FFF2-40B4-BE49-F238E27FC236}">
-                <a16:creationId xmlns:a16="http://schemas.microsoft.com/office/drawing/2014/main" id="{D452782A-376C-4BBA-856B-83C1ED4AF95C}"/>
-              </a:ext>
-            </a:extLst>
-          </p:cNvPr>
-          <p:cNvCxnSpPr>
-            <a:cxnSpLocks/>
-            <a:endCxn id="24" idx="3"/>
-          </p:cNvCxnSpPr>
-          <p:nvPr/>
-        </p:nvCxnSpPr>
-        <p:spPr>
-          <a:xfrm>
-            <a:off x="8045623" y="1626144"/>
-            <a:ext cx="25032" cy="507871"/>
-          </a:xfrm>
-          <a:prstGeom prst="line">
-            <a:avLst/>
-          </a:prstGeom>
-          <a:ln w="3175">
-            <a:solidFill>
-              <a:schemeClr val="accent1"/>
-            </a:solidFill>
-            <a:prstDash val="dash"/>
-          </a:ln>
-        </p:spPr>
-        <p:style>
-          <a:lnRef idx="1">
-            <a:schemeClr val="accent1"/>
-          </a:lnRef>
-          <a:fillRef idx="0">
-            <a:schemeClr val="accent1"/>
-          </a:fillRef>
-          <a:effectRef idx="0">
-            <a:schemeClr val="accent1"/>
-          </a:effectRef>
-          <a:fontRef idx="minor">
-            <a:schemeClr val="tx1"/>
-          </a:fontRef>
-        </p:style>
-      </p:cxnSp>
-      <p:graphicFrame>
-        <p:nvGraphicFramePr>
-          <p:cNvPr id="171" name="Object 170">
-            <a:extLst>
-              <a:ext uri="{FF2B5EF4-FFF2-40B4-BE49-F238E27FC236}">
-                <a16:creationId xmlns:a16="http://schemas.microsoft.com/office/drawing/2014/main" id="{7D5DB47C-8E5F-44FC-B042-D1100FE3EBB7}"/>
-              </a:ext>
-            </a:extLst>
-          </p:cNvPr>
-          <p:cNvGraphicFramePr>
-            <a:graphicFrameLocks noChangeAspect="1"/>
-          </p:cNvGraphicFramePr>
-          <p:nvPr>
-            <p:extLst>
-              <p:ext uri="{D42A27DB-BD31-4B8C-83A1-F6EECF244321}">
-                <p14:modId xmlns:p14="http://schemas.microsoft.com/office/powerpoint/2010/main" val="587711324"/>
-              </p:ext>
-            </p:extLst>
-          </p:nvPr>
-        </p:nvGraphicFramePr>
-        <p:xfrm>
-          <a:off x="7895163" y="1124640"/>
-          <a:ext cx="422275" cy="527050"/>
-        </p:xfrm>
-        <a:graphic>
-          <a:graphicData uri="http://schemas.openxmlformats.org/presentationml/2006/ole">
-            <mc:AlternateContent xmlns:mc="http://schemas.openxmlformats.org/markup-compatibility/2006">
-              <mc:Choice xmlns:v="urn:schemas-microsoft-com:vml" Requires="v">
-                <p:oleObj spid="_x0000_s4787" name="Equation" r:id="rId48" imgW="152280" imgH="190440" progId="Equation.DSMT4">
-                  <p:embed/>
-                </p:oleObj>
-              </mc:Choice>
-              <mc:Fallback>
-                <p:oleObj name="Equation" r:id="rId48" imgW="152280" imgH="190440" progId="Equation.DSMT4">
-                  <p:embed/>
-                  <p:pic>
-                    <p:nvPicPr>
-                      <p:cNvPr id="23" name="Object 22">
-                        <a:extLst>
-                          <a:ext uri="{FF2B5EF4-FFF2-40B4-BE49-F238E27FC236}">
-                            <a16:creationId xmlns:a16="http://schemas.microsoft.com/office/drawing/2014/main" id="{B4EDF44F-556D-4599-9AE9-5661941145B6}"/>
-                          </a:ext>
-                        </a:extLst>
-                      </p:cNvPr>
-                      <p:cNvPicPr/>
-                      <p:nvPr/>
-                    </p:nvPicPr>
-                    <p:blipFill>
-                      <a:blip r:embed="rId49"/>
-                      <a:stretch>
-                        <a:fillRect/>
-                      </a:stretch>
-                    </p:blipFill>
-                    <p:spPr>
-                      <a:xfrm>
-                        <a:off x="7895163" y="1124640"/>
-                        <a:ext cx="422275" cy="527050"/>
-                      </a:xfrm>
-                      <a:prstGeom prst="rect">
-                        <a:avLst/>
-                      </a:prstGeom>
-                    </p:spPr>
-                  </p:pic>
-                </p:oleObj>
-              </mc:Fallback>
-            </mc:AlternateContent>
-          </a:graphicData>
-        </a:graphic>
-      </p:graphicFrame>
-      <p:graphicFrame>
-        <p:nvGraphicFramePr>
-          <p:cNvPr id="172" name="Object 171">
-            <a:extLst>
-              <a:ext uri="{FF2B5EF4-FFF2-40B4-BE49-F238E27FC236}">
-                <a16:creationId xmlns:a16="http://schemas.microsoft.com/office/drawing/2014/main" id="{2BE8BEBB-AF0D-4050-A558-E43CD104C386}"/>
-              </a:ext>
-            </a:extLst>
-          </p:cNvPr>
-          <p:cNvGraphicFramePr>
-            <a:graphicFrameLocks noChangeAspect="1"/>
-          </p:cNvGraphicFramePr>
-          <p:nvPr>
-            <p:extLst>
-              <p:ext uri="{D42A27DB-BD31-4B8C-83A1-F6EECF244321}">
-                <p14:modId xmlns:p14="http://schemas.microsoft.com/office/powerpoint/2010/main" val="2429823441"/>
-              </p:ext>
-            </p:extLst>
-          </p:nvPr>
-        </p:nvGraphicFramePr>
-        <p:xfrm>
-          <a:off x="5760024" y="4575288"/>
-          <a:ext cx="6332538" cy="1331912"/>
-        </p:xfrm>
-        <a:graphic>
-          <a:graphicData uri="http://schemas.openxmlformats.org/presentationml/2006/ole">
-            <mc:AlternateContent xmlns:mc="http://schemas.openxmlformats.org/markup-compatibility/2006">
-              <mc:Choice xmlns:v="urn:schemas-microsoft-com:vml" Requires="v">
-                <p:oleObj spid="_x0000_s4788" name="Equation" r:id="rId50" imgW="2286000" imgH="482400" progId="Equation.DSMT4">
-                  <p:embed/>
-                </p:oleObj>
-              </mc:Choice>
-              <mc:Fallback>
-                <p:oleObj name="Equation" r:id="rId50" imgW="2286000" imgH="482400" progId="Equation.DSMT4">
-                  <p:embed/>
-                  <p:pic>
-                    <p:nvPicPr>
-                      <p:cNvPr id="138" name="Object 137">
-                        <a:extLst>
-                          <a:ext uri="{FF2B5EF4-FFF2-40B4-BE49-F238E27FC236}">
-                            <a16:creationId xmlns:a16="http://schemas.microsoft.com/office/drawing/2014/main" id="{7279BE12-E067-41CA-9DFF-889A0009D43E}"/>
-                          </a:ext>
-                        </a:extLst>
-                      </p:cNvPr>
-                      <p:cNvPicPr/>
-                      <p:nvPr/>
-                    </p:nvPicPr>
-                    <p:blipFill>
-                      <a:blip r:embed="rId51"/>
-                      <a:stretch>
-                        <a:fillRect/>
-                      </a:stretch>
-                    </p:blipFill>
-                    <p:spPr>
-                      <a:xfrm>
-                        <a:off x="5760024" y="4575288"/>
-                        <a:ext cx="6332538" cy="1331912"/>
-                      </a:xfrm>
-                      <a:prstGeom prst="rect">
-                        <a:avLst/>
-                      </a:prstGeom>
-                      <a:ln>
-                        <a:solidFill>
-                          <a:srgbClr val="FF0000"/>
-                        </a:solidFill>
-                      </a:ln>
-                    </p:spPr>
-                  </p:pic>
-                </p:oleObj>
-              </mc:Fallback>
-            </mc:AlternateContent>
-          </a:graphicData>
-        </a:graphic>
-      </p:graphicFrame>
-      <p:graphicFrame>
-        <p:nvGraphicFramePr>
-          <p:cNvPr id="173" name="Object 172">
-            <a:extLst>
-              <a:ext uri="{FF2B5EF4-FFF2-40B4-BE49-F238E27FC236}">
-                <a16:creationId xmlns:a16="http://schemas.microsoft.com/office/drawing/2014/main" id="{F5784402-D83F-4F21-BECB-1FBDD897F15A}"/>
-              </a:ext>
-            </a:extLst>
-          </p:cNvPr>
-          <p:cNvGraphicFramePr>
-            <a:graphicFrameLocks noChangeAspect="1"/>
-          </p:cNvGraphicFramePr>
-          <p:nvPr>
-            <p:extLst>
-              <p:ext uri="{D42A27DB-BD31-4B8C-83A1-F6EECF244321}">
-                <p14:modId xmlns:p14="http://schemas.microsoft.com/office/powerpoint/2010/main" val="2483802472"/>
-              </p:ext>
-            </p:extLst>
-          </p:nvPr>
-        </p:nvGraphicFramePr>
-        <p:xfrm>
-          <a:off x="2512923" y="1811388"/>
-          <a:ext cx="384175" cy="596900"/>
-        </p:xfrm>
-        <a:graphic>
-          <a:graphicData uri="http://schemas.openxmlformats.org/presentationml/2006/ole">
-            <mc:AlternateContent xmlns:mc="http://schemas.openxmlformats.org/markup-compatibility/2006">
-              <mc:Choice xmlns:v="urn:schemas-microsoft-com:vml" Requires="v">
-                <p:oleObj spid="_x0000_s4789" name="Equation" r:id="rId52" imgW="139680" imgH="215640" progId="Equation.DSMT4">
-                  <p:embed/>
-                </p:oleObj>
-              </mc:Choice>
-              <mc:Fallback>
-                <p:oleObj name="Equation" r:id="rId52" imgW="139680" imgH="215640" progId="Equation.DSMT4">
-                  <p:embed/>
-                  <p:pic>
-                    <p:nvPicPr>
-                      <p:cNvPr id="20" name="Object 19">
-                        <a:extLst>
-                          <a:ext uri="{FF2B5EF4-FFF2-40B4-BE49-F238E27FC236}">
-                            <a16:creationId xmlns:a16="http://schemas.microsoft.com/office/drawing/2014/main" id="{9B50191B-EF8A-4D89-890A-FD500A407637}"/>
-                          </a:ext>
-                        </a:extLst>
-                      </p:cNvPr>
-                      <p:cNvPicPr/>
-                      <p:nvPr/>
-                    </p:nvPicPr>
-                    <p:blipFill>
-                      <a:blip r:embed="rId53"/>
-                      <a:stretch>
-                        <a:fillRect/>
-                      </a:stretch>
-                    </p:blipFill>
-                    <p:spPr>
-                      <a:xfrm>
-                        <a:off x="2512923" y="1811388"/>
-                        <a:ext cx="384175" cy="596900"/>
-                      </a:xfrm>
-                      <a:prstGeom prst="rect">
-                        <a:avLst/>
-                      </a:prstGeom>
-                    </p:spPr>
-                  </p:pic>
-                </p:oleObj>
-              </mc:Fallback>
-            </mc:AlternateContent>
-          </a:graphicData>
-        </a:graphic>
-      </p:graphicFrame>
-      <p:graphicFrame>
-        <p:nvGraphicFramePr>
-          <p:cNvPr id="174" name="Object 173">
-            <a:extLst>
-              <a:ext uri="{FF2B5EF4-FFF2-40B4-BE49-F238E27FC236}">
-                <a16:creationId xmlns:a16="http://schemas.microsoft.com/office/drawing/2014/main" id="{E318AC36-6328-4B43-B845-AAE868DE847A}"/>
-              </a:ext>
-            </a:extLst>
-          </p:cNvPr>
-          <p:cNvGraphicFramePr>
-            <a:graphicFrameLocks noChangeAspect="1"/>
-          </p:cNvGraphicFramePr>
-          <p:nvPr>
-            <p:extLst>
-              <p:ext uri="{D42A27DB-BD31-4B8C-83A1-F6EECF244321}">
-                <p14:modId xmlns:p14="http://schemas.microsoft.com/office/powerpoint/2010/main" val="2331239700"/>
-              </p:ext>
-            </p:extLst>
-          </p:nvPr>
-        </p:nvGraphicFramePr>
-        <p:xfrm>
-          <a:off x="9783102" y="2335624"/>
-          <a:ext cx="384175" cy="596900"/>
-        </p:xfrm>
-        <a:graphic>
-          <a:graphicData uri="http://schemas.openxmlformats.org/presentationml/2006/ole">
-            <mc:AlternateContent xmlns:mc="http://schemas.openxmlformats.org/markup-compatibility/2006">
-              <mc:Choice xmlns:v="urn:schemas-microsoft-com:vml" Requires="v">
-                <p:oleObj spid="_x0000_s4790" name="Equation" r:id="rId54" imgW="139680" imgH="215640" progId="Equation.DSMT4">
-                  <p:embed/>
-                </p:oleObj>
-              </mc:Choice>
-              <mc:Fallback>
-                <p:oleObj name="Equation" r:id="rId54" imgW="139680" imgH="215640" progId="Equation.DSMT4">
-                  <p:embed/>
-                  <p:pic>
-                    <p:nvPicPr>
-                      <p:cNvPr id="173" name="Object 172">
-                        <a:extLst>
-                          <a:ext uri="{FF2B5EF4-FFF2-40B4-BE49-F238E27FC236}">
-                            <a16:creationId xmlns:a16="http://schemas.microsoft.com/office/drawing/2014/main" id="{F5784402-D83F-4F21-BECB-1FBDD897F15A}"/>
-                          </a:ext>
-                        </a:extLst>
-                      </p:cNvPr>
-                      <p:cNvPicPr/>
-                      <p:nvPr/>
-                    </p:nvPicPr>
-                    <p:blipFill>
-                      <a:blip r:embed="rId55"/>
-                      <a:stretch>
-                        <a:fillRect/>
-                      </a:stretch>
-                    </p:blipFill>
-                    <p:spPr>
-                      <a:xfrm>
-                        <a:off x="9783102" y="2335624"/>
-                        <a:ext cx="384175" cy="596900"/>
-                      </a:xfrm>
-                      <a:prstGeom prst="rect">
-                        <a:avLst/>
-                      </a:prstGeom>
-                    </p:spPr>
-                  </p:pic>
-                </p:oleObj>
-              </mc:Fallback>
-            </mc:AlternateContent>
-          </a:graphicData>
-        </a:graphic>
-      </p:graphicFrame>
-      <p:sp>
-        <p:nvSpPr>
-          <p:cNvPr id="176" name="TextBox 175">
-            <a:extLst>
-              <a:ext uri="{FF2B5EF4-FFF2-40B4-BE49-F238E27FC236}">
-                <a16:creationId xmlns:a16="http://schemas.microsoft.com/office/drawing/2014/main" id="{CA891138-85FE-4B73-B218-6463C277CF2B}"/>
-              </a:ext>
-            </a:extLst>
-          </p:cNvPr>
-          <p:cNvSpPr txBox="1"/>
-          <p:nvPr/>
-        </p:nvSpPr>
-        <p:spPr>
-          <a:xfrm>
-            <a:off x="7251223" y="6185292"/>
-            <a:ext cx="3369913" cy="369332"/>
-          </a:xfrm>
-          <a:prstGeom prst="rect">
-            <a:avLst/>
-          </a:prstGeom>
-          <a:noFill/>
-          <a:ln>
-            <a:solidFill>
-              <a:schemeClr val="tx1"/>
-            </a:solidFill>
-          </a:ln>
-        </p:spPr>
-        <p:txBody>
-          <a:bodyPr wrap="square" rtlCol="0">
-            <a:spAutoFit/>
-          </a:bodyPr>
-          <a:lstStyle/>
-          <a:p>
-            <a:r>
-              <a:rPr lang="en-US" dirty="0"/>
-              <a:t>Sign from corresponding formulas</a:t>
-            </a:r>
-          </a:p>
-        </p:txBody>
-      </p:sp>
-      <p:cxnSp>
-        <p:nvCxnSpPr>
-          <p:cNvPr id="180" name="Straight Connector 179">
-            <a:extLst>
-              <a:ext uri="{FF2B5EF4-FFF2-40B4-BE49-F238E27FC236}">
-                <a16:creationId xmlns:a16="http://schemas.microsoft.com/office/drawing/2014/main" id="{E546DF6F-ACB4-462D-90CF-C168B1DCA596}"/>
-              </a:ext>
-            </a:extLst>
-          </p:cNvPr>
-          <p:cNvCxnSpPr>
-            <a:cxnSpLocks/>
-            <a:stCxn id="176" idx="0"/>
-          </p:cNvCxnSpPr>
-          <p:nvPr/>
-        </p:nvCxnSpPr>
-        <p:spPr>
-          <a:xfrm flipV="1">
-            <a:off x="8936180" y="5691071"/>
-            <a:ext cx="535241" cy="494221"/>
-          </a:xfrm>
-          <a:prstGeom prst="line">
-            <a:avLst/>
-          </a:prstGeom>
-          <a:ln>
-            <a:headEnd type="none" w="med" len="med"/>
-            <a:tailEnd type="arrow" w="med" len="med"/>
-          </a:ln>
-        </p:spPr>
-        <p:style>
-          <a:lnRef idx="1">
-            <a:schemeClr val="accent1"/>
-          </a:lnRef>
-          <a:fillRef idx="0">
-            <a:schemeClr val="accent1"/>
-          </a:fillRef>
-          <a:effectRef idx="0">
-            <a:schemeClr val="accent1"/>
-          </a:effectRef>
-          <a:fontRef idx="minor">
-            <a:schemeClr val="tx1"/>
-          </a:fontRef>
-        </p:style>
-      </p:cxnSp>
-      <p:cxnSp>
-        <p:nvCxnSpPr>
-          <p:cNvPr id="184" name="Straight Connector 183">
-            <a:extLst>
-              <a:ext uri="{FF2B5EF4-FFF2-40B4-BE49-F238E27FC236}">
-                <a16:creationId xmlns:a16="http://schemas.microsoft.com/office/drawing/2014/main" id="{E43DBDD9-B327-4BF6-89A1-15784788378B}"/>
-              </a:ext>
-            </a:extLst>
-          </p:cNvPr>
-          <p:cNvCxnSpPr>
-            <a:cxnSpLocks/>
-          </p:cNvCxnSpPr>
-          <p:nvPr/>
-        </p:nvCxnSpPr>
-        <p:spPr>
-          <a:xfrm>
-            <a:off x="8221646" y="2235799"/>
-            <a:ext cx="234057" cy="18377"/>
-          </a:xfrm>
-          <a:prstGeom prst="line">
-            <a:avLst/>
-          </a:prstGeom>
-        </p:spPr>
-        <p:style>
-          <a:lnRef idx="1">
-            <a:schemeClr val="accent1"/>
-          </a:lnRef>
-          <a:fillRef idx="0">
-            <a:schemeClr val="accent1"/>
-          </a:fillRef>
-          <a:effectRef idx="0">
-            <a:schemeClr val="accent1"/>
-          </a:effectRef>
-          <a:fontRef idx="minor">
-            <a:schemeClr val="tx1"/>
-          </a:fontRef>
-        </p:style>
-      </p:cxnSp>
-      <p:cxnSp>
-        <p:nvCxnSpPr>
-          <p:cNvPr id="186" name="Straight Connector 185">
-            <a:extLst>
-              <a:ext uri="{FF2B5EF4-FFF2-40B4-BE49-F238E27FC236}">
-                <a16:creationId xmlns:a16="http://schemas.microsoft.com/office/drawing/2014/main" id="{E79C88D7-DDEC-4680-9EB9-2C57CC9BA9F5}"/>
-              </a:ext>
-            </a:extLst>
-          </p:cNvPr>
-          <p:cNvCxnSpPr>
-            <a:cxnSpLocks/>
-          </p:cNvCxnSpPr>
-          <p:nvPr/>
-        </p:nvCxnSpPr>
-        <p:spPr>
-          <a:xfrm flipH="1" flipV="1">
-            <a:off x="8306792" y="2084531"/>
-            <a:ext cx="140130" cy="169645"/>
-          </a:xfrm>
-          <a:prstGeom prst="line">
-            <a:avLst/>
-          </a:prstGeom>
-        </p:spPr>
-        <p:style>
-          <a:lnRef idx="1">
-            <a:schemeClr val="accent1"/>
-          </a:lnRef>
-          <a:fillRef idx="0">
-            <a:schemeClr val="accent1"/>
-          </a:fillRef>
-          <a:effectRef idx="0">
-            <a:schemeClr val="accent1"/>
-          </a:effectRef>
-          <a:fontRef idx="minor">
-            <a:schemeClr val="tx1"/>
-          </a:fontRef>
-        </p:style>
-      </p:cxnSp>
-      <p:cxnSp>
-        <p:nvCxnSpPr>
-          <p:cNvPr id="190" name="Straight Connector 189">
-            <a:extLst>
-              <a:ext uri="{FF2B5EF4-FFF2-40B4-BE49-F238E27FC236}">
-                <a16:creationId xmlns:a16="http://schemas.microsoft.com/office/drawing/2014/main" id="{8E24E8EF-A3BE-4D31-9434-63918B96F320}"/>
-              </a:ext>
-            </a:extLst>
-          </p:cNvPr>
-          <p:cNvCxnSpPr/>
-          <p:nvPr/>
-        </p:nvCxnSpPr>
-        <p:spPr>
-          <a:xfrm flipV="1">
-            <a:off x="10036629" y="3396343"/>
-            <a:ext cx="0" cy="185057"/>
-          </a:xfrm>
-          <a:prstGeom prst="line">
-            <a:avLst/>
-          </a:prstGeom>
-          <a:ln>
-            <a:solidFill>
-              <a:srgbClr val="FF0000"/>
-            </a:solidFill>
-          </a:ln>
-        </p:spPr>
-        <p:style>
-          <a:lnRef idx="1">
-            <a:schemeClr val="accent1"/>
-          </a:lnRef>
-          <a:fillRef idx="0">
-            <a:schemeClr val="accent1"/>
-          </a:fillRef>
-          <a:effectRef idx="0">
-            <a:schemeClr val="accent1"/>
-          </a:effectRef>
-          <a:fontRef idx="minor">
-            <a:schemeClr val="tx1"/>
-          </a:fontRef>
-        </p:style>
-      </p:cxnSp>
-      <p:cxnSp>
-        <p:nvCxnSpPr>
-          <p:cNvPr id="192" name="Straight Connector 191">
-            <a:extLst>
-              <a:ext uri="{FF2B5EF4-FFF2-40B4-BE49-F238E27FC236}">
-                <a16:creationId xmlns:a16="http://schemas.microsoft.com/office/drawing/2014/main" id="{DEE9DF6B-D099-45B1-8C45-AF0938E248FE}"/>
-              </a:ext>
-            </a:extLst>
-          </p:cNvPr>
-          <p:cNvCxnSpPr/>
-          <p:nvPr/>
-        </p:nvCxnSpPr>
-        <p:spPr>
-          <a:xfrm>
-            <a:off x="10025743" y="3396343"/>
-            <a:ext cx="108857" cy="195943"/>
-          </a:xfrm>
-          <a:prstGeom prst="line">
-            <a:avLst/>
-          </a:prstGeom>
-          <a:ln>
-            <a:solidFill>
-              <a:srgbClr val="FF0000"/>
-            </a:solidFill>
-          </a:ln>
-        </p:spPr>
-        <p:style>
-          <a:lnRef idx="1">
-            <a:schemeClr val="accent1"/>
-          </a:lnRef>
-          <a:fillRef idx="0">
-            <a:schemeClr val="accent1"/>
-          </a:fillRef>
-          <a:effectRef idx="0">
-            <a:schemeClr val="accent1"/>
-          </a:effectRef>
-          <a:fontRef idx="minor">
-            <a:schemeClr val="tx1"/>
-          </a:fontRef>
-        </p:style>
-      </p:cxnSp>
-      <p:cxnSp>
-        <p:nvCxnSpPr>
-          <p:cNvPr id="194" name="Straight Connector 193">
-            <a:extLst>
-              <a:ext uri="{FF2B5EF4-FFF2-40B4-BE49-F238E27FC236}">
-                <a16:creationId xmlns:a16="http://schemas.microsoft.com/office/drawing/2014/main" id="{14D7E079-99AA-4D05-A9F2-5545CA60C078}"/>
-              </a:ext>
-            </a:extLst>
-          </p:cNvPr>
-          <p:cNvCxnSpPr/>
-          <p:nvPr/>
-        </p:nvCxnSpPr>
-        <p:spPr>
-          <a:xfrm>
-            <a:off x="10058535" y="3256675"/>
-            <a:ext cx="391632" cy="167254"/>
-          </a:xfrm>
-          <a:prstGeom prst="line">
-            <a:avLst/>
-          </a:prstGeom>
-          <a:ln>
-            <a:solidFill>
-              <a:srgbClr val="FF0000"/>
-            </a:solidFill>
-          </a:ln>
-        </p:spPr>
-        <p:style>
-          <a:lnRef idx="1">
-            <a:schemeClr val="accent1"/>
-          </a:lnRef>
-          <a:fillRef idx="0">
-            <a:schemeClr val="accent1"/>
-          </a:fillRef>
-          <a:effectRef idx="0">
-            <a:schemeClr val="accent1"/>
-          </a:effectRef>
-          <a:fontRef idx="minor">
-            <a:schemeClr val="tx1"/>
-          </a:fontRef>
-        </p:style>
-      </p:cxnSp>
-      <p:cxnSp>
-        <p:nvCxnSpPr>
-          <p:cNvPr id="196" name="Straight Connector 195">
-            <a:extLst>
-              <a:ext uri="{FF2B5EF4-FFF2-40B4-BE49-F238E27FC236}">
-                <a16:creationId xmlns:a16="http://schemas.microsoft.com/office/drawing/2014/main" id="{4A160C0E-EF5B-4EBB-BCF7-C45D89A74C64}"/>
-              </a:ext>
-            </a:extLst>
-          </p:cNvPr>
-          <p:cNvCxnSpPr/>
-          <p:nvPr/>
-        </p:nvCxnSpPr>
-        <p:spPr>
-          <a:xfrm>
-            <a:off x="10447507" y="3420315"/>
-            <a:ext cx="112710" cy="181555"/>
-          </a:xfrm>
-          <a:prstGeom prst="line">
-            <a:avLst/>
-          </a:prstGeom>
-        </p:spPr>
-        <p:style>
-          <a:lnRef idx="1">
-            <a:schemeClr val="accent1"/>
-          </a:lnRef>
-          <a:fillRef idx="0">
-            <a:schemeClr val="accent1"/>
-          </a:fillRef>
-          <a:effectRef idx="0">
-            <a:schemeClr val="accent1"/>
-          </a:effectRef>
-          <a:fontRef idx="minor">
-            <a:schemeClr val="tx1"/>
-          </a:fontRef>
-        </p:style>
-      </p:cxnSp>
-      <p:cxnSp>
-        <p:nvCxnSpPr>
-          <p:cNvPr id="200" name="Straight Connector 199">
-            <a:extLst>
-              <a:ext uri="{FF2B5EF4-FFF2-40B4-BE49-F238E27FC236}">
-                <a16:creationId xmlns:a16="http://schemas.microsoft.com/office/drawing/2014/main" id="{B19422F4-E941-4415-9315-829893829D94}"/>
-              </a:ext>
-            </a:extLst>
-          </p:cNvPr>
-          <p:cNvCxnSpPr/>
-          <p:nvPr/>
-        </p:nvCxnSpPr>
-        <p:spPr>
-          <a:xfrm>
-            <a:off x="1197429" y="2373626"/>
-            <a:ext cx="231414" cy="69002"/>
-          </a:xfrm>
-          <a:prstGeom prst="line">
-            <a:avLst/>
-          </a:prstGeom>
-        </p:spPr>
-        <p:style>
-          <a:lnRef idx="1">
-            <a:schemeClr val="accent1"/>
-          </a:lnRef>
-          <a:fillRef idx="0">
-            <a:schemeClr val="accent1"/>
-          </a:fillRef>
-          <a:effectRef idx="0">
-            <a:schemeClr val="accent1"/>
-          </a:effectRef>
-          <a:fontRef idx="minor">
-            <a:schemeClr val="tx1"/>
-          </a:fontRef>
-        </p:style>
-      </p:cxnSp>
-      <p:cxnSp>
-        <p:nvCxnSpPr>
-          <p:cNvPr id="202" name="Straight Connector 201">
-            <a:extLst>
-              <a:ext uri="{FF2B5EF4-FFF2-40B4-BE49-F238E27FC236}">
-                <a16:creationId xmlns:a16="http://schemas.microsoft.com/office/drawing/2014/main" id="{619D713A-DAFC-4911-B5C2-B3BA720EC12D}"/>
-              </a:ext>
-            </a:extLst>
-          </p:cNvPr>
-          <p:cNvCxnSpPr>
-            <a:cxnSpLocks/>
-          </p:cNvCxnSpPr>
-          <p:nvPr/>
-        </p:nvCxnSpPr>
-        <p:spPr>
-          <a:xfrm flipH="1">
-            <a:off x="1216894" y="2449088"/>
-            <a:ext cx="231857" cy="148021"/>
-          </a:xfrm>
-          <a:prstGeom prst="line">
-            <a:avLst/>
-          </a:prstGeom>
-        </p:spPr>
-        <p:style>
-          <a:lnRef idx="1">
-            <a:schemeClr val="accent1"/>
-          </a:lnRef>
-          <a:fillRef idx="0">
-            <a:schemeClr val="accent1"/>
-          </a:fillRef>
-          <a:effectRef idx="0">
-            <a:schemeClr val="accent1"/>
-          </a:effectRef>
-          <a:fontRef idx="minor">
-            <a:schemeClr val="tx1"/>
-          </a:fontRef>
-        </p:style>
-      </p:cxnSp>
-      <p:cxnSp>
-        <p:nvCxnSpPr>
-          <p:cNvPr id="207" name="Straight Connector 206">
-            <a:extLst>
-              <a:ext uri="{FF2B5EF4-FFF2-40B4-BE49-F238E27FC236}">
-                <a16:creationId xmlns:a16="http://schemas.microsoft.com/office/drawing/2014/main" id="{40C79D49-95D3-4937-B850-62EC4418742F}"/>
-              </a:ext>
-            </a:extLst>
-          </p:cNvPr>
-          <p:cNvCxnSpPr/>
-          <p:nvPr/>
-        </p:nvCxnSpPr>
-        <p:spPr>
-          <a:xfrm flipV="1">
-            <a:off x="2947321" y="2779291"/>
-            <a:ext cx="257365" cy="62833"/>
-          </a:xfrm>
-          <a:prstGeom prst="line">
-            <a:avLst/>
-          </a:prstGeom>
-          <a:ln>
-            <a:solidFill>
-              <a:srgbClr val="FF0000"/>
-            </a:solidFill>
-          </a:ln>
-        </p:spPr>
-        <p:style>
-          <a:lnRef idx="1">
-            <a:schemeClr val="accent1"/>
-          </a:lnRef>
-          <a:fillRef idx="0">
-            <a:schemeClr val="accent1"/>
-          </a:fillRef>
-          <a:effectRef idx="0">
-            <a:schemeClr val="accent1"/>
-          </a:effectRef>
-          <a:fontRef idx="minor">
-            <a:schemeClr val="tx1"/>
-          </a:fontRef>
-        </p:style>
-      </p:cxnSp>
-      <p:cxnSp>
-        <p:nvCxnSpPr>
-          <p:cNvPr id="209" name="Straight Connector 208">
-            <a:extLst>
-              <a:ext uri="{FF2B5EF4-FFF2-40B4-BE49-F238E27FC236}">
-                <a16:creationId xmlns:a16="http://schemas.microsoft.com/office/drawing/2014/main" id="{0E94D8CC-46CD-43FA-AAAE-15A63013232F}"/>
-              </a:ext>
-            </a:extLst>
-          </p:cNvPr>
-          <p:cNvCxnSpPr/>
-          <p:nvPr/>
-        </p:nvCxnSpPr>
-        <p:spPr>
-          <a:xfrm>
-            <a:off x="3190969" y="2786227"/>
-            <a:ext cx="130560" cy="235109"/>
-          </a:xfrm>
-          <a:prstGeom prst="line">
-            <a:avLst/>
-          </a:prstGeom>
-        </p:spPr>
-        <p:style>
-          <a:lnRef idx="1">
-            <a:schemeClr val="accent1"/>
-          </a:lnRef>
-          <a:fillRef idx="0">
-            <a:schemeClr val="accent1"/>
-          </a:fillRef>
-          <a:effectRef idx="0">
-            <a:schemeClr val="accent1"/>
-          </a:effectRef>
-          <a:fontRef idx="minor">
-            <a:schemeClr val="tx1"/>
-          </a:fontRef>
-        </p:style>
-      </p:cxnSp>
-    </p:spTree>
-    <p:extLst>
-      <p:ext uri="{BB962C8B-B14F-4D97-AF65-F5344CB8AC3E}">
-        <p14:creationId xmlns:p14="http://schemas.microsoft.com/office/powerpoint/2010/main" val="3545233005"/>
-      </p:ext>
-    </p:extLst>
-  </p:cSld>
-  <p:clrMapOvr>
-    <a:masterClrMapping/>
-  </p:clrMapOvr>
-</p:sld>
-</file>
-
-<file path=ppt/slides/slide4.xml><?xml version="1.0" encoding="utf-8"?>
-<p:sld xmlns:a="http://schemas.openxmlformats.org/drawingml/2006/main" xmlns:r="http://schemas.openxmlformats.org/officeDocument/2006/relationships" xmlns:p="http://schemas.openxmlformats.org/presentationml/2006/main">
-  <p:cSld>
-    <p:spTree>
-      <p:nvGrpSpPr>
-        <p:cNvPr id="1" name=""/>
-        <p:cNvGrpSpPr/>
-        <p:nvPr/>
-      </p:nvGrpSpPr>
-      <p:grpSpPr>
-        <a:xfrm>
-          <a:off x="0" y="0"/>
-          <a:ext cx="0" cy="0"/>
-          <a:chOff x="0" y="0"/>
-          <a:chExt cx="0" cy="0"/>
-        </a:xfrm>
-      </p:grpSpPr>
-      <p:cxnSp>
-        <p:nvCxnSpPr>
-          <p:cNvPr id="40" name="Straight Arrow Connector 39">
-            <a:extLst>
-              <a:ext uri="{FF2B5EF4-FFF2-40B4-BE49-F238E27FC236}">
-                <a16:creationId xmlns:a16="http://schemas.microsoft.com/office/drawing/2014/main" id="{4007BC1C-643C-4169-9D31-F7C849234E41}"/>
-              </a:ext>
-            </a:extLst>
-          </p:cNvPr>
-          <p:cNvCxnSpPr>
-            <a:cxnSpLocks/>
-            <a:endCxn id="51" idx="2"/>
-          </p:cNvCxnSpPr>
-          <p:nvPr/>
-        </p:nvCxnSpPr>
-        <p:spPr>
-          <a:xfrm flipH="1" flipV="1">
-            <a:off x="2181089" y="440675"/>
-            <a:ext cx="2" cy="1338604"/>
-          </a:xfrm>
-          <a:prstGeom prst="straightConnector1">
-            <a:avLst/>
-          </a:prstGeom>
-          <a:ln w="19050">
-            <a:solidFill>
-              <a:schemeClr val="tx1"/>
-            </a:solidFill>
-            <a:tailEnd type="triangle"/>
-          </a:ln>
-        </p:spPr>
-        <p:style>
-          <a:lnRef idx="1">
-            <a:schemeClr val="accent1"/>
-          </a:lnRef>
-          <a:fillRef idx="0">
-            <a:schemeClr val="accent1"/>
-          </a:fillRef>
-          <a:effectRef idx="0">
-            <a:schemeClr val="accent1"/>
-          </a:effectRef>
-          <a:fontRef idx="minor">
-            <a:schemeClr val="tx1"/>
-          </a:fontRef>
-        </p:style>
-      </p:cxnSp>
-      <p:cxnSp>
-        <p:nvCxnSpPr>
-          <p:cNvPr id="41" name="Straight Arrow Connector 40">
-            <a:extLst>
-              <a:ext uri="{FF2B5EF4-FFF2-40B4-BE49-F238E27FC236}">
-                <a16:creationId xmlns:a16="http://schemas.microsoft.com/office/drawing/2014/main" id="{32605285-4252-4E4F-9CDB-D43440649D54}"/>
-              </a:ext>
-            </a:extLst>
-          </p:cNvPr>
-          <p:cNvCxnSpPr>
-            <a:cxnSpLocks/>
-          </p:cNvCxnSpPr>
-          <p:nvPr/>
-        </p:nvCxnSpPr>
-        <p:spPr>
-          <a:xfrm>
-            <a:off x="2181091" y="1779279"/>
-            <a:ext cx="2612571" cy="1034143"/>
-          </a:xfrm>
-          <a:prstGeom prst="straightConnector1">
-            <a:avLst/>
-          </a:prstGeom>
-          <a:ln w="19050">
-            <a:solidFill>
-              <a:schemeClr val="tx1"/>
-            </a:solidFill>
-            <a:tailEnd type="triangle"/>
-          </a:ln>
-        </p:spPr>
-        <p:style>
-          <a:lnRef idx="1">
-            <a:schemeClr val="accent1"/>
-          </a:lnRef>
-          <a:fillRef idx="0">
-            <a:schemeClr val="accent1"/>
-          </a:fillRef>
-          <a:effectRef idx="0">
-            <a:schemeClr val="accent1"/>
-          </a:effectRef>
-          <a:fontRef idx="minor">
-            <a:schemeClr val="tx1"/>
-          </a:fontRef>
-        </p:style>
-      </p:cxnSp>
-      <p:cxnSp>
-        <p:nvCxnSpPr>
-          <p:cNvPr id="42" name="Straight Arrow Connector 41">
-            <a:extLst>
-              <a:ext uri="{FF2B5EF4-FFF2-40B4-BE49-F238E27FC236}">
-                <a16:creationId xmlns:a16="http://schemas.microsoft.com/office/drawing/2014/main" id="{4F6DD334-6F48-4EDB-84EE-041436039390}"/>
-              </a:ext>
-            </a:extLst>
-          </p:cNvPr>
-          <p:cNvCxnSpPr>
-            <a:cxnSpLocks/>
-          </p:cNvCxnSpPr>
-          <p:nvPr/>
-        </p:nvCxnSpPr>
-        <p:spPr>
-          <a:xfrm flipH="1">
-            <a:off x="308747" y="1779279"/>
-            <a:ext cx="1872344" cy="604157"/>
-          </a:xfrm>
-          <a:prstGeom prst="straightConnector1">
-            <a:avLst/>
-          </a:prstGeom>
-          <a:ln w="19050">
-            <a:solidFill>
-              <a:schemeClr val="tx1"/>
-            </a:solidFill>
-            <a:tailEnd type="triangle"/>
-          </a:ln>
-        </p:spPr>
-        <p:style>
-          <a:lnRef idx="1">
-            <a:schemeClr val="accent1"/>
-          </a:lnRef>
-          <a:fillRef idx="0">
-            <a:schemeClr val="accent1"/>
-          </a:fillRef>
-          <a:effectRef idx="0">
-            <a:schemeClr val="accent1"/>
-          </a:effectRef>
-          <a:fontRef idx="minor">
-            <a:schemeClr val="tx1"/>
-          </a:fontRef>
-        </p:style>
-      </p:cxnSp>
-      <p:cxnSp>
-        <p:nvCxnSpPr>
-          <p:cNvPr id="43" name="Straight Arrow Connector 42">
-            <a:extLst>
-              <a:ext uri="{FF2B5EF4-FFF2-40B4-BE49-F238E27FC236}">
-                <a16:creationId xmlns:a16="http://schemas.microsoft.com/office/drawing/2014/main" id="{65764358-049B-4781-9BA8-3C471C07CDDB}"/>
-              </a:ext>
-            </a:extLst>
-          </p:cNvPr>
-          <p:cNvCxnSpPr>
-            <a:cxnSpLocks/>
-          </p:cNvCxnSpPr>
-          <p:nvPr/>
-        </p:nvCxnSpPr>
-        <p:spPr>
-          <a:xfrm>
-            <a:off x="2181091" y="1779279"/>
-            <a:ext cx="1088570" cy="1632857"/>
-          </a:xfrm>
-          <a:prstGeom prst="straightConnector1">
-            <a:avLst/>
-          </a:prstGeom>
-          <a:ln w="38100">
-            <a:solidFill>
-              <a:srgbClr val="FF0000"/>
-            </a:solidFill>
-            <a:prstDash val="solid"/>
-            <a:tailEnd type="triangle"/>
-          </a:ln>
-        </p:spPr>
-        <p:style>
-          <a:lnRef idx="1">
-            <a:schemeClr val="accent1"/>
-          </a:lnRef>
-          <a:fillRef idx="0">
-            <a:schemeClr val="accent1"/>
-          </a:fillRef>
-          <a:effectRef idx="0">
-            <a:schemeClr val="accent1"/>
-          </a:effectRef>
-          <a:fontRef idx="minor">
-            <a:schemeClr val="tx1"/>
-          </a:fontRef>
-        </p:style>
-      </p:cxnSp>
-      <p:cxnSp>
-        <p:nvCxnSpPr>
-          <p:cNvPr id="44" name="Straight Connector 43">
-            <a:extLst>
-              <a:ext uri="{FF2B5EF4-FFF2-40B4-BE49-F238E27FC236}">
-                <a16:creationId xmlns:a16="http://schemas.microsoft.com/office/drawing/2014/main" id="{28F55C60-E56C-4E11-AB81-63162D602CFB}"/>
-              </a:ext>
-            </a:extLst>
-          </p:cNvPr>
-          <p:cNvCxnSpPr>
-            <a:cxnSpLocks/>
-          </p:cNvCxnSpPr>
-          <p:nvPr/>
-        </p:nvCxnSpPr>
-        <p:spPr>
-          <a:xfrm flipH="1">
             <a:off x="624603" y="1779279"/>
             <a:ext cx="1556489" cy="953296"/>
           </a:xfrm>
@@ -13512,7 +7956,7 @@
           <a:graphicData uri="http://schemas.openxmlformats.org/presentationml/2006/ole">
             <mc:AlternateContent xmlns:mc="http://schemas.openxmlformats.org/markup-compatibility/2006">
               <mc:Choice xmlns:v="urn:schemas-microsoft-com:vml" Requires="v">
-                <p:oleObj spid="_x0000_s5343" name="Equation" r:id="rId3" imgW="126720" imgH="177480" progId="Equation.DSMT4">
+                <p:oleObj spid="_x0000_s5799" name="Equation" r:id="rId3" imgW="126720" imgH="177480" progId="Equation.DSMT4">
                   <p:embed/>
                 </p:oleObj>
               </mc:Choice>
@@ -13577,7 +8021,7 @@
           <a:graphicData uri="http://schemas.openxmlformats.org/presentationml/2006/ole">
             <mc:AlternateContent xmlns:mc="http://schemas.openxmlformats.org/markup-compatibility/2006">
               <mc:Choice xmlns:v="urn:schemas-microsoft-com:vml" Requires="v">
-                <p:oleObj spid="_x0000_s5344" name="Equation" r:id="rId5" imgW="126720" imgH="164880" progId="Equation.DSMT4">
+                <p:oleObj spid="_x0000_s5800" name="Equation" r:id="rId5" imgW="126720" imgH="164880" progId="Equation.DSMT4">
                   <p:embed/>
                 </p:oleObj>
               </mc:Choice>
@@ -13642,7 +8086,7 @@
           <a:graphicData uri="http://schemas.openxmlformats.org/presentationml/2006/ole">
             <mc:AlternateContent xmlns:mc="http://schemas.openxmlformats.org/markup-compatibility/2006">
               <mc:Choice xmlns:v="urn:schemas-microsoft-com:vml" Requires="v">
-                <p:oleObj spid="_x0000_s5345" name="Equation" r:id="rId7" imgW="139680" imgH="203040" progId="Equation.DSMT4">
+                <p:oleObj spid="_x0000_s5801" name="Equation" r:id="rId7" imgW="139680" imgH="203040" progId="Equation.DSMT4">
                   <p:embed/>
                 </p:oleObj>
               </mc:Choice>
@@ -13696,18 +8140,22 @@
             <a:graphicFrameLocks noChangeAspect="1"/>
           </p:cNvGraphicFramePr>
           <p:nvPr>
-            <p:extLst/>
+            <p:extLst>
+              <p:ext uri="{D42A27DB-BD31-4B8C-83A1-F6EECF244321}">
+                <p14:modId xmlns:p14="http://schemas.microsoft.com/office/powerpoint/2010/main" val="278529624"/>
+              </p:ext>
+            </p:extLst>
           </p:nvPr>
         </p:nvGraphicFramePr>
         <p:xfrm>
-          <a:off x="2235313" y="480023"/>
+          <a:off x="2282366" y="121100"/>
           <a:ext cx="419100" cy="561975"/>
         </p:xfrm>
         <a:graphic>
           <a:graphicData uri="http://schemas.openxmlformats.org/presentationml/2006/ole">
             <mc:AlternateContent xmlns:mc="http://schemas.openxmlformats.org/markup-compatibility/2006">
               <mc:Choice xmlns:v="urn:schemas-microsoft-com:vml" Requires="v">
-                <p:oleObj spid="_x0000_s5346" name="Equation" r:id="rId9" imgW="152280" imgH="203040" progId="Equation.DSMT4">
+                <p:oleObj spid="_x0000_s5802" name="Equation" r:id="rId9" imgW="152280" imgH="203040" progId="Equation.DSMT4">
                   <p:embed/>
                 </p:oleObj>
               </mc:Choice>
@@ -13734,7 +8182,7 @@
                     </p:blipFill>
                     <p:spPr>
                       <a:xfrm>
-                        <a:off x="2235313" y="480023"/>
+                        <a:off x="2282366" y="121100"/>
                         <a:ext cx="419100" cy="561975"/>
                       </a:xfrm>
                       <a:prstGeom prst="rect">
@@ -13762,7 +8210,7 @@
         </p:nvCxnSpPr>
         <p:spPr>
           <a:xfrm flipV="1">
-            <a:off x="2275201" y="497654"/>
+            <a:off x="2318744" y="83997"/>
             <a:ext cx="0" cy="685800"/>
           </a:xfrm>
           <a:prstGeom prst="straightConnector1">
@@ -13905,7 +8353,11 @@
             <a:graphicFrameLocks noChangeAspect="1"/>
           </p:cNvGraphicFramePr>
           <p:nvPr>
-            <p:extLst/>
+            <p:extLst>
+              <p:ext uri="{D42A27DB-BD31-4B8C-83A1-F6EECF244321}">
+                <p14:modId xmlns:p14="http://schemas.microsoft.com/office/powerpoint/2010/main" val="3449168508"/>
+              </p:ext>
+            </p:extLst>
           </p:nvPr>
         </p:nvGraphicFramePr>
         <p:xfrm>
@@ -13916,7 +8368,7 @@
           <a:graphicData uri="http://schemas.openxmlformats.org/presentationml/2006/ole">
             <mc:AlternateContent xmlns:mc="http://schemas.openxmlformats.org/markup-compatibility/2006">
               <mc:Choice xmlns:v="urn:schemas-microsoft-com:vml" Requires="v">
-                <p:oleObj spid="_x0000_s5347" name="Equation" r:id="rId11" imgW="139680" imgH="228600" progId="Equation.DSMT4">
+                <p:oleObj spid="_x0000_s5803" name="Equation" r:id="rId11" imgW="139680" imgH="228600" progId="Equation.DSMT4">
                   <p:embed/>
                 </p:oleObj>
               </mc:Choice>
@@ -13981,7 +8433,7 @@
           <a:graphicData uri="http://schemas.openxmlformats.org/presentationml/2006/ole">
             <mc:AlternateContent xmlns:mc="http://schemas.openxmlformats.org/markup-compatibility/2006">
               <mc:Choice xmlns:v="urn:schemas-microsoft-com:vml" Requires="v">
-                <p:oleObj spid="_x0000_s5348" name="Equation" r:id="rId13" imgW="152280" imgH="164880" progId="Equation.DSMT4">
+                <p:oleObj spid="_x0000_s5804" name="Equation" r:id="rId13" imgW="152280" imgH="164880" progId="Equation.DSMT4">
                   <p:embed/>
                 </p:oleObj>
               </mc:Choice>
@@ -14046,7 +8498,7 @@
           <a:graphicData uri="http://schemas.openxmlformats.org/presentationml/2006/ole">
             <mc:AlternateContent xmlns:mc="http://schemas.openxmlformats.org/markup-compatibility/2006">
               <mc:Choice xmlns:v="urn:schemas-microsoft-com:vml" Requires="v">
-                <p:oleObj spid="_x0000_s5349" name="Equation" r:id="rId15" imgW="126720" imgH="139680" progId="Equation.DSMT4">
+                <p:oleObj spid="_x0000_s5805" name="Equation" r:id="rId15" imgW="126720" imgH="139680" progId="Equation.DSMT4">
                   <p:embed/>
                 </p:oleObj>
               </mc:Choice>
@@ -14115,7 +8567,7 @@
           <a:graphicData uri="http://schemas.openxmlformats.org/presentationml/2006/ole">
             <mc:AlternateContent xmlns:mc="http://schemas.openxmlformats.org/markup-compatibility/2006">
               <mc:Choice xmlns:v="urn:schemas-microsoft-com:vml" Requires="v">
-                <p:oleObj spid="_x0000_s5350" name="Equation" r:id="rId17" imgW="203040" imgH="164880" progId="Equation.DSMT4">
+                <p:oleObj spid="_x0000_s5806" name="Equation" r:id="rId17" imgW="203040" imgH="164880" progId="Equation.DSMT4">
                   <p:embed/>
                 </p:oleObj>
               </mc:Choice>
@@ -14184,7 +8636,7 @@
           <a:graphicData uri="http://schemas.openxmlformats.org/presentationml/2006/ole">
             <mc:AlternateContent xmlns:mc="http://schemas.openxmlformats.org/markup-compatibility/2006">
               <mc:Choice xmlns:v="urn:schemas-microsoft-com:vml" Requires="v">
-                <p:oleObj spid="_x0000_s5351" name="Equation" r:id="rId19" imgW="177480" imgH="164880" progId="Equation.DSMT4">
+                <p:oleObj spid="_x0000_s5807" name="Equation" r:id="rId19" imgW="177480" imgH="164880" progId="Equation.DSMT4">
                   <p:embed/>
                 </p:oleObj>
               </mc:Choice>
@@ -14238,23 +8690,27 @@
             <a:graphicFrameLocks noChangeAspect="1"/>
           </p:cNvGraphicFramePr>
           <p:nvPr>
-            <p:extLst/>
+            <p:extLst>
+              <p:ext uri="{D42A27DB-BD31-4B8C-83A1-F6EECF244321}">
+                <p14:modId xmlns:p14="http://schemas.microsoft.com/office/powerpoint/2010/main" val="3429158978"/>
+              </p:ext>
+            </p:extLst>
           </p:nvPr>
         </p:nvGraphicFramePr>
         <p:xfrm>
-          <a:off x="2929156" y="3367205"/>
-          <a:ext cx="422275" cy="455612"/>
+          <a:off x="2902556" y="3336227"/>
+          <a:ext cx="457200" cy="630238"/>
         </p:xfrm>
         <a:graphic>
           <a:graphicData uri="http://schemas.openxmlformats.org/presentationml/2006/ole">
             <mc:AlternateContent xmlns:mc="http://schemas.openxmlformats.org/markup-compatibility/2006">
               <mc:Choice xmlns:v="urn:schemas-microsoft-com:vml" Requires="v">
-                <p:oleObj spid="_x0000_s5352" name="Equation" r:id="rId21" imgW="152280" imgH="164880" progId="Equation.DSMT4">
+                <p:oleObj spid="_x0000_s5808" name="Equation" r:id="rId21" imgW="164880" imgH="228600" progId="Equation.DSMT4">
                   <p:embed/>
                 </p:oleObj>
               </mc:Choice>
               <mc:Fallback>
-                <p:oleObj name="Equation" r:id="rId21" imgW="152280" imgH="164880" progId="Equation.DSMT4">
+                <p:oleObj name="Equation" r:id="rId21" imgW="164880" imgH="228600" progId="Equation.DSMT4">
                   <p:embed/>
                   <p:pic>
                     <p:nvPicPr>
@@ -14276,8 +8732,8 @@
                     </p:blipFill>
                     <p:spPr>
                       <a:xfrm>
-                        <a:off x="2929156" y="3367205"/>
-                        <a:ext cx="422275" cy="455612"/>
+                        <a:off x="2902556" y="3336227"/>
+                        <a:ext cx="457200" cy="630238"/>
                       </a:xfrm>
                       <a:prstGeom prst="rect">
                         <a:avLst/>
@@ -14305,20 +8761,20 @@
           <p:nvPr>
             <p:extLst>
               <p:ext uri="{D42A27DB-BD31-4B8C-83A1-F6EECF244321}">
-                <p14:modId xmlns:p14="http://schemas.microsoft.com/office/powerpoint/2010/main" val="2595967223"/>
+                <p14:modId xmlns:p14="http://schemas.microsoft.com/office/powerpoint/2010/main" val="1303956874"/>
               </p:ext>
             </p:extLst>
           </p:nvPr>
         </p:nvGraphicFramePr>
         <p:xfrm>
-          <a:off x="2138083" y="1380875"/>
+          <a:off x="1898728" y="1816036"/>
           <a:ext cx="422275" cy="490538"/>
         </p:xfrm>
         <a:graphic>
           <a:graphicData uri="http://schemas.openxmlformats.org/presentationml/2006/ole">
             <mc:AlternateContent xmlns:mc="http://schemas.openxmlformats.org/markup-compatibility/2006">
               <mc:Choice xmlns:v="urn:schemas-microsoft-com:vml" Requires="v">
-                <p:oleObj spid="_x0000_s5353" name="Equation" r:id="rId23" imgW="152280" imgH="177480" progId="Equation.DSMT4">
+                <p:oleObj spid="_x0000_s5809" name="Equation" r:id="rId23" imgW="152280" imgH="177480" progId="Equation.DSMT4">
                   <p:embed/>
                 </p:oleObj>
               </mc:Choice>
@@ -14345,7 +8801,7 @@
                     </p:blipFill>
                     <p:spPr>
                       <a:xfrm>
-                        <a:off x="2138083" y="1380875"/>
+                        <a:off x="1898728" y="1816036"/>
                         <a:ext cx="422275" cy="490538"/>
                       </a:xfrm>
                       <a:prstGeom prst="rect">
@@ -14473,7 +8929,7 @@
           <a:graphicData uri="http://schemas.openxmlformats.org/presentationml/2006/ole">
             <mc:AlternateContent xmlns:mc="http://schemas.openxmlformats.org/markup-compatibility/2006">
               <mc:Choice xmlns:v="urn:schemas-microsoft-com:vml" Requires="v">
-                <p:oleObj spid="_x0000_s5354" name="Equation" r:id="rId25" imgW="126720" imgH="139680" progId="Equation.DSMT4">
+                <p:oleObj spid="_x0000_s5810" name="Equation" r:id="rId25" imgW="126720" imgH="139680" progId="Equation.DSMT4">
                   <p:embed/>
                 </p:oleObj>
               </mc:Choice>
@@ -14538,7 +8994,7 @@
           <a:graphicData uri="http://schemas.openxmlformats.org/presentationml/2006/ole">
             <mc:AlternateContent xmlns:mc="http://schemas.openxmlformats.org/markup-compatibility/2006">
               <mc:Choice xmlns:v="urn:schemas-microsoft-com:vml" Requires="v">
-                <p:oleObj spid="_x0000_s5355" name="Equation" r:id="rId26" imgW="139680" imgH="203040" progId="Equation.DSMT4">
+                <p:oleObj spid="_x0000_s5811" name="Equation" r:id="rId26" imgW="139680" imgH="203040" progId="Equation.DSMT4">
                   <p:embed/>
                 </p:oleObj>
               </mc:Choice>
@@ -14649,7 +9105,7 @@
           <a:graphicData uri="http://schemas.openxmlformats.org/presentationml/2006/ole">
             <mc:AlternateContent xmlns:mc="http://schemas.openxmlformats.org/markup-compatibility/2006">
               <mc:Choice xmlns:v="urn:schemas-microsoft-com:vml" Requires="v">
-                <p:oleObj spid="_x0000_s5356" name="Equation" r:id="rId28" imgW="215640" imgH="164880" progId="Equation.DSMT4">
+                <p:oleObj spid="_x0000_s5812" name="Equation" r:id="rId28" imgW="215640" imgH="164880" progId="Equation.DSMT4">
                   <p:embed/>
                 </p:oleObj>
               </mc:Choice>
@@ -14706,8 +9162,8 @@
         </p:nvCxnSpPr>
         <p:spPr>
           <a:xfrm flipH="1" flipV="1">
-            <a:off x="1778329" y="263276"/>
-            <a:ext cx="1793665" cy="3778673"/>
+            <a:off x="2177143" y="1088571"/>
+            <a:ext cx="1394852" cy="2953379"/>
           </a:xfrm>
           <a:prstGeom prst="straightConnector1">
             <a:avLst/>
@@ -14748,7 +9204,7 @@
         </p:nvSpPr>
         <p:spPr>
           <a:xfrm>
-            <a:off x="3452007" y="3685297"/>
+            <a:off x="1133867" y="-26419"/>
             <a:ext cx="1023843" cy="369332"/>
           </a:xfrm>
           <a:prstGeom prst="rect">
@@ -14785,7 +9241,7 @@
         </p:nvCxnSpPr>
         <p:spPr>
           <a:xfrm flipV="1">
-            <a:off x="9542589" y="387669"/>
+            <a:off x="9451513" y="581272"/>
             <a:ext cx="715204" cy="1770131"/>
           </a:xfrm>
           <a:prstGeom prst="straightConnector1">
@@ -14830,7 +9286,7 @@
         </p:nvCxnSpPr>
         <p:spPr>
           <a:xfrm>
-            <a:off x="9542589" y="2157798"/>
+            <a:off x="9451513" y="2351401"/>
             <a:ext cx="2262061" cy="2015448"/>
           </a:xfrm>
           <a:prstGeom prst="straightConnector1">
@@ -14874,7 +9330,7 @@
         </p:nvCxnSpPr>
         <p:spPr>
           <a:xfrm flipH="1" flipV="1">
-            <a:off x="7585318" y="1466182"/>
+            <a:off x="7494242" y="1659785"/>
             <a:ext cx="1957272" cy="691617"/>
           </a:xfrm>
           <a:prstGeom prst="straightConnector1">
@@ -14918,7 +9374,7 @@
         </p:nvCxnSpPr>
         <p:spPr>
           <a:xfrm>
-            <a:off x="9542589" y="2157798"/>
+            <a:off x="9451513" y="2351401"/>
             <a:ext cx="589237" cy="1737751"/>
           </a:xfrm>
           <a:prstGeom prst="straightConnector1">
@@ -14963,7 +9419,7 @@
         </p:nvCxnSpPr>
         <p:spPr>
           <a:xfrm flipH="1" flipV="1">
-            <a:off x="7593580" y="2068285"/>
+            <a:off x="7502504" y="2261888"/>
             <a:ext cx="1949011" cy="89513"/>
           </a:xfrm>
           <a:prstGeom prst="line">
@@ -15008,7 +9464,7 @@
         </p:nvCxnSpPr>
         <p:spPr>
           <a:xfrm>
-            <a:off x="8057649" y="2085113"/>
+            <a:off x="7966573" y="2278716"/>
             <a:ext cx="2062690" cy="1800402"/>
           </a:xfrm>
           <a:prstGeom prst="straightConnector1">
@@ -15053,7 +9509,7 @@
         </p:nvCxnSpPr>
         <p:spPr>
           <a:xfrm flipH="1">
-            <a:off x="9236175" y="2157798"/>
+            <a:off x="9145099" y="2351401"/>
             <a:ext cx="306414" cy="684326"/>
           </a:xfrm>
           <a:prstGeom prst="line">
@@ -15097,7 +9553,7 @@
         </p:nvCxnSpPr>
         <p:spPr>
           <a:xfrm flipH="1">
-            <a:off x="8044543" y="1704571"/>
+            <a:off x="7953467" y="1898174"/>
             <a:ext cx="166634" cy="369718"/>
           </a:xfrm>
           <a:prstGeom prst="line">
@@ -15138,18 +9594,22 @@
             <a:graphicFrameLocks noChangeAspect="1"/>
           </p:cNvGraphicFramePr>
           <p:nvPr>
-            <p:extLst/>
+            <p:extLst>
+              <p:ext uri="{D42A27DB-BD31-4B8C-83A1-F6EECF244321}">
+                <p14:modId xmlns:p14="http://schemas.microsoft.com/office/powerpoint/2010/main" val="2298560627"/>
+              </p:ext>
+            </p:extLst>
           </p:nvPr>
         </p:nvGraphicFramePr>
         <p:xfrm>
-          <a:off x="7313242" y="1196405"/>
+          <a:off x="7222166" y="1390008"/>
           <a:ext cx="352425" cy="490538"/>
         </p:xfrm>
         <a:graphic>
           <a:graphicData uri="http://schemas.openxmlformats.org/presentationml/2006/ole">
             <mc:AlternateContent xmlns:mc="http://schemas.openxmlformats.org/markup-compatibility/2006">
               <mc:Choice xmlns:v="urn:schemas-microsoft-com:vml" Requires="v">
-                <p:oleObj spid="_x0000_s5357" name="Equation" r:id="rId3" imgW="126720" imgH="177480" progId="Equation.DSMT4">
+                <p:oleObj spid="_x0000_s5813" name="Equation" r:id="rId3" imgW="126720" imgH="177480" progId="Equation.DSMT4">
                   <p:embed/>
                 </p:oleObj>
               </mc:Choice>
@@ -15176,7 +9636,7 @@
                     </p:blipFill>
                     <p:spPr>
                       <a:xfrm>
-                        <a:off x="7313242" y="1196405"/>
+                        <a:off x="7222166" y="1390008"/>
                         <a:ext cx="352425" cy="490538"/>
                       </a:xfrm>
                       <a:prstGeom prst="rect">
@@ -15203,18 +9663,22 @@
             <a:graphicFrameLocks noChangeAspect="1"/>
           </p:cNvGraphicFramePr>
           <p:nvPr>
-            <p:extLst/>
+            <p:extLst>
+              <p:ext uri="{D42A27DB-BD31-4B8C-83A1-F6EECF244321}">
+                <p14:modId xmlns:p14="http://schemas.microsoft.com/office/powerpoint/2010/main" val="2655322653"/>
+              </p:ext>
+            </p:extLst>
           </p:nvPr>
         </p:nvGraphicFramePr>
         <p:xfrm>
-          <a:off x="10217265" y="-22327"/>
+          <a:off x="10126189" y="171276"/>
           <a:ext cx="352425" cy="455613"/>
         </p:xfrm>
         <a:graphic>
           <a:graphicData uri="http://schemas.openxmlformats.org/presentationml/2006/ole">
             <mc:AlternateContent xmlns:mc="http://schemas.openxmlformats.org/markup-compatibility/2006">
               <mc:Choice xmlns:v="urn:schemas-microsoft-com:vml" Requires="v">
-                <p:oleObj spid="_x0000_s5358" name="Equation" r:id="rId5" imgW="126720" imgH="164880" progId="Equation.DSMT4">
+                <p:oleObj spid="_x0000_s5814" name="Equation" r:id="rId5" imgW="126720" imgH="164880" progId="Equation.DSMT4">
                   <p:embed/>
                 </p:oleObj>
               </mc:Choice>
@@ -15241,7 +9705,7 @@
                     </p:blipFill>
                     <p:spPr>
                       <a:xfrm>
-                        <a:off x="10217265" y="-22327"/>
+                        <a:off x="10126189" y="171276"/>
                         <a:ext cx="352425" cy="455613"/>
                       </a:xfrm>
                       <a:prstGeom prst="rect">
@@ -15268,18 +9732,22 @@
             <a:graphicFrameLocks noChangeAspect="1"/>
           </p:cNvGraphicFramePr>
           <p:nvPr>
-            <p:extLst/>
+            <p:extLst>
+              <p:ext uri="{D42A27DB-BD31-4B8C-83A1-F6EECF244321}">
+                <p14:modId xmlns:p14="http://schemas.microsoft.com/office/powerpoint/2010/main" val="9584574"/>
+              </p:ext>
+            </p:extLst>
           </p:nvPr>
         </p:nvGraphicFramePr>
         <p:xfrm>
-          <a:off x="11804650" y="3892259"/>
+          <a:off x="11713574" y="4085862"/>
           <a:ext cx="387350" cy="561975"/>
         </p:xfrm>
         <a:graphic>
           <a:graphicData uri="http://schemas.openxmlformats.org/presentationml/2006/ole">
             <mc:AlternateContent xmlns:mc="http://schemas.openxmlformats.org/markup-compatibility/2006">
               <mc:Choice xmlns:v="urn:schemas-microsoft-com:vml" Requires="v">
-                <p:oleObj spid="_x0000_s5359" name="Equation" r:id="rId7" imgW="139680" imgH="203040" progId="Equation.DSMT4">
+                <p:oleObj spid="_x0000_s5815" name="Equation" r:id="rId7" imgW="139680" imgH="203040" progId="Equation.DSMT4">
                   <p:embed/>
                 </p:oleObj>
               </mc:Choice>
@@ -15306,7 +9774,7 @@
                     </p:blipFill>
                     <p:spPr>
                       <a:xfrm>
-                        <a:off x="11804650" y="3892259"/>
+                        <a:off x="11713574" y="4085862"/>
                         <a:ext cx="387350" cy="561975"/>
                       </a:xfrm>
                       <a:prstGeom prst="rect">
@@ -15333,18 +9801,22 @@
             <a:graphicFrameLocks noChangeAspect="1"/>
           </p:cNvGraphicFramePr>
           <p:nvPr>
-            <p:extLst/>
+            <p:extLst>
+              <p:ext uri="{D42A27DB-BD31-4B8C-83A1-F6EECF244321}">
+                <p14:modId xmlns:p14="http://schemas.microsoft.com/office/powerpoint/2010/main" val="1417004728"/>
+              </p:ext>
+            </p:extLst>
           </p:nvPr>
         </p:nvGraphicFramePr>
         <p:xfrm>
-          <a:off x="10192234" y="472670"/>
+          <a:off x="10351220" y="361478"/>
           <a:ext cx="419100" cy="561975"/>
         </p:xfrm>
         <a:graphic>
           <a:graphicData uri="http://schemas.openxmlformats.org/presentationml/2006/ole">
             <mc:AlternateContent xmlns:mc="http://schemas.openxmlformats.org/markup-compatibility/2006">
               <mc:Choice xmlns:v="urn:schemas-microsoft-com:vml" Requires="v">
-                <p:oleObj spid="_x0000_s5360" name="Equation" r:id="rId9" imgW="152280" imgH="203040" progId="Equation.DSMT4">
+                <p:oleObj spid="_x0000_s5816" name="Equation" r:id="rId9" imgW="152280" imgH="203040" progId="Equation.DSMT4">
                   <p:embed/>
                 </p:oleObj>
               </mc:Choice>
@@ -15371,7 +9843,7 @@
                     </p:blipFill>
                     <p:spPr>
                       <a:xfrm>
-                        <a:off x="10192234" y="472670"/>
+                        <a:off x="10351220" y="361478"/>
                         <a:ext cx="419100" cy="561975"/>
                       </a:xfrm>
                       <a:prstGeom prst="rect">
@@ -15401,7 +9873,7 @@
         </p:nvCxnSpPr>
         <p:spPr>
           <a:xfrm flipV="1">
-            <a:off x="10153378" y="409583"/>
+            <a:off x="10276582" y="326950"/>
             <a:ext cx="230602" cy="549728"/>
           </a:xfrm>
           <a:prstGeom prst="straightConnector1">
@@ -15443,7 +9915,7 @@
         </p:nvSpPr>
         <p:spPr>
           <a:xfrm rot="14495290">
-            <a:off x="8502974" y="1961431"/>
+            <a:off x="8411898" y="2155034"/>
             <a:ext cx="544589" cy="214001"/>
           </a:xfrm>
           <a:prstGeom prst="arc">
@@ -15494,7 +9966,7 @@
         </p:nvSpPr>
         <p:spPr>
           <a:xfrm rot="9723436">
-            <a:off x="8854125" y="1400960"/>
+            <a:off x="8763049" y="1594563"/>
             <a:ext cx="1234593" cy="1086452"/>
           </a:xfrm>
           <a:prstGeom prst="arc">
@@ -15544,18 +10016,22 @@
             <a:graphicFrameLocks noChangeAspect="1"/>
           </p:cNvGraphicFramePr>
           <p:nvPr>
-            <p:extLst/>
+            <p:extLst>
+              <p:ext uri="{D42A27DB-BD31-4B8C-83A1-F6EECF244321}">
+                <p14:modId xmlns:p14="http://schemas.microsoft.com/office/powerpoint/2010/main" val="3871071512"/>
+              </p:ext>
+            </p:extLst>
           </p:nvPr>
         </p:nvGraphicFramePr>
         <p:xfrm>
-          <a:off x="9496670" y="2741397"/>
+          <a:off x="9405594" y="2935000"/>
           <a:ext cx="384175" cy="631825"/>
         </p:xfrm>
         <a:graphic>
           <a:graphicData uri="http://schemas.openxmlformats.org/presentationml/2006/ole">
             <mc:AlternateContent xmlns:mc="http://schemas.openxmlformats.org/markup-compatibility/2006">
               <mc:Choice xmlns:v="urn:schemas-microsoft-com:vml" Requires="v">
-                <p:oleObj spid="_x0000_s5361" name="Equation" r:id="rId30" imgW="139680" imgH="228600" progId="Equation.DSMT4">
+                <p:oleObj spid="_x0000_s5817" name="Equation" r:id="rId30" imgW="139680" imgH="228600" progId="Equation.DSMT4">
                   <p:embed/>
                 </p:oleObj>
               </mc:Choice>
@@ -15582,7 +10058,7 @@
                     </p:blipFill>
                     <p:spPr>
                       <a:xfrm>
-                        <a:off x="9496670" y="2741397"/>
+                        <a:off x="9405594" y="2935000"/>
                         <a:ext cx="384175" cy="631825"/>
                       </a:xfrm>
                       <a:prstGeom prst="rect">
@@ -15609,18 +10085,22 @@
             <a:graphicFrameLocks noChangeAspect="1"/>
           </p:cNvGraphicFramePr>
           <p:nvPr>
-            <p:extLst/>
+            <p:extLst>
+              <p:ext uri="{D42A27DB-BD31-4B8C-83A1-F6EECF244321}">
+                <p14:modId xmlns:p14="http://schemas.microsoft.com/office/powerpoint/2010/main" val="2336815243"/>
+              </p:ext>
+            </p:extLst>
           </p:nvPr>
         </p:nvGraphicFramePr>
         <p:xfrm>
-          <a:off x="9063831" y="2130075"/>
+          <a:off x="8972755" y="2323678"/>
           <a:ext cx="423863" cy="455613"/>
         </p:xfrm>
         <a:graphic>
           <a:graphicData uri="http://schemas.openxmlformats.org/presentationml/2006/ole">
             <mc:AlternateContent xmlns:mc="http://schemas.openxmlformats.org/markup-compatibility/2006">
               <mc:Choice xmlns:v="urn:schemas-microsoft-com:vml" Requires="v">
-                <p:oleObj spid="_x0000_s5362" name="Equation" r:id="rId31" imgW="152280" imgH="164880" progId="Equation.DSMT4">
+                <p:oleObj spid="_x0000_s5818" name="Equation" r:id="rId31" imgW="152280" imgH="164880" progId="Equation.DSMT4">
                   <p:embed/>
                 </p:oleObj>
               </mc:Choice>
@@ -15647,7 +10127,7 @@
                     </p:blipFill>
                     <p:spPr>
                       <a:xfrm>
-                        <a:off x="9063831" y="2130075"/>
+                        <a:off x="8972755" y="2323678"/>
                         <a:ext cx="423863" cy="455613"/>
                       </a:xfrm>
                       <a:prstGeom prst="rect">
@@ -15674,18 +10154,22 @@
             <a:graphicFrameLocks noChangeAspect="1"/>
           </p:cNvGraphicFramePr>
           <p:nvPr>
-            <p:extLst/>
+            <p:extLst>
+              <p:ext uri="{D42A27DB-BD31-4B8C-83A1-F6EECF244321}">
+                <p14:modId xmlns:p14="http://schemas.microsoft.com/office/powerpoint/2010/main" val="2187710708"/>
+              </p:ext>
+            </p:extLst>
           </p:nvPr>
         </p:nvGraphicFramePr>
         <p:xfrm>
-          <a:off x="8320594" y="1786090"/>
+          <a:off x="8229518" y="1979693"/>
           <a:ext cx="352425" cy="385762"/>
         </p:xfrm>
         <a:graphic>
           <a:graphicData uri="http://schemas.openxmlformats.org/presentationml/2006/ole">
             <mc:AlternateContent xmlns:mc="http://schemas.openxmlformats.org/markup-compatibility/2006">
               <mc:Choice xmlns:v="urn:schemas-microsoft-com:vml" Requires="v">
-                <p:oleObj spid="_x0000_s5363" name="Equation" r:id="rId32" imgW="126720" imgH="139680" progId="Equation.DSMT4">
+                <p:oleObj spid="_x0000_s5819" name="Equation" r:id="rId32" imgW="126720" imgH="139680" progId="Equation.DSMT4">
                   <p:embed/>
                 </p:oleObj>
               </mc:Choice>
@@ -15712,7 +10196,7 @@
                     </p:blipFill>
                     <p:spPr>
                       <a:xfrm>
-                        <a:off x="8320594" y="1786090"/>
+                        <a:off x="8229518" y="1979693"/>
                         <a:ext cx="352425" cy="385762"/>
                       </a:xfrm>
                       <a:prstGeom prst="rect">
@@ -15739,18 +10223,22 @@
             <a:graphicFrameLocks noChangeAspect="1"/>
           </p:cNvGraphicFramePr>
           <p:nvPr>
-            <p:extLst/>
+            <p:extLst>
+              <p:ext uri="{D42A27DB-BD31-4B8C-83A1-F6EECF244321}">
+                <p14:modId xmlns:p14="http://schemas.microsoft.com/office/powerpoint/2010/main" val="3962417370"/>
+              </p:ext>
+            </p:extLst>
           </p:nvPr>
         </p:nvGraphicFramePr>
         <p:xfrm>
-          <a:off x="8221646" y="1301267"/>
+          <a:off x="8130570" y="1494870"/>
           <a:ext cx="561975" cy="455612"/>
         </p:xfrm>
         <a:graphic>
           <a:graphicData uri="http://schemas.openxmlformats.org/presentationml/2006/ole">
             <mc:AlternateContent xmlns:mc="http://schemas.openxmlformats.org/markup-compatibility/2006">
               <mc:Choice xmlns:v="urn:schemas-microsoft-com:vml" Requires="v">
-                <p:oleObj spid="_x0000_s5364" name="Equation" r:id="rId33" imgW="203040" imgH="164880" progId="Equation.DSMT4">
+                <p:oleObj spid="_x0000_s5820" name="Equation" r:id="rId33" imgW="203040" imgH="164880" progId="Equation.DSMT4">
                   <p:embed/>
                 </p:oleObj>
               </mc:Choice>
@@ -15777,7 +10265,7 @@
                     </p:blipFill>
                     <p:spPr>
                       <a:xfrm>
-                        <a:off x="8221646" y="1301267"/>
+                        <a:off x="8130570" y="1494870"/>
                         <a:ext cx="561975" cy="455612"/>
                       </a:xfrm>
                       <a:prstGeom prst="rect">
@@ -15806,20 +10294,20 @@
           <p:nvPr>
             <p:extLst>
               <p:ext uri="{D42A27DB-BD31-4B8C-83A1-F6EECF244321}">
-                <p14:modId xmlns:p14="http://schemas.microsoft.com/office/powerpoint/2010/main" val="2285763654"/>
+                <p14:modId xmlns:p14="http://schemas.microsoft.com/office/powerpoint/2010/main" val="2324631705"/>
               </p:ext>
             </p:extLst>
           </p:nvPr>
         </p:nvGraphicFramePr>
         <p:xfrm>
-          <a:off x="7621005" y="2080359"/>
+          <a:off x="7640140" y="2305712"/>
           <a:ext cx="493713" cy="455612"/>
         </p:xfrm>
         <a:graphic>
           <a:graphicData uri="http://schemas.openxmlformats.org/presentationml/2006/ole">
             <mc:AlternateContent xmlns:mc="http://schemas.openxmlformats.org/markup-compatibility/2006">
               <mc:Choice xmlns:v="urn:schemas-microsoft-com:vml" Requires="v">
-                <p:oleObj spid="_x0000_s5365" name="Equation" r:id="rId34" imgW="177480" imgH="164880" progId="Equation.DSMT4">
+                <p:oleObj spid="_x0000_s5821" name="Equation" r:id="rId34" imgW="177480" imgH="164880" progId="Equation.DSMT4">
                   <p:embed/>
                 </p:oleObj>
               </mc:Choice>
@@ -15846,7 +10334,7 @@
                     </p:blipFill>
                     <p:spPr>
                       <a:xfrm>
-                        <a:off x="7621005" y="2080359"/>
+                        <a:off x="7640140" y="2305712"/>
                         <a:ext cx="493713" cy="455612"/>
                       </a:xfrm>
                       <a:prstGeom prst="rect">
@@ -15873,23 +10361,27 @@
             <a:graphicFrameLocks noChangeAspect="1"/>
           </p:cNvGraphicFramePr>
           <p:nvPr>
-            <p:extLst/>
+            <p:extLst>
+              <p:ext uri="{D42A27DB-BD31-4B8C-83A1-F6EECF244321}">
+                <p14:modId xmlns:p14="http://schemas.microsoft.com/office/powerpoint/2010/main" val="170254881"/>
+              </p:ext>
+            </p:extLst>
           </p:nvPr>
         </p:nvGraphicFramePr>
         <p:xfrm>
-          <a:off x="9725632" y="3780886"/>
-          <a:ext cx="422275" cy="455612"/>
+          <a:off x="9616487" y="3887716"/>
+          <a:ext cx="457200" cy="631825"/>
         </p:xfrm>
         <a:graphic>
           <a:graphicData uri="http://schemas.openxmlformats.org/presentationml/2006/ole">
             <mc:AlternateContent xmlns:mc="http://schemas.openxmlformats.org/markup-compatibility/2006">
               <mc:Choice xmlns:v="urn:schemas-microsoft-com:vml" Requires="v">
-                <p:oleObj spid="_x0000_s5366" name="Equation" r:id="rId35" imgW="152280" imgH="164880" progId="Equation.DSMT4">
+                <p:oleObj spid="_x0000_s5822" name="Equation" r:id="rId35" imgW="164880" imgH="228600" progId="Equation.DSMT4">
                   <p:embed/>
                 </p:oleObj>
               </mc:Choice>
               <mc:Fallback>
-                <p:oleObj name="Equation" r:id="rId35" imgW="152280" imgH="164880" progId="Equation.DSMT4">
+                <p:oleObj name="Equation" r:id="rId35" imgW="164880" imgH="228600" progId="Equation.DSMT4">
                   <p:embed/>
                   <p:pic>
                     <p:nvPicPr>
@@ -15904,15 +10396,15 @@
                       <p:nvPr/>
                     </p:nvPicPr>
                     <p:blipFill>
-                      <a:blip r:embed="rId22"/>
+                      <a:blip r:embed="rId36"/>
                       <a:stretch>
                         <a:fillRect/>
                       </a:stretch>
                     </p:blipFill>
                     <p:spPr>
                       <a:xfrm>
-                        <a:off x="9725632" y="3780886"/>
-                        <a:ext cx="422275" cy="455612"/>
+                        <a:off x="9616487" y="3887716"/>
+                        <a:ext cx="457200" cy="631825"/>
                       </a:xfrm>
                       <a:prstGeom prst="rect">
                         <a:avLst/>
@@ -15938,23 +10430,27 @@
             <a:graphicFrameLocks noChangeAspect="1"/>
           </p:cNvGraphicFramePr>
           <p:nvPr>
-            <p:extLst/>
+            <p:extLst>
+              <p:ext uri="{D42A27DB-BD31-4B8C-83A1-F6EECF244321}">
+                <p14:modId xmlns:p14="http://schemas.microsoft.com/office/powerpoint/2010/main" val="1606968395"/>
+              </p:ext>
+            </p:extLst>
           </p:nvPr>
         </p:nvGraphicFramePr>
         <p:xfrm>
-          <a:off x="9543225" y="1825303"/>
+          <a:off x="9452149" y="2018906"/>
           <a:ext cx="422275" cy="490538"/>
         </p:xfrm>
         <a:graphic>
           <a:graphicData uri="http://schemas.openxmlformats.org/presentationml/2006/ole">
             <mc:AlternateContent xmlns:mc="http://schemas.openxmlformats.org/markup-compatibility/2006">
               <mc:Choice xmlns:v="urn:schemas-microsoft-com:vml" Requires="v">
-                <p:oleObj spid="_x0000_s5367" name="Equation" r:id="rId36" imgW="152280" imgH="177480" progId="Equation.DSMT4">
+                <p:oleObj spid="_x0000_s5823" name="Equation" r:id="rId37" imgW="152280" imgH="177480" progId="Equation.DSMT4">
                   <p:embed/>
                 </p:oleObj>
               </mc:Choice>
               <mc:Fallback>
-                <p:oleObj name="Equation" r:id="rId36" imgW="152280" imgH="177480" progId="Equation.DSMT4">
+                <p:oleObj name="Equation" r:id="rId37" imgW="152280" imgH="177480" progId="Equation.DSMT4">
                   <p:embed/>
                   <p:pic>
                     <p:nvPicPr>
@@ -15976,7 +10472,7 @@
                     </p:blipFill>
                     <p:spPr>
                       <a:xfrm>
-                        <a:off x="9543225" y="1825303"/>
+                        <a:off x="9452149" y="2018906"/>
                         <a:ext cx="422275" cy="490538"/>
                       </a:xfrm>
                       <a:prstGeom prst="rect">
@@ -16006,7 +10502,7 @@
         </p:nvCxnSpPr>
         <p:spPr>
           <a:xfrm flipH="1" flipV="1">
-            <a:off x="9519858" y="1001756"/>
+            <a:off x="9428782" y="1195359"/>
             <a:ext cx="11845" cy="1177814"/>
           </a:xfrm>
           <a:prstGeom prst="straightConnector1">
@@ -16048,7 +10544,7 @@
         </p:nvSpPr>
         <p:spPr>
           <a:xfrm rot="21313928">
-            <a:off x="9262339" y="1188302"/>
+            <a:off x="9171263" y="1381905"/>
             <a:ext cx="541398" cy="652080"/>
           </a:xfrm>
           <a:prstGeom prst="arc">
@@ -16095,23 +10591,27 @@
             <a:graphicFrameLocks noChangeAspect="1"/>
           </p:cNvGraphicFramePr>
           <p:nvPr>
-            <p:extLst/>
+            <p:extLst>
+              <p:ext uri="{D42A27DB-BD31-4B8C-83A1-F6EECF244321}">
+                <p14:modId xmlns:p14="http://schemas.microsoft.com/office/powerpoint/2010/main" val="420965566"/>
+              </p:ext>
+            </p:extLst>
           </p:nvPr>
         </p:nvGraphicFramePr>
         <p:xfrm>
-          <a:off x="9570977" y="917806"/>
+          <a:off x="9479901" y="1111409"/>
           <a:ext cx="352425" cy="385762"/>
         </p:xfrm>
         <a:graphic>
           <a:graphicData uri="http://schemas.openxmlformats.org/presentationml/2006/ole">
             <mc:AlternateContent xmlns:mc="http://schemas.openxmlformats.org/markup-compatibility/2006">
               <mc:Choice xmlns:v="urn:schemas-microsoft-com:vml" Requires="v">
-                <p:oleObj spid="_x0000_s5368" name="Equation" r:id="rId37" imgW="126720" imgH="139680" progId="Equation.DSMT4">
+                <p:oleObj spid="_x0000_s5824" name="Equation" r:id="rId38" imgW="126720" imgH="139680" progId="Equation.DSMT4">
                   <p:embed/>
                 </p:oleObj>
               </mc:Choice>
               <mc:Fallback>
-                <p:oleObj name="Equation" r:id="rId37" imgW="126720" imgH="139680" progId="Equation.DSMT4">
+                <p:oleObj name="Equation" r:id="rId38" imgW="126720" imgH="139680" progId="Equation.DSMT4">
                   <p:embed/>
                   <p:pic>
                     <p:nvPicPr>
@@ -16133,7 +10633,7 @@
                     </p:blipFill>
                     <p:spPr>
                       <a:xfrm>
-                        <a:off x="9570977" y="917806"/>
+                        <a:off x="9479901" y="1111409"/>
                         <a:ext cx="352425" cy="385762"/>
                       </a:xfrm>
                       <a:prstGeom prst="rect">
@@ -16160,23 +10660,27 @@
             <a:graphicFrameLocks noChangeAspect="1"/>
           </p:cNvGraphicFramePr>
           <p:nvPr>
-            <p:extLst/>
+            <p:extLst>
+              <p:ext uri="{D42A27DB-BD31-4B8C-83A1-F6EECF244321}">
+                <p14:modId xmlns:p14="http://schemas.microsoft.com/office/powerpoint/2010/main" val="3072156078"/>
+              </p:ext>
+            </p:extLst>
           </p:nvPr>
         </p:nvGraphicFramePr>
         <p:xfrm>
-          <a:off x="9397368" y="476112"/>
+          <a:off x="9306292" y="669715"/>
           <a:ext cx="384175" cy="560388"/>
         </p:xfrm>
         <a:graphic>
           <a:graphicData uri="http://schemas.openxmlformats.org/presentationml/2006/ole">
             <mc:AlternateContent xmlns:mc="http://schemas.openxmlformats.org/markup-compatibility/2006">
               <mc:Choice xmlns:v="urn:schemas-microsoft-com:vml" Requires="v">
-                <p:oleObj spid="_x0000_s5369" name="Equation" r:id="rId38" imgW="139680" imgH="203040" progId="Equation.DSMT4">
+                <p:oleObj spid="_x0000_s5825" name="Equation" r:id="rId39" imgW="139680" imgH="203040" progId="Equation.DSMT4">
                   <p:embed/>
                 </p:oleObj>
               </mc:Choice>
               <mc:Fallback>
-                <p:oleObj name="Equation" r:id="rId38" imgW="139680" imgH="203040" progId="Equation.DSMT4">
+                <p:oleObj name="Equation" r:id="rId39" imgW="139680" imgH="203040" progId="Equation.DSMT4">
                   <p:embed/>
                   <p:pic>
                     <p:nvPicPr>
@@ -16198,7 +10702,7 @@
                     </p:blipFill>
                     <p:spPr>
                       <a:xfrm>
-                        <a:off x="9397368" y="476112"/>
+                        <a:off x="9306292" y="669715"/>
                         <a:ext cx="384175" cy="560388"/>
                       </a:xfrm>
                       <a:prstGeom prst="rect">
@@ -16225,23 +10729,27 @@
             <a:graphicFrameLocks noChangeAspect="1"/>
           </p:cNvGraphicFramePr>
           <p:nvPr>
-            <p:extLst/>
+            <p:extLst>
+              <p:ext uri="{D42A27DB-BD31-4B8C-83A1-F6EECF244321}">
+                <p14:modId xmlns:p14="http://schemas.microsoft.com/office/powerpoint/2010/main" val="4152613792"/>
+              </p:ext>
+            </p:extLst>
           </p:nvPr>
         </p:nvGraphicFramePr>
         <p:xfrm>
-          <a:off x="11544188" y="3539101"/>
+          <a:off x="11453112" y="3732704"/>
           <a:ext cx="596900" cy="455612"/>
         </p:xfrm>
         <a:graphic>
           <a:graphicData uri="http://schemas.openxmlformats.org/presentationml/2006/ole">
             <mc:AlternateContent xmlns:mc="http://schemas.openxmlformats.org/markup-compatibility/2006">
               <mc:Choice xmlns:v="urn:schemas-microsoft-com:vml" Requires="v">
-                <p:oleObj spid="_x0000_s5370" name="Equation" r:id="rId39" imgW="215640" imgH="164880" progId="Equation.DSMT4">
+                <p:oleObj spid="_x0000_s5826" name="Equation" r:id="rId40" imgW="215640" imgH="164880" progId="Equation.DSMT4">
                   <p:embed/>
                 </p:oleObj>
               </mc:Choice>
               <mc:Fallback>
-                <p:oleObj name="Equation" r:id="rId39" imgW="215640" imgH="164880" progId="Equation.DSMT4">
+                <p:oleObj name="Equation" r:id="rId40" imgW="215640" imgH="164880" progId="Equation.DSMT4">
                   <p:embed/>
                   <p:pic>
                     <p:nvPicPr>
@@ -16263,7 +10771,7 @@
                     </p:blipFill>
                     <p:spPr>
                       <a:xfrm>
-                        <a:off x="11544188" y="3539101"/>
+                        <a:off x="11453112" y="3732704"/>
                         <a:ext cx="596900" cy="455612"/>
                       </a:xfrm>
                       <a:prstGeom prst="rect">
@@ -16293,8 +10801,8 @@
         </p:nvCxnSpPr>
         <p:spPr>
           <a:xfrm flipH="1" flipV="1">
-            <a:off x="10107905" y="107374"/>
-            <a:ext cx="13467" cy="4082288"/>
+            <a:off x="10025743" y="936171"/>
+            <a:ext cx="4554" cy="3447094"/>
           </a:xfrm>
           <a:prstGeom prst="straightConnector1">
             <a:avLst/>
@@ -16335,7 +10843,7 @@
         </p:nvSpPr>
         <p:spPr>
           <a:xfrm>
-            <a:off x="10058535" y="1641128"/>
+            <a:off x="9303308" y="18380"/>
             <a:ext cx="1023843" cy="369332"/>
           </a:xfrm>
           <a:prstGeom prst="rect">
@@ -16372,7 +10880,7 @@
         </p:nvCxnSpPr>
         <p:spPr>
           <a:xfrm flipH="1" flipV="1">
-            <a:off x="10115586" y="3892259"/>
+            <a:off x="10024510" y="4085862"/>
             <a:ext cx="1461431" cy="86738"/>
           </a:xfrm>
           <a:prstGeom prst="line">
@@ -16417,7 +10925,7 @@
         </p:nvCxnSpPr>
         <p:spPr>
           <a:xfrm flipH="1" flipV="1">
-            <a:off x="10126498" y="3415575"/>
+            <a:off x="10035422" y="3609178"/>
             <a:ext cx="1490268" cy="589446"/>
           </a:xfrm>
           <a:prstGeom prst="straightConnector1">
@@ -16460,23 +10968,27 @@
             <a:graphicFrameLocks noChangeAspect="1"/>
           </p:cNvGraphicFramePr>
           <p:nvPr>
-            <p:extLst/>
+            <p:extLst>
+              <p:ext uri="{D42A27DB-BD31-4B8C-83A1-F6EECF244321}">
+                <p14:modId xmlns:p14="http://schemas.microsoft.com/office/powerpoint/2010/main" val="3692347798"/>
+              </p:ext>
+            </p:extLst>
           </p:nvPr>
         </p:nvGraphicFramePr>
         <p:xfrm>
-          <a:off x="3204686" y="55362"/>
-          <a:ext cx="4046537" cy="2032000"/>
+          <a:off x="3115809" y="55563"/>
+          <a:ext cx="4116387" cy="2032000"/>
         </p:xfrm>
         <a:graphic>
           <a:graphicData uri="http://schemas.openxmlformats.org/presentationml/2006/ole">
             <mc:AlternateContent xmlns:mc="http://schemas.openxmlformats.org/markup-compatibility/2006">
               <mc:Choice xmlns:v="urn:schemas-microsoft-com:vml" Requires="v">
-                <p:oleObj spid="_x0000_s5371" name="Equation" r:id="rId40" imgW="1460160" imgH="736560" progId="Equation.DSMT4">
+                <p:oleObj spid="_x0000_s5827" name="Equation" r:id="rId41" imgW="1485720" imgH="736560" progId="Equation.DSMT4">
                   <p:embed/>
                 </p:oleObj>
               </mc:Choice>
               <mc:Fallback>
-                <p:oleObj name="Equation" r:id="rId40" imgW="1460160" imgH="736560" progId="Equation.DSMT4">
+                <p:oleObj name="Equation" r:id="rId41" imgW="1485720" imgH="736560" progId="Equation.DSMT4">
                   <p:embed/>
                   <p:pic>
                     <p:nvPicPr>
@@ -16491,15 +11003,15 @@
                       <p:nvPr/>
                     </p:nvPicPr>
                     <p:blipFill>
-                      <a:blip r:embed="rId41"/>
+                      <a:blip r:embed="rId42"/>
                       <a:stretch>
                         <a:fillRect/>
                       </a:stretch>
                     </p:blipFill>
                     <p:spPr>
                       <a:xfrm>
-                        <a:off x="3204686" y="55362"/>
-                        <a:ext cx="4046537" cy="2032000"/>
+                        <a:off x="3115809" y="55563"/>
+                        <a:ext cx="4116387" cy="2032000"/>
                       </a:xfrm>
                       <a:prstGeom prst="rect">
                         <a:avLst/>
@@ -16530,7 +11042,11 @@
             <a:graphicFrameLocks noChangeAspect="1"/>
           </p:cNvGraphicFramePr>
           <p:nvPr>
-            <p:extLst/>
+            <p:extLst>
+              <p:ext uri="{D42A27DB-BD31-4B8C-83A1-F6EECF244321}">
+                <p14:modId xmlns:p14="http://schemas.microsoft.com/office/powerpoint/2010/main" val="1966038427"/>
+              </p:ext>
+            </p:extLst>
           </p:nvPr>
         </p:nvGraphicFramePr>
         <p:xfrm>
@@ -16541,12 +11057,12 @@
           <a:graphicData uri="http://schemas.openxmlformats.org/presentationml/2006/ole">
             <mc:AlternateContent xmlns:mc="http://schemas.openxmlformats.org/markup-compatibility/2006">
               <mc:Choice xmlns:v="urn:schemas-microsoft-com:vml" Requires="v">
-                <p:oleObj spid="_x0000_s5372" name="Equation" r:id="rId42" imgW="2019240" imgH="711000" progId="Equation.DSMT4">
+                <p:oleObj spid="_x0000_s5828" name="Equation" r:id="rId43" imgW="2019240" imgH="711000" progId="Equation.DSMT4">
                   <p:embed/>
                 </p:oleObj>
               </mc:Choice>
               <mc:Fallback>
-                <p:oleObj name="Equation" r:id="rId42" imgW="2019240" imgH="711000" progId="Equation.DSMT4">
+                <p:oleObj name="Equation" r:id="rId43" imgW="2019240" imgH="711000" progId="Equation.DSMT4">
                   <p:embed/>
                   <p:pic>
                     <p:nvPicPr>
@@ -16561,7 +11077,7 @@
                       <p:nvPr/>
                     </p:nvPicPr>
                     <p:blipFill>
-                      <a:blip r:embed="rId43"/>
+                      <a:blip r:embed="rId44"/>
                       <a:stretch>
                         <a:fillRect/>
                       </a:stretch>
@@ -16601,7 +11117,7 @@
         </p:nvSpPr>
         <p:spPr>
           <a:xfrm>
-            <a:off x="5227955" y="2510663"/>
+            <a:off x="5238990" y="2858275"/>
             <a:ext cx="2656177" cy="484632"/>
           </a:xfrm>
           <a:prstGeom prst="rightArrow">
@@ -16652,7 +11168,7 @@
         </p:nvSpPr>
         <p:spPr>
           <a:xfrm>
-            <a:off x="6205403" y="2556731"/>
+            <a:off x="6216438" y="2904343"/>
             <a:ext cx="386644" cy="369332"/>
           </a:xfrm>
           <a:prstGeom prst="rect">
@@ -16741,7 +11257,7 @@
         </p:nvSpPr>
         <p:spPr>
           <a:xfrm rot="3430891">
-            <a:off x="9829699" y="2201511"/>
+            <a:off x="9738623" y="2395114"/>
             <a:ext cx="914400" cy="914400"/>
           </a:xfrm>
           <a:prstGeom prst="arc">
@@ -16796,25 +11312,25 @@
           <p:nvPr>
             <p:extLst>
               <p:ext uri="{D42A27DB-BD31-4B8C-83A1-F6EECF244321}">
-                <p14:modId xmlns:p14="http://schemas.microsoft.com/office/powerpoint/2010/main" val="1834651375"/>
+                <p14:modId xmlns:p14="http://schemas.microsoft.com/office/powerpoint/2010/main" val="2862451175"/>
               </p:ext>
             </p:extLst>
           </p:nvPr>
         </p:nvGraphicFramePr>
         <p:xfrm>
-          <a:off x="10308334" y="3005109"/>
+          <a:off x="10217258" y="3198712"/>
           <a:ext cx="349250" cy="490538"/>
         </p:xfrm>
         <a:graphic>
           <a:graphicData uri="http://schemas.openxmlformats.org/presentationml/2006/ole">
             <mc:AlternateContent xmlns:mc="http://schemas.openxmlformats.org/markup-compatibility/2006">
               <mc:Choice xmlns:v="urn:schemas-microsoft-com:vml" Requires="v">
-                <p:oleObj spid="_x0000_s5373" name="Equation" r:id="rId44" imgW="126720" imgH="177480" progId="Equation.DSMT4">
+                <p:oleObj spid="_x0000_s5829" name="Equation" r:id="rId45" imgW="126720" imgH="177480" progId="Equation.DSMT4">
                   <p:embed/>
                 </p:oleObj>
               </mc:Choice>
               <mc:Fallback>
-                <p:oleObj name="Equation" r:id="rId44" imgW="126720" imgH="177480" progId="Equation.DSMT4">
+                <p:oleObj name="Equation" r:id="rId45" imgW="126720" imgH="177480" progId="Equation.DSMT4">
                   <p:embed/>
                   <p:pic>
                     <p:nvPicPr>
@@ -16829,14 +11345,14 @@
                       <p:nvPr/>
                     </p:nvPicPr>
                     <p:blipFill>
-                      <a:blip r:embed="rId45"/>
+                      <a:blip r:embed="rId46"/>
                       <a:stretch>
                         <a:fillRect/>
                       </a:stretch>
                     </p:blipFill>
                     <p:spPr>
                       <a:xfrm>
-                        <a:off x="10308334" y="3005109"/>
+                        <a:off x="10217258" y="3198712"/>
                         <a:ext cx="349250" cy="490538"/>
                       </a:xfrm>
                       <a:prstGeom prst="rect">
@@ -16878,12 +11394,12 @@
           <a:graphicData uri="http://schemas.openxmlformats.org/presentationml/2006/ole">
             <mc:AlternateContent xmlns:mc="http://schemas.openxmlformats.org/markup-compatibility/2006">
               <mc:Choice xmlns:v="urn:schemas-microsoft-com:vml" Requires="v">
-                <p:oleObj spid="_x0000_s5374" name="Equation" r:id="rId46" imgW="126720" imgH="177480" progId="Equation.DSMT4">
+                <p:oleObj spid="_x0000_s5830" name="Equation" r:id="rId47" imgW="126720" imgH="177480" progId="Equation.DSMT4">
                   <p:embed/>
                 </p:oleObj>
               </mc:Choice>
               <mc:Fallback>
-                <p:oleObj name="Equation" r:id="rId46" imgW="126720" imgH="177480" progId="Equation.DSMT4">
+                <p:oleObj name="Equation" r:id="rId47" imgW="126720" imgH="177480" progId="Equation.DSMT4">
                   <p:embed/>
                   <p:pic>
                     <p:nvPicPr>
@@ -16898,7 +11414,7 @@
                       <p:nvPr/>
                     </p:nvPicPr>
                     <p:blipFill>
-                      <a:blip r:embed="rId47"/>
+                      <a:blip r:embed="rId48"/>
                       <a:stretch>
                         <a:fillRect/>
                       </a:stretch>
@@ -16980,7 +11496,7 @@
         </p:nvCxnSpPr>
         <p:spPr>
           <a:xfrm>
-            <a:off x="9525975" y="2153110"/>
+            <a:off x="9434899" y="2346713"/>
             <a:ext cx="615809" cy="1311382"/>
           </a:xfrm>
           <a:prstGeom prst="straightConnector1">
@@ -17025,7 +11541,7 @@
         </p:nvCxnSpPr>
         <p:spPr>
           <a:xfrm>
-            <a:off x="8046759" y="1613329"/>
+            <a:off x="7955683" y="1806932"/>
             <a:ext cx="25032" cy="507871"/>
           </a:xfrm>
           <a:prstGeom prst="line">
@@ -17066,23 +11582,27 @@
             <a:graphicFrameLocks noChangeAspect="1"/>
           </p:cNvGraphicFramePr>
           <p:nvPr>
-            <p:extLst/>
+            <p:extLst>
+              <p:ext uri="{D42A27DB-BD31-4B8C-83A1-F6EECF244321}">
+                <p14:modId xmlns:p14="http://schemas.microsoft.com/office/powerpoint/2010/main" val="427512373"/>
+              </p:ext>
+            </p:extLst>
           </p:nvPr>
         </p:nvGraphicFramePr>
         <p:xfrm>
-          <a:off x="7895163" y="1124640"/>
+          <a:off x="7804087" y="1318243"/>
           <a:ext cx="422275" cy="527050"/>
         </p:xfrm>
         <a:graphic>
           <a:graphicData uri="http://schemas.openxmlformats.org/presentationml/2006/ole">
             <mc:AlternateContent xmlns:mc="http://schemas.openxmlformats.org/markup-compatibility/2006">
               <mc:Choice xmlns:v="urn:schemas-microsoft-com:vml" Requires="v">
-                <p:oleObj spid="_x0000_s5375" name="Equation" r:id="rId48" imgW="152280" imgH="190440" progId="Equation.DSMT4">
+                <p:oleObj spid="_x0000_s5831" name="Equation" r:id="rId49" imgW="152280" imgH="190440" progId="Equation.DSMT4">
                   <p:embed/>
                 </p:oleObj>
               </mc:Choice>
               <mc:Fallback>
-                <p:oleObj name="Equation" r:id="rId48" imgW="152280" imgH="190440" progId="Equation.DSMT4">
+                <p:oleObj name="Equation" r:id="rId49" imgW="152280" imgH="190440" progId="Equation.DSMT4">
                   <p:embed/>
                   <p:pic>
                     <p:nvPicPr>
@@ -17097,14 +11617,14 @@
                       <p:nvPr/>
                     </p:nvPicPr>
                     <p:blipFill>
-                      <a:blip r:embed="rId49"/>
+                      <a:blip r:embed="rId50"/>
                       <a:stretch>
                         <a:fillRect/>
                       </a:stretch>
                     </p:blipFill>
                     <p:spPr>
                       <a:xfrm>
-                        <a:off x="7895163" y="1124640"/>
+                        <a:off x="7804087" y="1318243"/>
                         <a:ext cx="422275" cy="527050"/>
                       </a:xfrm>
                       <a:prstGeom prst="rect">
@@ -17131,23 +11651,27 @@
             <a:graphicFrameLocks noChangeAspect="1"/>
           </p:cNvGraphicFramePr>
           <p:nvPr>
-            <p:extLst/>
+            <p:extLst>
+              <p:ext uri="{D42A27DB-BD31-4B8C-83A1-F6EECF244321}">
+                <p14:modId xmlns:p14="http://schemas.microsoft.com/office/powerpoint/2010/main" val="4201976251"/>
+              </p:ext>
+            </p:extLst>
           </p:nvPr>
         </p:nvGraphicFramePr>
         <p:xfrm>
-          <a:off x="5760024" y="4575288"/>
-          <a:ext cx="6332538" cy="1331912"/>
+          <a:off x="5794777" y="4596470"/>
+          <a:ext cx="6226175" cy="1752600"/>
         </p:xfrm>
         <a:graphic>
           <a:graphicData uri="http://schemas.openxmlformats.org/presentationml/2006/ole">
             <mc:AlternateContent xmlns:mc="http://schemas.openxmlformats.org/markup-compatibility/2006">
               <mc:Choice xmlns:v="urn:schemas-microsoft-com:vml" Requires="v">
-                <p:oleObj spid="_x0000_s5376" name="Equation" r:id="rId50" imgW="2286000" imgH="482400" progId="Equation.DSMT4">
+                <p:oleObj spid="_x0000_s5832" name="Equation" r:id="rId51" imgW="2247840" imgH="634680" progId="Equation.DSMT4">
                   <p:embed/>
                 </p:oleObj>
               </mc:Choice>
               <mc:Fallback>
-                <p:oleObj name="Equation" r:id="rId50" imgW="2286000" imgH="482400" progId="Equation.DSMT4">
+                <p:oleObj name="Equation" r:id="rId51" imgW="2247840" imgH="634680" progId="Equation.DSMT4">
                   <p:embed/>
                   <p:pic>
                     <p:nvPicPr>
@@ -17162,15 +11686,15 @@
                       <p:nvPr/>
                     </p:nvPicPr>
                     <p:blipFill>
-                      <a:blip r:embed="rId51"/>
+                      <a:blip r:embed="rId52"/>
                       <a:stretch>
                         <a:fillRect/>
                       </a:stretch>
                     </p:blipFill>
                     <p:spPr>
                       <a:xfrm>
-                        <a:off x="5760024" y="4575288"/>
-                        <a:ext cx="6332538" cy="1331912"/>
+                        <a:off x="5794777" y="4596470"/>
+                        <a:ext cx="6226175" cy="1752600"/>
                       </a:xfrm>
                       <a:prstGeom prst="rect">
                         <a:avLst/>
@@ -17216,12 +11740,12 @@
           <a:graphicData uri="http://schemas.openxmlformats.org/presentationml/2006/ole">
             <mc:AlternateContent xmlns:mc="http://schemas.openxmlformats.org/markup-compatibility/2006">
               <mc:Choice xmlns:v="urn:schemas-microsoft-com:vml" Requires="v">
-                <p:oleObj spid="_x0000_s5377" name="Equation" r:id="rId52" imgW="139680" imgH="215640" progId="Equation.DSMT4">
+                <p:oleObj spid="_x0000_s5833" name="Equation" r:id="rId53" imgW="139680" imgH="215640" progId="Equation.DSMT4">
                   <p:embed/>
                 </p:oleObj>
               </mc:Choice>
               <mc:Fallback>
-                <p:oleObj name="Equation" r:id="rId52" imgW="139680" imgH="215640" progId="Equation.DSMT4">
+                <p:oleObj name="Equation" r:id="rId53" imgW="139680" imgH="215640" progId="Equation.DSMT4">
                   <p:embed/>
                   <p:pic>
                     <p:nvPicPr>
@@ -17236,7 +11760,7 @@
                       <p:nvPr/>
                     </p:nvPicPr>
                     <p:blipFill>
-                      <a:blip r:embed="rId53"/>
+                      <a:blip r:embed="rId54"/>
                       <a:stretch>
                         <a:fillRect/>
                       </a:stretch>
@@ -17272,25 +11796,25 @@
           <p:nvPr>
             <p:extLst>
               <p:ext uri="{D42A27DB-BD31-4B8C-83A1-F6EECF244321}">
-                <p14:modId xmlns:p14="http://schemas.microsoft.com/office/powerpoint/2010/main" val="2690473594"/>
+                <p14:modId xmlns:p14="http://schemas.microsoft.com/office/powerpoint/2010/main" val="3883790416"/>
               </p:ext>
             </p:extLst>
           </p:nvPr>
         </p:nvGraphicFramePr>
         <p:xfrm>
-          <a:off x="9781543" y="2303901"/>
+          <a:off x="9690467" y="2497504"/>
           <a:ext cx="384175" cy="596900"/>
         </p:xfrm>
         <a:graphic>
           <a:graphicData uri="http://schemas.openxmlformats.org/presentationml/2006/ole">
             <mc:AlternateContent xmlns:mc="http://schemas.openxmlformats.org/markup-compatibility/2006">
               <mc:Choice xmlns:v="urn:schemas-microsoft-com:vml" Requires="v">
-                <p:oleObj spid="_x0000_s5378" name="Equation" r:id="rId54" imgW="139680" imgH="215640" progId="Equation.DSMT4">
+                <p:oleObj spid="_x0000_s5834" name="Equation" r:id="rId55" imgW="139680" imgH="215640" progId="Equation.DSMT4">
                   <p:embed/>
                 </p:oleObj>
               </mc:Choice>
               <mc:Fallback>
-                <p:oleObj name="Equation" r:id="rId54" imgW="139680" imgH="215640" progId="Equation.DSMT4">
+                <p:oleObj name="Equation" r:id="rId55" imgW="139680" imgH="215640" progId="Equation.DSMT4">
                   <p:embed/>
                   <p:pic>
                     <p:nvPicPr>
@@ -17305,14 +11829,14 @@
                       <p:nvPr/>
                     </p:nvPicPr>
                     <p:blipFill>
-                      <a:blip r:embed="rId55"/>
+                      <a:blip r:embed="rId56"/>
                       <a:stretch>
                         <a:fillRect/>
                       </a:stretch>
                     </p:blipFill>
                     <p:spPr>
                       <a:xfrm>
-                        <a:off x="9781543" y="2303901"/>
+                        <a:off x="9690467" y="2497504"/>
                         <a:ext cx="384175" cy="596900"/>
                       </a:xfrm>
                       <a:prstGeom prst="rect">
@@ -17340,7 +11864,7 @@
         </p:nvSpPr>
         <p:spPr>
           <a:xfrm>
-            <a:off x="7251223" y="6185292"/>
+            <a:off x="7720637" y="6431672"/>
             <a:ext cx="3369913" cy="369332"/>
           </a:xfrm>
           <a:prstGeom prst="rect">
@@ -17383,8 +11907,8 @@
         </p:nvCxnSpPr>
         <p:spPr>
           <a:xfrm flipV="1">
-            <a:off x="8936180" y="5691071"/>
-            <a:ext cx="535241" cy="494221"/>
+            <a:off x="9405594" y="6143261"/>
+            <a:ext cx="333231" cy="288411"/>
           </a:xfrm>
           <a:prstGeom prst="line">
             <a:avLst/>
@@ -17425,7 +11949,7 @@
         </p:nvCxnSpPr>
         <p:spPr>
           <a:xfrm>
-            <a:off x="8221646" y="2235799"/>
+            <a:off x="8130570" y="2429402"/>
             <a:ext cx="234057" cy="18377"/>
           </a:xfrm>
           <a:prstGeom prst="line">
@@ -17463,8 +11987,8 @@
         </p:nvCxnSpPr>
         <p:spPr>
           <a:xfrm flipH="1" flipV="1">
-            <a:off x="8207829" y="2068286"/>
-            <a:ext cx="239093" cy="185891"/>
+            <a:off x="8175171" y="2296886"/>
+            <a:ext cx="180676" cy="150895"/>
           </a:xfrm>
           <a:prstGeom prst="line">
             <a:avLst/>
@@ -17499,7 +12023,7 @@
         </p:nvCxnSpPr>
         <p:spPr>
           <a:xfrm flipV="1">
-            <a:off x="10036629" y="3396343"/>
+            <a:off x="9945553" y="3589946"/>
             <a:ext cx="0" cy="185057"/>
           </a:xfrm>
           <a:prstGeom prst="line">
@@ -17540,7 +12064,7 @@
         </p:nvCxnSpPr>
         <p:spPr>
           <a:xfrm>
-            <a:off x="10025743" y="3396343"/>
+            <a:off x="9934667" y="3589946"/>
             <a:ext cx="108857" cy="195943"/>
           </a:xfrm>
           <a:prstGeom prst="line">
@@ -17551,83 +12075,6 @@
               <a:srgbClr val="FF0000"/>
             </a:solidFill>
           </a:ln>
-        </p:spPr>
-        <p:style>
-          <a:lnRef idx="1">
-            <a:schemeClr val="accent1"/>
-          </a:lnRef>
-          <a:fillRef idx="0">
-            <a:schemeClr val="accent1"/>
-          </a:fillRef>
-          <a:effectRef idx="0">
-            <a:schemeClr val="accent1"/>
-          </a:effectRef>
-          <a:fontRef idx="minor">
-            <a:schemeClr val="tx1"/>
-          </a:fontRef>
-        </p:style>
-      </p:cxnSp>
-      <p:cxnSp>
-        <p:nvCxnSpPr>
-          <p:cNvPr id="194" name="Straight Connector 193">
-            <a:extLst>
-              <a:ext uri="{FF2B5EF4-FFF2-40B4-BE49-F238E27FC236}">
-                <a16:creationId xmlns:a16="http://schemas.microsoft.com/office/drawing/2014/main" id="{14D7E079-99AA-4D05-A9F2-5545CA60C078}"/>
-              </a:ext>
-            </a:extLst>
-          </p:cNvPr>
-          <p:cNvCxnSpPr/>
-          <p:nvPr/>
-        </p:nvCxnSpPr>
-        <p:spPr>
-          <a:xfrm>
-            <a:off x="10058535" y="3256675"/>
-            <a:ext cx="391632" cy="167254"/>
-          </a:xfrm>
-          <a:prstGeom prst="line">
-            <a:avLst/>
-          </a:prstGeom>
-          <a:ln>
-            <a:solidFill>
-              <a:srgbClr val="FF0000"/>
-            </a:solidFill>
-          </a:ln>
-        </p:spPr>
-        <p:style>
-          <a:lnRef idx="1">
-            <a:schemeClr val="accent1"/>
-          </a:lnRef>
-          <a:fillRef idx="0">
-            <a:schemeClr val="accent1"/>
-          </a:fillRef>
-          <a:effectRef idx="0">
-            <a:schemeClr val="accent1"/>
-          </a:effectRef>
-          <a:fontRef idx="minor">
-            <a:schemeClr val="tx1"/>
-          </a:fontRef>
-        </p:style>
-      </p:cxnSp>
-      <p:cxnSp>
-        <p:nvCxnSpPr>
-          <p:cNvPr id="196" name="Straight Connector 195">
-            <a:extLst>
-              <a:ext uri="{FF2B5EF4-FFF2-40B4-BE49-F238E27FC236}">
-                <a16:creationId xmlns:a16="http://schemas.microsoft.com/office/drawing/2014/main" id="{4A160C0E-EF5B-4EBB-BCF7-C45D89A74C64}"/>
-              </a:ext>
-            </a:extLst>
-          </p:cNvPr>
-          <p:cNvCxnSpPr/>
-          <p:nvPr/>
-        </p:nvCxnSpPr>
-        <p:spPr>
-          <a:xfrm>
-            <a:off x="10447507" y="3420315"/>
-            <a:ext cx="112710" cy="181555"/>
-          </a:xfrm>
-          <a:prstGeom prst="line">
-            <a:avLst/>
-          </a:prstGeom>
         </p:spPr>
         <p:style>
           <a:lnRef idx="1">
@@ -17720,10 +12167,10 @@
       </p:cxnSp>
       <p:cxnSp>
         <p:nvCxnSpPr>
-          <p:cNvPr id="207" name="Straight Connector 206">
-            <a:extLst>
-              <a:ext uri="{FF2B5EF4-FFF2-40B4-BE49-F238E27FC236}">
-                <a16:creationId xmlns:a16="http://schemas.microsoft.com/office/drawing/2014/main" id="{40C79D49-95D3-4937-B850-62EC4418742F}"/>
+          <p:cNvPr id="8" name="Straight Connector 7">
+            <a:extLst>
+              <a:ext uri="{FF2B5EF4-FFF2-40B4-BE49-F238E27FC236}">
+                <a16:creationId xmlns:a16="http://schemas.microsoft.com/office/drawing/2014/main" id="{0D20430C-9E63-45CC-873D-AA6FF61DA5B6}"/>
               </a:ext>
             </a:extLst>
           </p:cNvPr>
@@ -17731,85 +12178,8 @@
           <p:nvPr/>
         </p:nvCxnSpPr>
         <p:spPr>
-          <a:xfrm flipV="1">
-            <a:off x="2947321" y="2779291"/>
-            <a:ext cx="257365" cy="62833"/>
-          </a:xfrm>
-          <a:prstGeom prst="line">
-            <a:avLst/>
-          </a:prstGeom>
-          <a:ln>
-            <a:solidFill>
-              <a:srgbClr val="FF0000"/>
-            </a:solidFill>
-          </a:ln>
-        </p:spPr>
-        <p:style>
-          <a:lnRef idx="1">
-            <a:schemeClr val="accent1"/>
-          </a:lnRef>
-          <a:fillRef idx="0">
-            <a:schemeClr val="accent1"/>
-          </a:fillRef>
-          <a:effectRef idx="0">
-            <a:schemeClr val="accent1"/>
-          </a:effectRef>
-          <a:fontRef idx="minor">
-            <a:schemeClr val="tx1"/>
-          </a:fontRef>
-        </p:style>
-      </p:cxnSp>
-      <p:cxnSp>
-        <p:nvCxnSpPr>
-          <p:cNvPr id="209" name="Straight Connector 208">
-            <a:extLst>
-              <a:ext uri="{FF2B5EF4-FFF2-40B4-BE49-F238E27FC236}">
-                <a16:creationId xmlns:a16="http://schemas.microsoft.com/office/drawing/2014/main" id="{0E94D8CC-46CD-43FA-AAAE-15A63013232F}"/>
-              </a:ext>
-            </a:extLst>
-          </p:cNvPr>
-          <p:cNvCxnSpPr/>
-          <p:nvPr/>
-        </p:nvCxnSpPr>
-        <p:spPr>
           <a:xfrm>
-            <a:off x="3190969" y="2786227"/>
-            <a:ext cx="130560" cy="235109"/>
-          </a:xfrm>
-          <a:prstGeom prst="line">
-            <a:avLst/>
-          </a:prstGeom>
-        </p:spPr>
-        <p:style>
-          <a:lnRef idx="1">
-            <a:schemeClr val="accent1"/>
-          </a:lnRef>
-          <a:fillRef idx="0">
-            <a:schemeClr val="accent1"/>
-          </a:fillRef>
-          <a:effectRef idx="0">
-            <a:schemeClr val="accent1"/>
-          </a:effectRef>
-          <a:fontRef idx="minor">
-            <a:schemeClr val="tx1"/>
-          </a:fontRef>
-        </p:style>
-      </p:cxnSp>
-      <p:cxnSp>
-        <p:nvCxnSpPr>
-          <p:cNvPr id="8" name="Straight Connector 7">
-            <a:extLst>
-              <a:ext uri="{FF2B5EF4-FFF2-40B4-BE49-F238E27FC236}">
-                <a16:creationId xmlns:a16="http://schemas.microsoft.com/office/drawing/2014/main" id="{0D20430C-9E63-45CC-873D-AA6FF61DA5B6}"/>
-              </a:ext>
-            </a:extLst>
-          </p:cNvPr>
-          <p:cNvCxnSpPr/>
-          <p:nvPr/>
-        </p:nvCxnSpPr>
-        <p:spPr>
-          <a:xfrm>
-            <a:off x="8057649" y="1626144"/>
+            <a:off x="7966573" y="1819747"/>
             <a:ext cx="2063723" cy="1802856"/>
           </a:xfrm>
           <a:prstGeom prst="line">
@@ -17903,12 +12273,12 @@
           <a:graphicData uri="http://schemas.openxmlformats.org/presentationml/2006/ole">
             <mc:AlternateContent xmlns:mc="http://schemas.openxmlformats.org/markup-compatibility/2006">
               <mc:Choice xmlns:v="urn:schemas-microsoft-com:vml" Requires="v">
-                <p:oleObj spid="_x0000_s5379" name="Equation" r:id="rId56" imgW="152280" imgH="190440" progId="Equation.DSMT4">
+                <p:oleObj spid="_x0000_s5835" name="Equation" r:id="rId57" imgW="152280" imgH="190440" progId="Equation.DSMT4">
                   <p:embed/>
                 </p:oleObj>
               </mc:Choice>
               <mc:Fallback>
-                <p:oleObj name="Equation" r:id="rId56" imgW="152280" imgH="190440" progId="Equation.DSMT4">
+                <p:oleObj name="Equation" r:id="rId57" imgW="152280" imgH="190440" progId="Equation.DSMT4">
                   <p:embed/>
                   <p:pic>
                     <p:nvPicPr>
@@ -17923,7 +12293,7 @@
                       <p:nvPr/>
                     </p:nvPicPr>
                     <p:blipFill>
-                      <a:blip r:embed="rId49"/>
+                      <a:blip r:embed="rId50"/>
                       <a:stretch>
                         <a:fillRect/>
                       </a:stretch>
@@ -17944,42 +12314,6 @@
           </a:graphicData>
         </a:graphic>
       </p:graphicFrame>
-      <p:cxnSp>
-        <p:nvCxnSpPr>
-          <p:cNvPr id="34" name="Straight Connector 33">
-            <a:extLst>
-              <a:ext uri="{FF2B5EF4-FFF2-40B4-BE49-F238E27FC236}">
-                <a16:creationId xmlns:a16="http://schemas.microsoft.com/office/drawing/2014/main" id="{147A4605-2D4B-4792-AE48-7E29F3044294}"/>
-              </a:ext>
-            </a:extLst>
-          </p:cNvPr>
-          <p:cNvCxnSpPr/>
-          <p:nvPr/>
-        </p:nvCxnSpPr>
-        <p:spPr>
-          <a:xfrm>
-            <a:off x="1337362" y="3958300"/>
-            <a:ext cx="914400" cy="914400"/>
-          </a:xfrm>
-          <a:prstGeom prst="line">
-            <a:avLst/>
-          </a:prstGeom>
-        </p:spPr>
-        <p:style>
-          <a:lnRef idx="1">
-            <a:schemeClr val="accent1"/>
-          </a:lnRef>
-          <a:fillRef idx="0">
-            <a:schemeClr val="accent1"/>
-          </a:fillRef>
-          <a:effectRef idx="0">
-            <a:schemeClr val="accent1"/>
-          </a:effectRef>
-          <a:fontRef idx="minor">
-            <a:schemeClr val="tx1"/>
-          </a:fontRef>
-        </p:style>
-      </p:cxnSp>
       <p:cxnSp>
         <p:nvCxnSpPr>
           <p:cNvPr id="36" name="Straight Connector 35">
@@ -18143,7 +12477,7 @@
         </p:nvSpPr>
         <p:spPr>
           <a:xfrm>
-            <a:off x="8000700" y="2047400"/>
+            <a:off x="7909624" y="2241003"/>
             <a:ext cx="94315" cy="105444"/>
           </a:xfrm>
           <a:prstGeom prst="ellipse">
@@ -18197,7 +12531,7 @@
         </p:nvSpPr>
         <p:spPr>
           <a:xfrm>
-            <a:off x="8186584" y="1656189"/>
+            <a:off x="8095508" y="1849792"/>
             <a:ext cx="94315" cy="105444"/>
           </a:xfrm>
           <a:prstGeom prst="ellipse">
@@ -18251,7 +12585,7 @@
         </p:nvSpPr>
         <p:spPr>
           <a:xfrm>
-            <a:off x="8000700" y="1588193"/>
+            <a:off x="7909624" y="1781796"/>
             <a:ext cx="94315" cy="105444"/>
           </a:xfrm>
           <a:prstGeom prst="ellipse">
@@ -18359,7 +12693,7 @@
         </p:nvSpPr>
         <p:spPr>
           <a:xfrm>
-            <a:off x="9480720" y="2112469"/>
+            <a:off x="9389644" y="2306072"/>
             <a:ext cx="94315" cy="105444"/>
           </a:xfrm>
           <a:prstGeom prst="ellipse">
@@ -18413,7 +12747,7 @@
         </p:nvSpPr>
         <p:spPr>
           <a:xfrm>
-            <a:off x="11539156" y="3920895"/>
+            <a:off x="11448080" y="4114498"/>
             <a:ext cx="94315" cy="105444"/>
           </a:xfrm>
           <a:prstGeom prst="ellipse">
@@ -18683,7 +13017,7 @@
         </p:nvSpPr>
         <p:spPr>
           <a:xfrm>
-            <a:off x="10080335" y="3385810"/>
+            <a:off x="9989259" y="3579413"/>
             <a:ext cx="94315" cy="105444"/>
           </a:xfrm>
           <a:prstGeom prst="ellipse">
@@ -18737,7 +13071,7 @@
         </p:nvSpPr>
         <p:spPr>
           <a:xfrm>
-            <a:off x="10069817" y="3855741"/>
+            <a:off x="9978741" y="4049344"/>
             <a:ext cx="94315" cy="105444"/>
           </a:xfrm>
           <a:prstGeom prst="ellipse">
@@ -18793,7 +13127,7 @@
         </p:nvCxnSpPr>
         <p:spPr>
           <a:xfrm flipH="1" flipV="1">
-            <a:off x="9451798" y="1932557"/>
+            <a:off x="9360722" y="2126160"/>
             <a:ext cx="171173" cy="59529"/>
           </a:xfrm>
           <a:prstGeom prst="line">
@@ -18829,7 +13163,7 @@
         </p:nvCxnSpPr>
         <p:spPr>
           <a:xfrm flipH="1">
-            <a:off x="9405257" y="1932557"/>
+            <a:off x="9314181" y="2126160"/>
             <a:ext cx="46540" cy="157500"/>
           </a:xfrm>
           <a:prstGeom prst="line">
@@ -18865,7 +13199,7 @@
         </p:nvCxnSpPr>
         <p:spPr>
           <a:xfrm flipH="1">
-            <a:off x="9296400" y="1811990"/>
+            <a:off x="9205324" y="2005593"/>
             <a:ext cx="231477" cy="5924"/>
           </a:xfrm>
           <a:prstGeom prst="line">
@@ -18901,7 +13235,7 @@
         </p:nvCxnSpPr>
         <p:spPr>
           <a:xfrm>
-            <a:off x="9295495" y="1818645"/>
+            <a:off x="9204419" y="2012248"/>
             <a:ext cx="905" cy="325841"/>
           </a:xfrm>
           <a:prstGeom prst="line">
@@ -19055,6 +13389,764 @@
           <a:xfrm flipV="1">
             <a:off x="1813018" y="1491343"/>
             <a:ext cx="233496" cy="119743"/>
+          </a:xfrm>
+          <a:prstGeom prst="line">
+            <a:avLst/>
+          </a:prstGeom>
+        </p:spPr>
+        <p:style>
+          <a:lnRef idx="1">
+            <a:schemeClr val="accent1"/>
+          </a:lnRef>
+          <a:fillRef idx="0">
+            <a:schemeClr val="accent1"/>
+          </a:fillRef>
+          <a:effectRef idx="0">
+            <a:schemeClr val="accent1"/>
+          </a:effectRef>
+          <a:fontRef idx="minor">
+            <a:schemeClr val="tx1"/>
+          </a:fontRef>
+        </p:style>
+      </p:cxnSp>
+      <p:graphicFrame>
+        <p:nvGraphicFramePr>
+          <p:cNvPr id="118" name="Object 117">
+            <a:extLst>
+              <a:ext uri="{FF2B5EF4-FFF2-40B4-BE49-F238E27FC236}">
+                <a16:creationId xmlns:a16="http://schemas.microsoft.com/office/drawing/2014/main" id="{D23615EF-C3A1-43FC-955E-26D36540B430}"/>
+              </a:ext>
+            </a:extLst>
+          </p:cNvPr>
+          <p:cNvGraphicFramePr>
+            <a:graphicFrameLocks noChangeAspect="1"/>
+          </p:cNvGraphicFramePr>
+          <p:nvPr>
+            <p:extLst>
+              <p:ext uri="{D42A27DB-BD31-4B8C-83A1-F6EECF244321}">
+                <p14:modId xmlns:p14="http://schemas.microsoft.com/office/powerpoint/2010/main" val="3619051771"/>
+              </p:ext>
+            </p:extLst>
+          </p:nvPr>
+        </p:nvGraphicFramePr>
+        <p:xfrm>
+          <a:off x="9628717" y="533060"/>
+          <a:ext cx="422275" cy="630237"/>
+        </p:xfrm>
+        <a:graphic>
+          <a:graphicData uri="http://schemas.openxmlformats.org/presentationml/2006/ole">
+            <mc:AlternateContent xmlns:mc="http://schemas.openxmlformats.org/markup-compatibility/2006">
+              <mc:Choice xmlns:v="urn:schemas-microsoft-com:vml" Requires="v">
+                <p:oleObj spid="_x0000_s5836" name="Equation" r:id="rId58" imgW="152280" imgH="228600" progId="Equation.DSMT4">
+                  <p:embed/>
+                </p:oleObj>
+              </mc:Choice>
+              <mc:Fallback>
+                <p:oleObj name="Equation" r:id="rId58" imgW="152280" imgH="228600" progId="Equation.DSMT4">
+                  <p:embed/>
+                  <p:pic>
+                    <p:nvPicPr>
+                      <p:cNvPr id="25" name="Object 24">
+                        <a:extLst>
+                          <a:ext uri="{FF2B5EF4-FFF2-40B4-BE49-F238E27FC236}">
+                            <a16:creationId xmlns:a16="http://schemas.microsoft.com/office/drawing/2014/main" id="{6F9E7BFD-4316-4004-8F9C-D51ECFFDBF09}"/>
+                          </a:ext>
+                        </a:extLst>
+                      </p:cNvPr>
+                      <p:cNvPicPr/>
+                      <p:nvPr/>
+                    </p:nvPicPr>
+                    <p:blipFill>
+                      <a:blip r:embed="rId59"/>
+                      <a:stretch>
+                        <a:fillRect/>
+                      </a:stretch>
+                    </p:blipFill>
+                    <p:spPr>
+                      <a:xfrm>
+                        <a:off x="9628717" y="533060"/>
+                        <a:ext cx="422275" cy="630237"/>
+                      </a:xfrm>
+                      <a:prstGeom prst="rect">
+                        <a:avLst/>
+                      </a:prstGeom>
+                    </p:spPr>
+                  </p:pic>
+                </p:oleObj>
+              </mc:Fallback>
+            </mc:AlternateContent>
+          </a:graphicData>
+        </a:graphic>
+      </p:graphicFrame>
+      <p:graphicFrame>
+        <p:nvGraphicFramePr>
+          <p:cNvPr id="119" name="Object 118">
+            <a:extLst>
+              <a:ext uri="{FF2B5EF4-FFF2-40B4-BE49-F238E27FC236}">
+                <a16:creationId xmlns:a16="http://schemas.microsoft.com/office/drawing/2014/main" id="{3C526EFD-FEF2-4E76-B971-E45BE8C11FEB}"/>
+              </a:ext>
+            </a:extLst>
+          </p:cNvPr>
+          <p:cNvGraphicFramePr>
+            <a:graphicFrameLocks noChangeAspect="1"/>
+          </p:cNvGraphicFramePr>
+          <p:nvPr>
+            <p:extLst>
+              <p:ext uri="{D42A27DB-BD31-4B8C-83A1-F6EECF244321}">
+                <p14:modId xmlns:p14="http://schemas.microsoft.com/office/powerpoint/2010/main" val="3459425128"/>
+              </p:ext>
+            </p:extLst>
+          </p:nvPr>
+        </p:nvGraphicFramePr>
+        <p:xfrm>
+          <a:off x="2166550" y="686626"/>
+          <a:ext cx="422275" cy="630237"/>
+        </p:xfrm>
+        <a:graphic>
+          <a:graphicData uri="http://schemas.openxmlformats.org/presentationml/2006/ole">
+            <mc:AlternateContent xmlns:mc="http://schemas.openxmlformats.org/markup-compatibility/2006">
+              <mc:Choice xmlns:v="urn:schemas-microsoft-com:vml" Requires="v">
+                <p:oleObj spid="_x0000_s5837" name="Equation" r:id="rId60" imgW="152280" imgH="228600" progId="Equation.DSMT4">
+                  <p:embed/>
+                </p:oleObj>
+              </mc:Choice>
+              <mc:Fallback>
+                <p:oleObj name="Equation" r:id="rId60" imgW="152280" imgH="228600" progId="Equation.DSMT4">
+                  <p:embed/>
+                  <p:pic>
+                    <p:nvPicPr>
+                      <p:cNvPr id="118" name="Object 117">
+                        <a:extLst>
+                          <a:ext uri="{FF2B5EF4-FFF2-40B4-BE49-F238E27FC236}">
+                            <a16:creationId xmlns:a16="http://schemas.microsoft.com/office/drawing/2014/main" id="{D23615EF-C3A1-43FC-955E-26D36540B430}"/>
+                          </a:ext>
+                        </a:extLst>
+                      </p:cNvPr>
+                      <p:cNvPicPr/>
+                      <p:nvPr/>
+                    </p:nvPicPr>
+                    <p:blipFill>
+                      <a:blip r:embed="rId61"/>
+                      <a:stretch>
+                        <a:fillRect/>
+                      </a:stretch>
+                    </p:blipFill>
+                    <p:spPr>
+                      <a:xfrm>
+                        <a:off x="2166550" y="686626"/>
+                        <a:ext cx="422275" cy="630237"/>
+                      </a:xfrm>
+                      <a:prstGeom prst="rect">
+                        <a:avLst/>
+                      </a:prstGeom>
+                    </p:spPr>
+                  </p:pic>
+                </p:oleObj>
+              </mc:Fallback>
+            </mc:AlternateContent>
+          </a:graphicData>
+        </a:graphic>
+      </p:graphicFrame>
+      <p:sp>
+        <p:nvSpPr>
+          <p:cNvPr id="120" name="Oval 119">
+            <a:extLst>
+              <a:ext uri="{FF2B5EF4-FFF2-40B4-BE49-F238E27FC236}">
+                <a16:creationId xmlns:a16="http://schemas.microsoft.com/office/drawing/2014/main" id="{3FBD5148-88E7-4EF4-BBD7-6DB87B80DACD}"/>
+              </a:ext>
+            </a:extLst>
+          </p:cNvPr>
+          <p:cNvSpPr/>
+          <p:nvPr/>
+        </p:nvSpPr>
+        <p:spPr>
+          <a:xfrm>
+            <a:off x="2122898" y="1034417"/>
+            <a:ext cx="94315" cy="105444"/>
+          </a:xfrm>
+          <a:prstGeom prst="ellipse">
+            <a:avLst/>
+          </a:prstGeom>
+          <a:solidFill>
+            <a:schemeClr val="tx1"/>
+          </a:solidFill>
+          <a:ln>
+            <a:solidFill>
+              <a:schemeClr val="tx1"/>
+            </a:solidFill>
+          </a:ln>
+        </p:spPr>
+        <p:style>
+          <a:lnRef idx="2">
+            <a:schemeClr val="accent1">
+              <a:shade val="50000"/>
+            </a:schemeClr>
+          </a:lnRef>
+          <a:fillRef idx="1">
+            <a:schemeClr val="accent1"/>
+          </a:fillRef>
+          <a:effectRef idx="0">
+            <a:schemeClr val="accent1"/>
+          </a:effectRef>
+          <a:fontRef idx="minor">
+            <a:schemeClr val="lt1"/>
+          </a:fontRef>
+        </p:style>
+        <p:txBody>
+          <a:bodyPr rtlCol="0" anchor="ctr"/>
+          <a:lstStyle/>
+          <a:p>
+            <a:pPr algn="ctr"/>
+            <a:endParaRPr lang="en-US"/>
+          </a:p>
+        </p:txBody>
+      </p:sp>
+      <p:sp>
+        <p:nvSpPr>
+          <p:cNvPr id="121" name="Oval 120">
+            <a:extLst>
+              <a:ext uri="{FF2B5EF4-FFF2-40B4-BE49-F238E27FC236}">
+                <a16:creationId xmlns:a16="http://schemas.microsoft.com/office/drawing/2014/main" id="{38661EC4-77D7-407E-8DEC-681FF039C7FF}"/>
+              </a:ext>
+            </a:extLst>
+          </p:cNvPr>
+          <p:cNvSpPr/>
+          <p:nvPr/>
+        </p:nvSpPr>
+        <p:spPr>
+          <a:xfrm>
+            <a:off x="9967459" y="889435"/>
+            <a:ext cx="94315" cy="105444"/>
+          </a:xfrm>
+          <a:prstGeom prst="ellipse">
+            <a:avLst/>
+          </a:prstGeom>
+          <a:solidFill>
+            <a:schemeClr val="tx1"/>
+          </a:solidFill>
+          <a:ln>
+            <a:solidFill>
+              <a:schemeClr val="tx1"/>
+            </a:solidFill>
+          </a:ln>
+        </p:spPr>
+        <p:style>
+          <a:lnRef idx="2">
+            <a:schemeClr val="accent1">
+              <a:shade val="50000"/>
+            </a:schemeClr>
+          </a:lnRef>
+          <a:fillRef idx="1">
+            <a:schemeClr val="accent1"/>
+          </a:fillRef>
+          <a:effectRef idx="0">
+            <a:schemeClr val="accent1"/>
+          </a:effectRef>
+          <a:fontRef idx="minor">
+            <a:schemeClr val="lt1"/>
+          </a:fontRef>
+        </p:style>
+        <p:txBody>
+          <a:bodyPr rtlCol="0" anchor="ctr"/>
+          <a:lstStyle/>
+          <a:p>
+            <a:pPr algn="ctr"/>
+            <a:endParaRPr lang="en-US"/>
+          </a:p>
+        </p:txBody>
+      </p:sp>
+      <p:graphicFrame>
+        <p:nvGraphicFramePr>
+          <p:cNvPr id="122" name="Object 121">
+            <a:extLst>
+              <a:ext uri="{FF2B5EF4-FFF2-40B4-BE49-F238E27FC236}">
+                <a16:creationId xmlns:a16="http://schemas.microsoft.com/office/drawing/2014/main" id="{57F9327F-86B4-4502-A46D-B5E7D4C02E5B}"/>
+              </a:ext>
+            </a:extLst>
+          </p:cNvPr>
+          <p:cNvGraphicFramePr>
+            <a:graphicFrameLocks noChangeAspect="1"/>
+          </p:cNvGraphicFramePr>
+          <p:nvPr>
+            <p:extLst>
+              <p:ext uri="{D42A27DB-BD31-4B8C-83A1-F6EECF244321}">
+                <p14:modId xmlns:p14="http://schemas.microsoft.com/office/powerpoint/2010/main" val="2634542585"/>
+              </p:ext>
+            </p:extLst>
+          </p:nvPr>
+        </p:nvGraphicFramePr>
+        <p:xfrm>
+          <a:off x="9998626" y="1806379"/>
+          <a:ext cx="349250" cy="631825"/>
+        </p:xfrm>
+        <a:graphic>
+          <a:graphicData uri="http://schemas.openxmlformats.org/presentationml/2006/ole">
+            <mc:AlternateContent xmlns:mc="http://schemas.openxmlformats.org/markup-compatibility/2006">
+              <mc:Choice xmlns:v="urn:schemas-microsoft-com:vml" Requires="v">
+                <p:oleObj spid="_x0000_s5838" name="Equation" r:id="rId62" imgW="126720" imgH="228600" progId="Equation.DSMT4">
+                  <p:embed/>
+                </p:oleObj>
+              </mc:Choice>
+              <mc:Fallback>
+                <p:oleObj name="Equation" r:id="rId62" imgW="126720" imgH="228600" progId="Equation.DSMT4">
+                  <p:embed/>
+                  <p:pic>
+                    <p:nvPicPr>
+                      <p:cNvPr id="57" name="Object 56">
+                        <a:extLst>
+                          <a:ext uri="{FF2B5EF4-FFF2-40B4-BE49-F238E27FC236}">
+                            <a16:creationId xmlns:a16="http://schemas.microsoft.com/office/drawing/2014/main" id="{095FE0F5-7D12-4EC9-8A67-712E8CB18585}"/>
+                          </a:ext>
+                        </a:extLst>
+                      </p:cNvPr>
+                      <p:cNvPicPr/>
+                      <p:nvPr/>
+                    </p:nvPicPr>
+                    <p:blipFill>
+                      <a:blip r:embed="rId63"/>
+                      <a:stretch>
+                        <a:fillRect/>
+                      </a:stretch>
+                    </p:blipFill>
+                    <p:spPr>
+                      <a:xfrm>
+                        <a:off x="9998626" y="1806379"/>
+                        <a:ext cx="349250" cy="631825"/>
+                      </a:xfrm>
+                      <a:prstGeom prst="rect">
+                        <a:avLst/>
+                      </a:prstGeom>
+                    </p:spPr>
+                  </p:pic>
+                </p:oleObj>
+              </mc:Fallback>
+            </mc:AlternateContent>
+          </a:graphicData>
+        </a:graphic>
+      </p:graphicFrame>
+      <p:graphicFrame>
+        <p:nvGraphicFramePr>
+          <p:cNvPr id="123" name="Object 122">
+            <a:extLst>
+              <a:ext uri="{FF2B5EF4-FFF2-40B4-BE49-F238E27FC236}">
+                <a16:creationId xmlns:a16="http://schemas.microsoft.com/office/drawing/2014/main" id="{CC067F58-9F33-44EE-9B7E-0139028CFC27}"/>
+              </a:ext>
+            </a:extLst>
+          </p:cNvPr>
+          <p:cNvGraphicFramePr>
+            <a:graphicFrameLocks noChangeAspect="1"/>
+          </p:cNvGraphicFramePr>
+          <p:nvPr>
+            <p:extLst>
+              <p:ext uri="{D42A27DB-BD31-4B8C-83A1-F6EECF244321}">
+                <p14:modId xmlns:p14="http://schemas.microsoft.com/office/powerpoint/2010/main" val="3572481888"/>
+              </p:ext>
+            </p:extLst>
+          </p:nvPr>
+        </p:nvGraphicFramePr>
+        <p:xfrm>
+          <a:off x="2398293" y="1165227"/>
+          <a:ext cx="349250" cy="631825"/>
+        </p:xfrm>
+        <a:graphic>
+          <a:graphicData uri="http://schemas.openxmlformats.org/presentationml/2006/ole">
+            <mc:AlternateContent xmlns:mc="http://schemas.openxmlformats.org/markup-compatibility/2006">
+              <mc:Choice xmlns:v="urn:schemas-microsoft-com:vml" Requires="v">
+                <p:oleObj spid="_x0000_s5839" name="Equation" r:id="rId64" imgW="126720" imgH="228600" progId="Equation.DSMT4">
+                  <p:embed/>
+                </p:oleObj>
+              </mc:Choice>
+              <mc:Fallback>
+                <p:oleObj name="Equation" r:id="rId64" imgW="126720" imgH="228600" progId="Equation.DSMT4">
+                  <p:embed/>
+                  <p:pic>
+                    <p:nvPicPr>
+                      <p:cNvPr id="57" name="Object 56">
+                        <a:extLst>
+                          <a:ext uri="{FF2B5EF4-FFF2-40B4-BE49-F238E27FC236}">
+                            <a16:creationId xmlns:a16="http://schemas.microsoft.com/office/drawing/2014/main" id="{095FE0F5-7D12-4EC9-8A67-712E8CB18585}"/>
+                          </a:ext>
+                        </a:extLst>
+                      </p:cNvPr>
+                      <p:cNvPicPr/>
+                      <p:nvPr/>
+                    </p:nvPicPr>
+                    <p:blipFill>
+                      <a:blip r:embed="rId65"/>
+                      <a:stretch>
+                        <a:fillRect/>
+                      </a:stretch>
+                    </p:blipFill>
+                    <p:spPr>
+                      <a:xfrm>
+                        <a:off x="2398293" y="1165227"/>
+                        <a:ext cx="349250" cy="631825"/>
+                      </a:xfrm>
+                      <a:prstGeom prst="rect">
+                        <a:avLst/>
+                      </a:prstGeom>
+                    </p:spPr>
+                  </p:pic>
+                </p:oleObj>
+              </mc:Fallback>
+            </mc:AlternateContent>
+          </a:graphicData>
+        </a:graphic>
+      </p:graphicFrame>
+      <p:cxnSp>
+        <p:nvCxnSpPr>
+          <p:cNvPr id="27" name="Straight Arrow Connector 26">
+            <a:extLst>
+              <a:ext uri="{FF2B5EF4-FFF2-40B4-BE49-F238E27FC236}">
+                <a16:creationId xmlns:a16="http://schemas.microsoft.com/office/drawing/2014/main" id="{20E1C50E-4A72-4568-8761-1BEDD6B1C1F5}"/>
+              </a:ext>
+            </a:extLst>
+          </p:cNvPr>
+          <p:cNvCxnSpPr>
+            <a:cxnSpLocks/>
+          </p:cNvCxnSpPr>
+          <p:nvPr/>
+        </p:nvCxnSpPr>
+        <p:spPr>
+          <a:xfrm flipH="1" flipV="1">
+            <a:off x="10014857" y="326572"/>
+            <a:ext cx="10886" cy="609599"/>
+          </a:xfrm>
+          <a:prstGeom prst="straightConnector1">
+            <a:avLst/>
+          </a:prstGeom>
+          <a:ln w="28575">
+            <a:solidFill>
+              <a:srgbClr val="FF0000"/>
+            </a:solidFill>
+            <a:prstDash val="dash"/>
+            <a:tailEnd type="triangle"/>
+          </a:ln>
+        </p:spPr>
+        <p:style>
+          <a:lnRef idx="1">
+            <a:schemeClr val="accent1"/>
+          </a:lnRef>
+          <a:fillRef idx="0">
+            <a:schemeClr val="accent1"/>
+          </a:fillRef>
+          <a:effectRef idx="0">
+            <a:schemeClr val="accent1"/>
+          </a:effectRef>
+          <a:fontRef idx="minor">
+            <a:schemeClr val="tx1"/>
+          </a:fontRef>
+        </p:style>
+      </p:cxnSp>
+      <p:cxnSp>
+        <p:nvCxnSpPr>
+          <p:cNvPr id="39" name="Straight Arrow Connector 38">
+            <a:extLst>
+              <a:ext uri="{FF2B5EF4-FFF2-40B4-BE49-F238E27FC236}">
+                <a16:creationId xmlns:a16="http://schemas.microsoft.com/office/drawing/2014/main" id="{ECC66EE0-DEB9-4254-99AE-144B45EFDAA6}"/>
+              </a:ext>
+            </a:extLst>
+          </p:cNvPr>
+          <p:cNvCxnSpPr>
+            <a:cxnSpLocks/>
+          </p:cNvCxnSpPr>
+          <p:nvPr/>
+        </p:nvCxnSpPr>
+        <p:spPr>
+          <a:xfrm flipH="1" flipV="1">
+            <a:off x="1796144" y="304801"/>
+            <a:ext cx="380999" cy="761999"/>
+          </a:xfrm>
+          <a:prstGeom prst="straightConnector1">
+            <a:avLst/>
+          </a:prstGeom>
+          <a:ln w="28575">
+            <a:solidFill>
+              <a:srgbClr val="FF0000"/>
+            </a:solidFill>
+            <a:prstDash val="dash"/>
+            <a:tailEnd type="triangle"/>
+          </a:ln>
+        </p:spPr>
+        <p:style>
+          <a:lnRef idx="1">
+            <a:schemeClr val="accent1"/>
+          </a:lnRef>
+          <a:fillRef idx="0">
+            <a:schemeClr val="accent1"/>
+          </a:fillRef>
+          <a:effectRef idx="0">
+            <a:schemeClr val="accent1"/>
+          </a:effectRef>
+          <a:fontRef idx="minor">
+            <a:schemeClr val="tx1"/>
+          </a:fontRef>
+        </p:style>
+      </p:cxnSp>
+      <p:graphicFrame>
+        <p:nvGraphicFramePr>
+          <p:cNvPr id="148" name="Object 147">
+            <a:extLst>
+              <a:ext uri="{FF2B5EF4-FFF2-40B4-BE49-F238E27FC236}">
+                <a16:creationId xmlns:a16="http://schemas.microsoft.com/office/drawing/2014/main" id="{89123AAE-856F-46E3-A787-FAE7C572E916}"/>
+              </a:ext>
+            </a:extLst>
+          </p:cNvPr>
+          <p:cNvGraphicFramePr>
+            <a:graphicFrameLocks noChangeAspect="1"/>
+          </p:cNvGraphicFramePr>
+          <p:nvPr>
+            <p:extLst>
+              <p:ext uri="{D42A27DB-BD31-4B8C-83A1-F6EECF244321}">
+                <p14:modId xmlns:p14="http://schemas.microsoft.com/office/powerpoint/2010/main" val="4119407001"/>
+              </p:ext>
+            </p:extLst>
+          </p:nvPr>
+        </p:nvGraphicFramePr>
+        <p:xfrm>
+          <a:off x="3113555" y="2525058"/>
+          <a:ext cx="492125" cy="527050"/>
+        </p:xfrm>
+        <a:graphic>
+          <a:graphicData uri="http://schemas.openxmlformats.org/presentationml/2006/ole">
+            <mc:AlternateContent xmlns:mc="http://schemas.openxmlformats.org/markup-compatibility/2006">
+              <mc:Choice xmlns:v="urn:schemas-microsoft-com:vml" Requires="v">
+                <p:oleObj spid="_x0000_s5840" name="Equation" r:id="rId66" imgW="177480" imgH="190440" progId="Equation.DSMT4">
+                  <p:embed/>
+                </p:oleObj>
+              </mc:Choice>
+              <mc:Fallback>
+                <p:oleObj name="Equation" r:id="rId66" imgW="177480" imgH="190440" progId="Equation.DSMT4">
+                  <p:embed/>
+                  <p:pic>
+                    <p:nvPicPr>
+                      <p:cNvPr id="114" name="Object 113">
+                        <a:extLst>
+                          <a:ext uri="{FF2B5EF4-FFF2-40B4-BE49-F238E27FC236}">
+                            <a16:creationId xmlns:a16="http://schemas.microsoft.com/office/drawing/2014/main" id="{14502632-0AB4-4E13-A70E-39D0B416B08D}"/>
+                          </a:ext>
+                        </a:extLst>
+                      </p:cNvPr>
+                      <p:cNvPicPr/>
+                      <p:nvPr/>
+                    </p:nvPicPr>
+                    <p:blipFill>
+                      <a:blip r:embed="rId67"/>
+                      <a:stretch>
+                        <a:fillRect/>
+                      </a:stretch>
+                    </p:blipFill>
+                    <p:spPr>
+                      <a:xfrm>
+                        <a:off x="3113555" y="2525058"/>
+                        <a:ext cx="492125" cy="527050"/>
+                      </a:xfrm>
+                      <a:prstGeom prst="rect">
+                        <a:avLst/>
+                      </a:prstGeom>
+                    </p:spPr>
+                  </p:pic>
+                </p:oleObj>
+              </mc:Fallback>
+            </mc:AlternateContent>
+          </a:graphicData>
+        </a:graphic>
+      </p:graphicFrame>
+      <p:graphicFrame>
+        <p:nvGraphicFramePr>
+          <p:cNvPr id="149" name="Object 148">
+            <a:extLst>
+              <a:ext uri="{FF2B5EF4-FFF2-40B4-BE49-F238E27FC236}">
+                <a16:creationId xmlns:a16="http://schemas.microsoft.com/office/drawing/2014/main" id="{EC87E906-2718-44B0-8357-3704DFD767B5}"/>
+              </a:ext>
+            </a:extLst>
+          </p:cNvPr>
+          <p:cNvGraphicFramePr>
+            <a:graphicFrameLocks noChangeAspect="1"/>
+          </p:cNvGraphicFramePr>
+          <p:nvPr>
+            <p:extLst>
+              <p:ext uri="{D42A27DB-BD31-4B8C-83A1-F6EECF244321}">
+                <p14:modId xmlns:p14="http://schemas.microsoft.com/office/powerpoint/2010/main" val="8952702"/>
+              </p:ext>
+            </p:extLst>
+          </p:nvPr>
+        </p:nvGraphicFramePr>
+        <p:xfrm>
+          <a:off x="9995213" y="3520463"/>
+          <a:ext cx="492125" cy="527050"/>
+        </p:xfrm>
+        <a:graphic>
+          <a:graphicData uri="http://schemas.openxmlformats.org/presentationml/2006/ole">
+            <mc:AlternateContent xmlns:mc="http://schemas.openxmlformats.org/markup-compatibility/2006">
+              <mc:Choice xmlns:v="urn:schemas-microsoft-com:vml" Requires="v">
+                <p:oleObj spid="_x0000_s5841" name="Equation" r:id="rId68" imgW="177480" imgH="190440" progId="Equation.DSMT4">
+                  <p:embed/>
+                </p:oleObj>
+              </mc:Choice>
+              <mc:Fallback>
+                <p:oleObj name="Equation" r:id="rId68" imgW="177480" imgH="190440" progId="Equation.DSMT4">
+                  <p:embed/>
+                  <p:pic>
+                    <p:nvPicPr>
+                      <p:cNvPr id="148" name="Object 147">
+                        <a:extLst>
+                          <a:ext uri="{FF2B5EF4-FFF2-40B4-BE49-F238E27FC236}">
+                            <a16:creationId xmlns:a16="http://schemas.microsoft.com/office/drawing/2014/main" id="{89123AAE-856F-46E3-A787-FAE7C572E916}"/>
+                          </a:ext>
+                        </a:extLst>
+                      </p:cNvPr>
+                      <p:cNvPicPr/>
+                      <p:nvPr/>
+                    </p:nvPicPr>
+                    <p:blipFill>
+                      <a:blip r:embed="rId67"/>
+                      <a:stretch>
+                        <a:fillRect/>
+                      </a:stretch>
+                    </p:blipFill>
+                    <p:spPr>
+                      <a:xfrm>
+                        <a:off x="9995213" y="3520463"/>
+                        <a:ext cx="492125" cy="527050"/>
+                      </a:xfrm>
+                      <a:prstGeom prst="rect">
+                        <a:avLst/>
+                      </a:prstGeom>
+                    </p:spPr>
+                  </p:pic>
+                </p:oleObj>
+              </mc:Fallback>
+            </mc:AlternateContent>
+          </a:graphicData>
+        </a:graphic>
+      </p:graphicFrame>
+      <p:cxnSp>
+        <p:nvCxnSpPr>
+          <p:cNvPr id="72" name="Straight Connector 71">
+            <a:extLst>
+              <a:ext uri="{FF2B5EF4-FFF2-40B4-BE49-F238E27FC236}">
+                <a16:creationId xmlns:a16="http://schemas.microsoft.com/office/drawing/2014/main" id="{769B3AC2-CCE4-4998-94FD-A4E077A4A2EE}"/>
+              </a:ext>
+            </a:extLst>
+          </p:cNvPr>
+          <p:cNvCxnSpPr/>
+          <p:nvPr/>
+        </p:nvCxnSpPr>
+        <p:spPr>
+          <a:xfrm flipH="1" flipV="1">
+            <a:off x="10827844" y="3783988"/>
+            <a:ext cx="262706" cy="265356"/>
+          </a:xfrm>
+          <a:prstGeom prst="line">
+            <a:avLst/>
+          </a:prstGeom>
+        </p:spPr>
+        <p:style>
+          <a:lnRef idx="1">
+            <a:schemeClr val="accent1"/>
+          </a:lnRef>
+          <a:fillRef idx="0">
+            <a:schemeClr val="accent1"/>
+          </a:fillRef>
+          <a:effectRef idx="0">
+            <a:schemeClr val="accent1"/>
+          </a:effectRef>
+          <a:fontRef idx="minor">
+            <a:schemeClr val="tx1"/>
+          </a:fontRef>
+        </p:style>
+      </p:cxnSp>
+      <p:cxnSp>
+        <p:nvCxnSpPr>
+          <p:cNvPr id="76" name="Straight Connector 75">
+            <a:extLst>
+              <a:ext uri="{FF2B5EF4-FFF2-40B4-BE49-F238E27FC236}">
+                <a16:creationId xmlns:a16="http://schemas.microsoft.com/office/drawing/2014/main" id="{DAF5473A-42CB-4171-B7D3-795C78E609C1}"/>
+              </a:ext>
+            </a:extLst>
+          </p:cNvPr>
+          <p:cNvCxnSpPr/>
+          <p:nvPr/>
+        </p:nvCxnSpPr>
+        <p:spPr>
+          <a:xfrm>
+            <a:off x="10838872" y="3783988"/>
+            <a:ext cx="426356" cy="176522"/>
+          </a:xfrm>
+          <a:prstGeom prst="line">
+            <a:avLst/>
+          </a:prstGeom>
+        </p:spPr>
+        <p:style>
+          <a:lnRef idx="1">
+            <a:schemeClr val="accent1"/>
+          </a:lnRef>
+          <a:fillRef idx="0">
+            <a:schemeClr val="accent1"/>
+          </a:fillRef>
+          <a:effectRef idx="0">
+            <a:schemeClr val="accent1"/>
+          </a:effectRef>
+          <a:fontRef idx="minor">
+            <a:schemeClr val="tx1"/>
+          </a:fontRef>
+        </p:style>
+      </p:cxnSp>
+      <p:cxnSp>
+        <p:nvCxnSpPr>
+          <p:cNvPr id="78" name="Straight Connector 77">
+            <a:extLst>
+              <a:ext uri="{FF2B5EF4-FFF2-40B4-BE49-F238E27FC236}">
+                <a16:creationId xmlns:a16="http://schemas.microsoft.com/office/drawing/2014/main" id="{92B55C64-B433-4D88-B791-D274DF7A1380}"/>
+              </a:ext>
+            </a:extLst>
+          </p:cNvPr>
+          <p:cNvCxnSpPr/>
+          <p:nvPr/>
+        </p:nvCxnSpPr>
+        <p:spPr>
+          <a:xfrm flipH="1" flipV="1">
+            <a:off x="3862934" y="2688675"/>
+            <a:ext cx="273637" cy="90616"/>
+          </a:xfrm>
+          <a:prstGeom prst="line">
+            <a:avLst/>
+          </a:prstGeom>
+        </p:spPr>
+        <p:style>
+          <a:lnRef idx="1">
+            <a:schemeClr val="accent1"/>
+          </a:lnRef>
+          <a:fillRef idx="0">
+            <a:schemeClr val="accent1"/>
+          </a:fillRef>
+          <a:effectRef idx="0">
+            <a:schemeClr val="accent1"/>
+          </a:effectRef>
+          <a:fontRef idx="minor">
+            <a:schemeClr val="tx1"/>
+          </a:fontRef>
+        </p:style>
+      </p:cxnSp>
+      <p:cxnSp>
+        <p:nvCxnSpPr>
+          <p:cNvPr id="80" name="Straight Connector 79">
+            <a:extLst>
+              <a:ext uri="{FF2B5EF4-FFF2-40B4-BE49-F238E27FC236}">
+                <a16:creationId xmlns:a16="http://schemas.microsoft.com/office/drawing/2014/main" id="{1AB48951-1A5A-4794-BB06-F732B3C220C8}"/>
+              </a:ext>
+            </a:extLst>
+          </p:cNvPr>
+          <p:cNvCxnSpPr>
+            <a:cxnSpLocks/>
+          </p:cNvCxnSpPr>
+          <p:nvPr/>
+        </p:nvCxnSpPr>
+        <p:spPr>
+          <a:xfrm flipV="1">
+            <a:off x="3852907" y="2579914"/>
+            <a:ext cx="348979" cy="95732"/>
           </a:xfrm>
           <a:prstGeom prst="line">
             <a:avLst/>
